--- a/classes/Physics9ab/downloads/Power.pptx
+++ b/classes/Physics9ab/downloads/Power.pptx
@@ -12,8 +12,14 @@
     <p:sldId id="260" r:id="rId6"/>
     <p:sldId id="261" r:id="rId7"/>
     <p:sldId id="262" r:id="rId8"/>
-    <p:sldId id="264" r:id="rId9"/>
-    <p:sldId id="263" r:id="rId10"/>
+    <p:sldId id="269" r:id="rId9"/>
+    <p:sldId id="264" r:id="rId10"/>
+    <p:sldId id="266" r:id="rId11"/>
+    <p:sldId id="265" r:id="rId12"/>
+    <p:sldId id="267" r:id="rId13"/>
+    <p:sldId id="263" r:id="rId14"/>
+    <p:sldId id="270" r:id="rId15"/>
+    <p:sldId id="271" r:id="rId16"/>
   </p:sldIdLst>
   <p:sldSz cx="12192000" cy="6858000"/>
   <p:notesSz cx="6858000" cy="9144000"/>
@@ -3038,7 +3044,7 @@
 </p:sld>
 </file>
 
-<file path=ppt/slides/slide2.xml><?xml version="1.0" encoding="utf-8"?>
+<file path=ppt/slides/slide10.xml><?xml version="1.0" encoding="utf-8"?>
 <p:sld xmlns:a="http://schemas.openxmlformats.org/drawingml/2006/main" xmlns:r="http://schemas.openxmlformats.org/officeDocument/2006/relationships" xmlns:p="http://schemas.openxmlformats.org/presentationml/2006/main">
   <p:cSld>
     <p:spTree>
@@ -3072,7 +3078,7 @@
           <a:p>
             <a:r>
               <a:rPr lang="en-US" dirty="0" smtClean="0"/>
-              <a:t>Power</a:t>
+              <a:t>Electricity meter</a:t>
             </a:r>
             <a:endParaRPr lang="en-US" dirty="0"/>
           </a:p>
@@ -3088,34 +3094,46 @@
             <p:ph sz="half" idx="1"/>
           </p:nvPr>
         </p:nvSpPr>
+        <p:spPr>
+          <a:xfrm>
+            <a:off x="838200" y="1825625"/>
+            <a:ext cx="5181600" cy="4351338"/>
+          </a:xfrm>
+        </p:spPr>
+        <p:txBody>
+          <a:bodyPr/>
+          <a:lstStyle/>
+          <a:p>
+            <a:endParaRPr lang="en-US" dirty="0"/>
+          </a:p>
+        </p:txBody>
+      </p:sp>
+      <p:sp>
+        <p:nvSpPr>
+          <p:cNvPr id="4" name="Content Placeholder 3"/>
+          <p:cNvSpPr>
+            <a:spLocks noGrp="1"/>
+          </p:cNvSpPr>
+          <p:nvPr>
+            <p:ph sz="half" idx="2"/>
+          </p:nvPr>
+        </p:nvSpPr>
         <p:spPr/>
         <p:txBody>
           <a:bodyPr/>
           <a:lstStyle/>
           <a:p>
-            <a:r>
-              <a:rPr lang="en-US" dirty="0" smtClean="0"/>
-              <a:t>If the work is done quickly – power is greater</a:t>
-            </a:r>
-          </a:p>
-          <a:p>
-            <a:r>
-              <a:rPr lang="en-US" dirty="0" smtClean="0"/>
-              <a:t>If the work is done slowly-the power is less</a:t>
-            </a:r>
-            <a:endParaRPr lang="en-US" dirty="0"/>
+            <a:endParaRPr lang="en-US"/>
           </a:p>
         </p:txBody>
       </p:sp>
       <p:pic>
         <p:nvPicPr>
-          <p:cNvPr id="1026" name="Picture 2" descr="KÃ©ptalÃ¡lat a kÃ¶vetkezÅre: âpower physicsâ"/>
+          <p:cNvPr id="8194" name="Picture 2" descr="KÃ©ptalÃ¡lat a kÃ¶vetkezÅre: âvillanyÃ³raâ"/>
           <p:cNvPicPr>
-            <a:picLocks noGrp="1" noChangeAspect="1" noChangeArrowheads="1"/>
+            <a:picLocks noChangeAspect="1" noChangeArrowheads="1"/>
           </p:cNvPicPr>
-          <p:nvPr>
-            <p:ph sz="half" idx="2"/>
-          </p:nvPr>
+          <p:nvPr/>
         </p:nvPicPr>
         <p:blipFill>
           <a:blip r:embed="rId2">
@@ -3132,49 +3150,8 @@
         </p:blipFill>
         <p:spPr bwMode="auto">
           <a:xfrm>
-            <a:off x="6268122" y="649997"/>
-            <a:ext cx="5085678" cy="3729497"/>
-          </a:xfrm>
-          <a:prstGeom prst="rect">
-            <a:avLst/>
-          </a:prstGeom>
-          <a:noFill/>
-          <a:extLst>
-            <a:ext uri="{909E8E84-426E-40DD-AFC4-6F175D3DCCD1}">
-              <a14:hiddenFill xmlns:a14="http://schemas.microsoft.com/office/drawing/2010/main">
-                <a:solidFill>
-                  <a:srgbClr val="FFFFFF"/>
-                </a:solidFill>
-              </a14:hiddenFill>
-            </a:ext>
-          </a:extLst>
-        </p:spPr>
-      </p:pic>
-      <p:pic>
-        <p:nvPicPr>
-          <p:cNvPr id="1028" name="Picture 4" descr="KÃ©ptalÃ¡lat a kÃ¶vetkezÅre: âpower physicsâ"/>
-          <p:cNvPicPr>
-            <a:picLocks noChangeAspect="1" noChangeArrowheads="1"/>
-          </p:cNvPicPr>
-          <p:nvPr/>
-        </p:nvPicPr>
-        <p:blipFill>
-          <a:blip r:embed="rId3">
-            <a:extLst>
-              <a:ext uri="{28A0092B-C50C-407E-A947-70E740481C1C}">
-                <a14:useLocalDpi xmlns:a14="http://schemas.microsoft.com/office/drawing/2010/main" val="0"/>
-              </a:ext>
-            </a:extLst>
-          </a:blip>
-          <a:srcRect/>
-          <a:stretch>
-            <a:fillRect/>
-          </a:stretch>
-        </p:blipFill>
-        <p:spPr bwMode="auto">
-          <a:xfrm>
-            <a:off x="3602289" y="3471651"/>
-            <a:ext cx="2417511" cy="3381945"/>
+            <a:off x="5372010" y="918965"/>
+            <a:ext cx="5513705" cy="5555058"/>
           </a:xfrm>
           <a:prstGeom prst="rect">
             <a:avLst/>
@@ -3194,7 +3171,7 @@
     </p:spTree>
     <p:extLst>
       <p:ext uri="{BB962C8B-B14F-4D97-AF65-F5344CB8AC3E}">
-        <p14:creationId xmlns:p14="http://schemas.microsoft.com/office/powerpoint/2010/main" val="1566636764"/>
+        <p14:creationId xmlns:p14="http://schemas.microsoft.com/office/powerpoint/2010/main" val="2874111480"/>
       </p:ext>
     </p:extLst>
   </p:cSld>
@@ -3204,465 +3181,165 @@
   <p:timing>
     <p:tnLst>
       <p:par>
-        <p:cTn id="1" dur="indefinite" restart="never" nodeType="tmRoot">
-          <p:childTnLst>
-            <p:seq concurrent="1" nextAc="seek">
-              <p:cTn id="2" dur="indefinite" nodeType="mainSeq">
-                <p:childTnLst>
-                  <p:par>
-                    <p:cTn id="3" fill="hold">
-                      <p:stCondLst>
-                        <p:cond delay="indefinite"/>
-                      </p:stCondLst>
-                      <p:childTnLst>
-                        <p:par>
-                          <p:cTn id="4" fill="hold">
-                            <p:stCondLst>
-                              <p:cond delay="0"/>
-                            </p:stCondLst>
-                            <p:childTnLst>
-                              <p:par>
-                                <p:cTn id="5" presetID="42" presetClass="entr" presetSubtype="0" fill="hold" nodeType="clickEffect">
-                                  <p:stCondLst>
-                                    <p:cond delay="0"/>
-                                  </p:stCondLst>
-                                  <p:childTnLst>
-                                    <p:set>
-                                      <p:cBhvr>
-                                        <p:cTn id="6" dur="1" fill="hold">
-                                          <p:stCondLst>
-                                            <p:cond delay="0"/>
-                                          </p:stCondLst>
-                                        </p:cTn>
-                                        <p:tgtEl>
-                                          <p:spTgt spid="3">
-                                            <p:txEl>
-                                              <p:pRg st="0" end="0"/>
-                                            </p:txEl>
-                                          </p:spTgt>
-                                        </p:tgtEl>
-                                        <p:attrNameLst>
-                                          <p:attrName>style.visibility</p:attrName>
-                                        </p:attrNameLst>
-                                      </p:cBhvr>
-                                      <p:to>
-                                        <p:strVal val="visible"/>
-                                      </p:to>
-                                    </p:set>
-                                    <p:animEffect transition="in" filter="fade">
-                                      <p:cBhvr>
-                                        <p:cTn id="7" dur="1000"/>
-                                        <p:tgtEl>
-                                          <p:spTgt spid="3">
-                                            <p:txEl>
-                                              <p:pRg st="0" end="0"/>
-                                            </p:txEl>
-                                          </p:spTgt>
-                                        </p:tgtEl>
-                                      </p:cBhvr>
-                                    </p:animEffect>
-                                    <p:anim calcmode="lin" valueType="num">
-                                      <p:cBhvr>
-                                        <p:cTn id="8" dur="1000" fill="hold"/>
-                                        <p:tgtEl>
-                                          <p:spTgt spid="3">
-                                            <p:txEl>
-                                              <p:pRg st="0" end="0"/>
-                                            </p:txEl>
-                                          </p:spTgt>
-                                        </p:tgtEl>
-                                        <p:attrNameLst>
-                                          <p:attrName>ppt_x</p:attrName>
-                                        </p:attrNameLst>
-                                      </p:cBhvr>
-                                      <p:tavLst>
-                                        <p:tav tm="0">
-                                          <p:val>
-                                            <p:strVal val="#ppt_x"/>
-                                          </p:val>
-                                        </p:tav>
-                                        <p:tav tm="100000">
-                                          <p:val>
-                                            <p:strVal val="#ppt_x"/>
-                                          </p:val>
-                                        </p:tav>
-                                      </p:tavLst>
-                                    </p:anim>
-                                    <p:anim calcmode="lin" valueType="num">
-                                      <p:cBhvr>
-                                        <p:cTn id="9" dur="1000" fill="hold"/>
-                                        <p:tgtEl>
-                                          <p:spTgt spid="3">
-                                            <p:txEl>
-                                              <p:pRg st="0" end="0"/>
-                                            </p:txEl>
-                                          </p:spTgt>
-                                        </p:tgtEl>
-                                        <p:attrNameLst>
-                                          <p:attrName>ppt_y</p:attrName>
-                                        </p:attrNameLst>
-                                      </p:cBhvr>
-                                      <p:tavLst>
-                                        <p:tav tm="0">
-                                          <p:val>
-                                            <p:strVal val="#ppt_y+.1"/>
-                                          </p:val>
-                                        </p:tav>
-                                        <p:tav tm="100000">
-                                          <p:val>
-                                            <p:strVal val="#ppt_y"/>
-                                          </p:val>
-                                        </p:tav>
-                                      </p:tavLst>
-                                    </p:anim>
-                                  </p:childTnLst>
-                                </p:cTn>
-                              </p:par>
-                            </p:childTnLst>
-                          </p:cTn>
-                        </p:par>
-                      </p:childTnLst>
-                    </p:cTn>
-                  </p:par>
-                  <p:par>
-                    <p:cTn id="10" fill="hold">
-                      <p:stCondLst>
-                        <p:cond delay="indefinite"/>
-                      </p:stCondLst>
-                      <p:childTnLst>
-                        <p:par>
-                          <p:cTn id="11" fill="hold">
-                            <p:stCondLst>
-                              <p:cond delay="0"/>
-                            </p:stCondLst>
-                            <p:childTnLst>
-                              <p:par>
-                                <p:cTn id="12" presetID="42" presetClass="entr" presetSubtype="0" fill="hold" nodeType="clickEffect">
-                                  <p:stCondLst>
-                                    <p:cond delay="0"/>
-                                  </p:stCondLst>
-                                  <p:childTnLst>
-                                    <p:set>
-                                      <p:cBhvr>
-                                        <p:cTn id="13" dur="1" fill="hold">
-                                          <p:stCondLst>
-                                            <p:cond delay="0"/>
-                                          </p:stCondLst>
-                                        </p:cTn>
-                                        <p:tgtEl>
-                                          <p:spTgt spid="3">
-                                            <p:txEl>
-                                              <p:pRg st="1" end="1"/>
-                                            </p:txEl>
-                                          </p:spTgt>
-                                        </p:tgtEl>
-                                        <p:attrNameLst>
-                                          <p:attrName>style.visibility</p:attrName>
-                                        </p:attrNameLst>
-                                      </p:cBhvr>
-                                      <p:to>
-                                        <p:strVal val="visible"/>
-                                      </p:to>
-                                    </p:set>
-                                    <p:animEffect transition="in" filter="fade">
-                                      <p:cBhvr>
-                                        <p:cTn id="14" dur="1000"/>
-                                        <p:tgtEl>
-                                          <p:spTgt spid="3">
-                                            <p:txEl>
-                                              <p:pRg st="1" end="1"/>
-                                            </p:txEl>
-                                          </p:spTgt>
-                                        </p:tgtEl>
-                                      </p:cBhvr>
-                                    </p:animEffect>
-                                    <p:anim calcmode="lin" valueType="num">
-                                      <p:cBhvr>
-                                        <p:cTn id="15" dur="1000" fill="hold"/>
-                                        <p:tgtEl>
-                                          <p:spTgt spid="3">
-                                            <p:txEl>
-                                              <p:pRg st="1" end="1"/>
-                                            </p:txEl>
-                                          </p:spTgt>
-                                        </p:tgtEl>
-                                        <p:attrNameLst>
-                                          <p:attrName>ppt_x</p:attrName>
-                                        </p:attrNameLst>
-                                      </p:cBhvr>
-                                      <p:tavLst>
-                                        <p:tav tm="0">
-                                          <p:val>
-                                            <p:strVal val="#ppt_x"/>
-                                          </p:val>
-                                        </p:tav>
-                                        <p:tav tm="100000">
-                                          <p:val>
-                                            <p:strVal val="#ppt_x"/>
-                                          </p:val>
-                                        </p:tav>
-                                      </p:tavLst>
-                                    </p:anim>
-                                    <p:anim calcmode="lin" valueType="num">
-                                      <p:cBhvr>
-                                        <p:cTn id="16" dur="1000" fill="hold"/>
-                                        <p:tgtEl>
-                                          <p:spTgt spid="3">
-                                            <p:txEl>
-                                              <p:pRg st="1" end="1"/>
-                                            </p:txEl>
-                                          </p:spTgt>
-                                        </p:tgtEl>
-                                        <p:attrNameLst>
-                                          <p:attrName>ppt_y</p:attrName>
-                                        </p:attrNameLst>
-                                      </p:cBhvr>
-                                      <p:tavLst>
-                                        <p:tav tm="0">
-                                          <p:val>
-                                            <p:strVal val="#ppt_y+.1"/>
-                                          </p:val>
-                                        </p:tav>
-                                        <p:tav tm="100000">
-                                          <p:val>
-                                            <p:strVal val="#ppt_y"/>
-                                          </p:val>
-                                        </p:tav>
-                                      </p:tavLst>
-                                    </p:anim>
-                                  </p:childTnLst>
-                                </p:cTn>
-                              </p:par>
-                            </p:childTnLst>
-                          </p:cTn>
-                        </p:par>
-                      </p:childTnLst>
-                    </p:cTn>
-                  </p:par>
-                  <p:par>
-                    <p:cTn id="17" fill="hold">
-                      <p:stCondLst>
-                        <p:cond delay="indefinite"/>
-                      </p:stCondLst>
-                      <p:childTnLst>
-                        <p:par>
-                          <p:cTn id="18" fill="hold">
-                            <p:stCondLst>
-                              <p:cond delay="0"/>
-                            </p:stCondLst>
-                            <p:childTnLst>
-                              <p:par>
-                                <p:cTn id="19" presetID="42" presetClass="entr" presetSubtype="0" fill="hold" nodeType="clickEffect">
-                                  <p:stCondLst>
-                                    <p:cond delay="0"/>
-                                  </p:stCondLst>
-                                  <p:childTnLst>
-                                    <p:set>
-                                      <p:cBhvr>
-                                        <p:cTn id="20" dur="1" fill="hold">
-                                          <p:stCondLst>
-                                            <p:cond delay="0"/>
-                                          </p:stCondLst>
-                                        </p:cTn>
-                                        <p:tgtEl>
-                                          <p:spTgt spid="1026"/>
-                                        </p:tgtEl>
-                                        <p:attrNameLst>
-                                          <p:attrName>style.visibility</p:attrName>
-                                        </p:attrNameLst>
-                                      </p:cBhvr>
-                                      <p:to>
-                                        <p:strVal val="visible"/>
-                                      </p:to>
-                                    </p:set>
-                                    <p:animEffect transition="in" filter="fade">
-                                      <p:cBhvr>
-                                        <p:cTn id="21" dur="1000"/>
-                                        <p:tgtEl>
-                                          <p:spTgt spid="1026"/>
-                                        </p:tgtEl>
-                                      </p:cBhvr>
-                                    </p:animEffect>
-                                    <p:anim calcmode="lin" valueType="num">
-                                      <p:cBhvr>
-                                        <p:cTn id="22" dur="1000" fill="hold"/>
-                                        <p:tgtEl>
-                                          <p:spTgt spid="1026"/>
-                                        </p:tgtEl>
-                                        <p:attrNameLst>
-                                          <p:attrName>ppt_x</p:attrName>
-                                        </p:attrNameLst>
-                                      </p:cBhvr>
-                                      <p:tavLst>
-                                        <p:tav tm="0">
-                                          <p:val>
-                                            <p:strVal val="#ppt_x"/>
-                                          </p:val>
-                                        </p:tav>
-                                        <p:tav tm="100000">
-                                          <p:val>
-                                            <p:strVal val="#ppt_x"/>
-                                          </p:val>
-                                        </p:tav>
-                                      </p:tavLst>
-                                    </p:anim>
-                                    <p:anim calcmode="lin" valueType="num">
-                                      <p:cBhvr>
-                                        <p:cTn id="23" dur="1000" fill="hold"/>
-                                        <p:tgtEl>
-                                          <p:spTgt spid="1026"/>
-                                        </p:tgtEl>
-                                        <p:attrNameLst>
-                                          <p:attrName>ppt_y</p:attrName>
-                                        </p:attrNameLst>
-                                      </p:cBhvr>
-                                      <p:tavLst>
-                                        <p:tav tm="0">
-                                          <p:val>
-                                            <p:strVal val="#ppt_y+.1"/>
-                                          </p:val>
-                                        </p:tav>
-                                        <p:tav tm="100000">
-                                          <p:val>
-                                            <p:strVal val="#ppt_y"/>
-                                          </p:val>
-                                        </p:tav>
-                                      </p:tavLst>
-                                    </p:anim>
-                                  </p:childTnLst>
-                                </p:cTn>
-                              </p:par>
-                            </p:childTnLst>
-                          </p:cTn>
-                        </p:par>
-                      </p:childTnLst>
-                    </p:cTn>
-                  </p:par>
-                  <p:par>
-                    <p:cTn id="24" fill="hold">
-                      <p:stCondLst>
-                        <p:cond delay="indefinite"/>
-                      </p:stCondLst>
-                      <p:childTnLst>
-                        <p:par>
-                          <p:cTn id="25" fill="hold">
-                            <p:stCondLst>
-                              <p:cond delay="0"/>
-                            </p:stCondLst>
-                            <p:childTnLst>
-                              <p:par>
-                                <p:cTn id="26" presetID="42" presetClass="entr" presetSubtype="0" fill="hold" nodeType="clickEffect">
-                                  <p:stCondLst>
-                                    <p:cond delay="0"/>
-                                  </p:stCondLst>
-                                  <p:childTnLst>
-                                    <p:set>
-                                      <p:cBhvr>
-                                        <p:cTn id="27" dur="1" fill="hold">
-                                          <p:stCondLst>
-                                            <p:cond delay="0"/>
-                                          </p:stCondLst>
-                                        </p:cTn>
-                                        <p:tgtEl>
-                                          <p:spTgt spid="1028"/>
-                                        </p:tgtEl>
-                                        <p:attrNameLst>
-                                          <p:attrName>style.visibility</p:attrName>
-                                        </p:attrNameLst>
-                                      </p:cBhvr>
-                                      <p:to>
-                                        <p:strVal val="visible"/>
-                                      </p:to>
-                                    </p:set>
-                                    <p:animEffect transition="in" filter="fade">
-                                      <p:cBhvr>
-                                        <p:cTn id="28" dur="1000"/>
-                                        <p:tgtEl>
-                                          <p:spTgt spid="1028"/>
-                                        </p:tgtEl>
-                                      </p:cBhvr>
-                                    </p:animEffect>
-                                    <p:anim calcmode="lin" valueType="num">
-                                      <p:cBhvr>
-                                        <p:cTn id="29" dur="1000" fill="hold"/>
-                                        <p:tgtEl>
-                                          <p:spTgt spid="1028"/>
-                                        </p:tgtEl>
-                                        <p:attrNameLst>
-                                          <p:attrName>ppt_x</p:attrName>
-                                        </p:attrNameLst>
-                                      </p:cBhvr>
-                                      <p:tavLst>
-                                        <p:tav tm="0">
-                                          <p:val>
-                                            <p:strVal val="#ppt_x"/>
-                                          </p:val>
-                                        </p:tav>
-                                        <p:tav tm="100000">
-                                          <p:val>
-                                            <p:strVal val="#ppt_x"/>
-                                          </p:val>
-                                        </p:tav>
-                                      </p:tavLst>
-                                    </p:anim>
-                                    <p:anim calcmode="lin" valueType="num">
-                                      <p:cBhvr>
-                                        <p:cTn id="30" dur="1000" fill="hold"/>
-                                        <p:tgtEl>
-                                          <p:spTgt spid="1028"/>
-                                        </p:tgtEl>
-                                        <p:attrNameLst>
-                                          <p:attrName>ppt_y</p:attrName>
-                                        </p:attrNameLst>
-                                      </p:cBhvr>
-                                      <p:tavLst>
-                                        <p:tav tm="0">
-                                          <p:val>
-                                            <p:strVal val="#ppt_y+.1"/>
-                                          </p:val>
-                                        </p:tav>
-                                        <p:tav tm="100000">
-                                          <p:val>
-                                            <p:strVal val="#ppt_y"/>
-                                          </p:val>
-                                        </p:tav>
-                                      </p:tavLst>
-                                    </p:anim>
-                                  </p:childTnLst>
-                                </p:cTn>
-                              </p:par>
-                            </p:childTnLst>
-                          </p:cTn>
-                        </p:par>
-                      </p:childTnLst>
-                    </p:cTn>
-                  </p:par>
-                </p:childTnLst>
-              </p:cTn>
-              <p:prevCondLst>
-                <p:cond evt="onPrev" delay="0">
-                  <p:tgtEl>
-                    <p:sldTgt/>
-                  </p:tgtEl>
-                </p:cond>
-              </p:prevCondLst>
-              <p:nextCondLst>
-                <p:cond evt="onNext" delay="0">
-                  <p:tgtEl>
-                    <p:sldTgt/>
-                  </p:tgtEl>
-                </p:cond>
-              </p:nextCondLst>
-            </p:seq>
-          </p:childTnLst>
-        </p:cTn>
+        <p:cTn id="1" dur="indefinite" restart="never" nodeType="tmRoot"/>
       </p:par>
     </p:tnLst>
   </p:timing>
 </p:sld>
 </file>
 
-<file path=ppt/slides/slide3.xml><?xml version="1.0" encoding="utf-8"?>
+<file path=ppt/slides/slide11.xml><?xml version="1.0" encoding="utf-8"?>
+<p:sld xmlns:a="http://schemas.openxmlformats.org/drawingml/2006/main" xmlns:r="http://schemas.openxmlformats.org/officeDocument/2006/relationships" xmlns:p="http://schemas.openxmlformats.org/presentationml/2006/main">
+  <p:cSld>
+    <p:spTree>
+      <p:nvGrpSpPr>
+        <p:cNvPr id="1" name=""/>
+        <p:cNvGrpSpPr/>
+        <p:nvPr/>
+      </p:nvGrpSpPr>
+      <p:grpSpPr>
+        <a:xfrm>
+          <a:off x="0" y="0"/>
+          <a:ext cx="0" cy="0"/>
+          <a:chOff x="0" y="0"/>
+          <a:chExt cx="0" cy="0"/>
+        </a:xfrm>
+      </p:grpSpPr>
+      <p:sp>
+        <p:nvSpPr>
+          <p:cNvPr id="2" name="Title 1"/>
+          <p:cNvSpPr>
+            <a:spLocks noGrp="1"/>
+          </p:cNvSpPr>
+          <p:nvPr>
+            <p:ph type="title"/>
+          </p:nvPr>
+        </p:nvSpPr>
+        <p:spPr/>
+        <p:txBody>
+          <a:bodyPr>
+            <a:normAutofit fontScale="90000"/>
+          </a:bodyPr>
+          <a:lstStyle/>
+          <a:p>
+            <a:r>
+              <a:rPr lang="en-US" dirty="0" smtClean="0"/>
+              <a:t>Electricity </a:t>
+            </a:r>
+            <a:br>
+              <a:rPr lang="en-US" dirty="0" smtClean="0"/>
+            </a:br>
+            <a:r>
+              <a:rPr lang="en-US" dirty="0" smtClean="0"/>
+              <a:t>bill</a:t>
+            </a:r>
+            <a:br>
+              <a:rPr lang="en-US" dirty="0" smtClean="0"/>
+            </a:br>
+            <a:endParaRPr lang="en-US" dirty="0"/>
+          </a:p>
+        </p:txBody>
+      </p:sp>
+      <p:sp>
+        <p:nvSpPr>
+          <p:cNvPr id="3" name="Content Placeholder 2"/>
+          <p:cNvSpPr>
+            <a:spLocks noGrp="1"/>
+          </p:cNvSpPr>
+          <p:nvPr>
+            <p:ph sz="half" idx="1"/>
+          </p:nvPr>
+        </p:nvSpPr>
+        <p:spPr/>
+        <p:txBody>
+          <a:bodyPr/>
+          <a:lstStyle/>
+          <a:p>
+            <a:endParaRPr lang="en-US" dirty="0"/>
+          </a:p>
+        </p:txBody>
+      </p:sp>
+      <p:sp>
+        <p:nvSpPr>
+          <p:cNvPr id="4" name="Content Placeholder 3"/>
+          <p:cNvSpPr>
+            <a:spLocks noGrp="1"/>
+          </p:cNvSpPr>
+          <p:nvPr>
+            <p:ph sz="half" idx="2"/>
+          </p:nvPr>
+        </p:nvSpPr>
+        <p:spPr/>
+        <p:txBody>
+          <a:bodyPr/>
+          <a:lstStyle/>
+          <a:p>
+            <a:endParaRPr lang="en-US"/>
+          </a:p>
+        </p:txBody>
+      </p:sp>
+      <p:pic>
+        <p:nvPicPr>
+          <p:cNvPr id="7170" name="Picture 2" descr="http://www.penzcentrum.hu/images/content/201310/31-villanyszamla_1.jpg"/>
+          <p:cNvPicPr>
+            <a:picLocks noChangeAspect="1" noChangeArrowheads="1"/>
+          </p:cNvPicPr>
+          <p:nvPr/>
+        </p:nvPicPr>
+        <p:blipFill>
+          <a:blip r:embed="rId2">
+            <a:extLst>
+              <a:ext uri="{28A0092B-C50C-407E-A947-70E740481C1C}">
+                <a14:useLocalDpi xmlns:a14="http://schemas.microsoft.com/office/drawing/2010/main" val="0"/>
+              </a:ext>
+            </a:extLst>
+          </a:blip>
+          <a:srcRect/>
+          <a:stretch>
+            <a:fillRect/>
+          </a:stretch>
+        </p:blipFill>
+        <p:spPr bwMode="auto">
+          <a:xfrm>
+            <a:off x="4042371" y="205420"/>
+            <a:ext cx="8065027" cy="6326007"/>
+          </a:xfrm>
+          <a:prstGeom prst="rect">
+            <a:avLst/>
+          </a:prstGeom>
+          <a:noFill/>
+          <a:extLst>
+            <a:ext uri="{909E8E84-426E-40DD-AFC4-6F175D3DCCD1}">
+              <a14:hiddenFill xmlns:a14="http://schemas.microsoft.com/office/drawing/2010/main">
+                <a:solidFill>
+                  <a:srgbClr val="FFFFFF"/>
+                </a:solidFill>
+              </a14:hiddenFill>
+            </a:ext>
+          </a:extLst>
+        </p:spPr>
+      </p:pic>
+    </p:spTree>
+    <p:extLst>
+      <p:ext uri="{BB962C8B-B14F-4D97-AF65-F5344CB8AC3E}">
+        <p14:creationId xmlns:p14="http://schemas.microsoft.com/office/powerpoint/2010/main" val="3393093736"/>
+      </p:ext>
+    </p:extLst>
+  </p:cSld>
+  <p:clrMapOvr>
+    <a:masterClrMapping/>
+  </p:clrMapOvr>
+  <p:timing>
+    <p:tnLst>
+      <p:par>
+        <p:cTn id="1" dur="indefinite" restart="never" nodeType="tmRoot"/>
+      </p:par>
+    </p:tnLst>
+  </p:timing>
+</p:sld>
+</file>
+
+<file path=ppt/slides/slide12.xml><?xml version="1.0" encoding="utf-8"?>
 <p:sld xmlns:a="http://schemas.openxmlformats.org/drawingml/2006/main" xmlns:r="http://schemas.openxmlformats.org/officeDocument/2006/relationships" xmlns:p="http://schemas.openxmlformats.org/presentationml/2006/main">
   <p:cSld>
     <p:spTree>
@@ -3696,7 +3373,7 @@
           <a:p>
             <a:r>
               <a:rPr lang="en-US" dirty="0" smtClean="0"/>
-              <a:t>Power</a:t>
+              <a:t>Problem 4.</a:t>
             </a:r>
             <a:endParaRPr lang="en-US" dirty="0"/>
           </a:p>
@@ -3721,166 +3398,52 @@
               <a:p>
                 <a:r>
                   <a:rPr lang="en-US" dirty="0" smtClean="0"/>
-                  <a:t>is the rate of doing work</a:t>
+                  <a:t>We pull a box at a constant speed. The force of the kinetic friction is 250 N. How far can we pull it if </a:t>
                 </a:r>
-              </a:p>
-              <a:p>
-                <a:r>
-                  <a:rPr lang="en-US" dirty="0" smtClean="0"/>
-                  <a:t>Symbol: P</a:t>
-                </a:r>
-              </a:p>
-              <a:p>
                 <a14:m>
                   <m:oMath xmlns:m="http://schemas.openxmlformats.org/officeDocument/2006/math">
+                    <m:sSup>
+                      <m:sSupPr>
+                        <m:ctrlPr>
+                          <a:rPr lang="en-US" i="1" smtClean="0">
+                            <a:latin typeface="Cambria Math" panose="02040503050406030204" pitchFamily="18" charset="0"/>
+                          </a:rPr>
+                        </m:ctrlPr>
+                      </m:sSupPr>
+                      <m:e>
+                        <m:r>
+                          <a:rPr lang="en-US" b="0" i="1" smtClean="0">
+                            <a:latin typeface="Cambria Math" panose="02040503050406030204" pitchFamily="18" charset="0"/>
+                          </a:rPr>
+                          <m:t>10</m:t>
+                        </m:r>
+                      </m:e>
+                      <m:sup>
+                        <m:r>
+                          <a:rPr lang="en-US" b="0" i="1" smtClean="0">
+                            <a:latin typeface="Cambria Math" panose="02040503050406030204" pitchFamily="18" charset="0"/>
+                          </a:rPr>
+                          <m:t>−3</m:t>
+                        </m:r>
+                      </m:sup>
+                    </m:sSup>
                     <m:r>
                       <a:rPr lang="en-US" b="0" i="1" smtClean="0">
                         <a:latin typeface="Cambria Math" panose="02040503050406030204" pitchFamily="18" charset="0"/>
                       </a:rPr>
-                      <m:t>𝑃</m:t>
+                      <m:t>𝑘𝑊h</m:t>
                     </m:r>
                     <m:r>
                       <a:rPr lang="en-US" b="0" i="1" smtClean="0">
                         <a:latin typeface="Cambria Math" panose="02040503050406030204" pitchFamily="18" charset="0"/>
                       </a:rPr>
-                      <m:t>=</m:t>
-                    </m:r>
-                    <m:f>
-                      <m:fPr>
-                        <m:ctrlPr>
-                          <a:rPr lang="en-US" b="0" i="1" smtClean="0">
-                            <a:latin typeface="Cambria Math" panose="02040503050406030204" pitchFamily="18" charset="0"/>
-                          </a:rPr>
-                        </m:ctrlPr>
-                      </m:fPr>
-                      <m:num>
-                        <m:r>
-                          <a:rPr lang="en-US" b="0" i="1" smtClean="0">
-                            <a:latin typeface="Cambria Math" panose="02040503050406030204" pitchFamily="18" charset="0"/>
-                          </a:rPr>
-                          <m:t>𝑊</m:t>
-                        </m:r>
-                      </m:num>
-                      <m:den>
-                        <m:r>
-                          <a:rPr lang="en-US" b="0" i="1" smtClean="0">
-                            <a:latin typeface="Cambria Math" panose="02040503050406030204" pitchFamily="18" charset="0"/>
-                          </a:rPr>
-                          <m:t>𝑡</m:t>
-                        </m:r>
-                      </m:den>
-                    </m:f>
-                  </m:oMath>
-                </a14:m>
-                <a:endParaRPr lang="en-US" dirty="0" smtClean="0"/>
-              </a:p>
-              <a:p>
-                <a:r>
-                  <a:rPr lang="en-US" dirty="0" smtClean="0"/>
-                  <a:t>Unit: </a:t>
-                </a:r>
-                <a14:m>
-                  <m:oMath xmlns:m="http://schemas.openxmlformats.org/officeDocument/2006/math">
-                    <m:f>
-                      <m:fPr>
-                        <m:ctrlPr>
-                          <a:rPr lang="en-US" i="1" smtClean="0">
-                            <a:latin typeface="Cambria Math" panose="02040503050406030204" pitchFamily="18" charset="0"/>
-                          </a:rPr>
-                        </m:ctrlPr>
-                      </m:fPr>
-                      <m:num>
-                        <m:r>
-                          <a:rPr lang="en-US" b="0" i="1" smtClean="0">
-                            <a:latin typeface="Cambria Math" panose="02040503050406030204" pitchFamily="18" charset="0"/>
-                          </a:rPr>
-                          <m:t>1</m:t>
-                        </m:r>
-                        <m:r>
-                          <a:rPr lang="en-US" b="0" i="1" smtClean="0">
-                            <a:latin typeface="Cambria Math" panose="02040503050406030204" pitchFamily="18" charset="0"/>
-                          </a:rPr>
-                          <m:t>𝐽</m:t>
-                        </m:r>
-                      </m:num>
-                      <m:den>
-                        <m:r>
-                          <a:rPr lang="en-US" b="0" i="1" smtClean="0">
-                            <a:latin typeface="Cambria Math" panose="02040503050406030204" pitchFamily="18" charset="0"/>
-                          </a:rPr>
-                          <m:t>1</m:t>
-                        </m:r>
-                        <m:r>
-                          <a:rPr lang="en-US" b="0" i="1" smtClean="0">
-                            <a:latin typeface="Cambria Math" panose="02040503050406030204" pitchFamily="18" charset="0"/>
-                          </a:rPr>
-                          <m:t>𝑠</m:t>
-                        </m:r>
-                      </m:den>
-                    </m:f>
-                    <m:r>
-                      <a:rPr lang="en-US" b="0" i="1" smtClean="0">
-                        <a:latin typeface="Cambria Math" panose="02040503050406030204" pitchFamily="18" charset="0"/>
-                      </a:rPr>
-                      <m:t>=1</m:t>
-                    </m:r>
-                    <m:f>
-                      <m:fPr>
-                        <m:ctrlPr>
-                          <a:rPr lang="en-US" b="0" i="1" smtClean="0">
-                            <a:latin typeface="Cambria Math" panose="02040503050406030204" pitchFamily="18" charset="0"/>
-                          </a:rPr>
-                        </m:ctrlPr>
-                      </m:fPr>
-                      <m:num>
-                        <m:r>
-                          <a:rPr lang="en-US" b="0" i="1" smtClean="0">
-                            <a:latin typeface="Cambria Math" panose="02040503050406030204" pitchFamily="18" charset="0"/>
-                          </a:rPr>
-                          <m:t>𝐽</m:t>
-                        </m:r>
-                      </m:num>
-                      <m:den>
-                        <m:r>
-                          <a:rPr lang="en-US" b="0" i="1" smtClean="0">
-                            <a:latin typeface="Cambria Math" panose="02040503050406030204" pitchFamily="18" charset="0"/>
-                          </a:rPr>
-                          <m:t>𝑠</m:t>
-                        </m:r>
-                      </m:den>
-                    </m:f>
-                    <m:r>
-                      <a:rPr lang="en-US" b="0" i="1" smtClean="0">
-                        <a:latin typeface="Cambria Math" panose="02040503050406030204" pitchFamily="18" charset="0"/>
-                      </a:rPr>
-                      <m:t>=1 </m:t>
-                    </m:r>
-                    <m:r>
-                      <a:rPr lang="en-US" b="0" i="1" smtClean="0">
-                        <a:latin typeface="Cambria Math" panose="02040503050406030204" pitchFamily="18" charset="0"/>
-                      </a:rPr>
-                      <m:t>𝑊</m:t>
+                      <m:t> </m:t>
                     </m:r>
                   </m:oMath>
                 </a14:m>
-                <a:endParaRPr lang="en-US" b="0" dirty="0" smtClean="0"/>
-              </a:p>
-              <a:p>
                 <a:r>
                   <a:rPr lang="en-US" dirty="0" smtClean="0"/>
-                  <a:t>1 Watt</a:t>
-                </a:r>
-              </a:p>
-              <a:p>
-                <a:r>
-                  <a:rPr lang="en-US" dirty="0" smtClean="0"/>
-                  <a:t>Scalar quantity</a:t>
-                </a:r>
-              </a:p>
-              <a:p>
-                <a:r>
-                  <a:rPr lang="en-US" dirty="0" smtClean="0"/>
-                  <a:t>50 W=? What does it mean?</a:t>
+                  <a:t>work is done?</a:t>
                 </a:r>
                 <a:endParaRPr lang="en-US" dirty="0"/>
               </a:p>
@@ -3902,7 +3465,7 @@
               <a:blipFill>
                 <a:blip r:embed="rId2"/>
                 <a:stretch>
-                  <a:fillRect l="-2118" t="-2241"/>
+                  <a:fillRect l="-2118" t="-2241" r="-2235"/>
                 </a:stretch>
               </a:blipFill>
             </p:spPr>
@@ -3923,7 +3486,7 @@
       </mc:AlternateContent>
       <p:pic>
         <p:nvPicPr>
-          <p:cNvPr id="2050" name="Picture 2" descr="KapcsolÃ³dÃ³ kÃ©p"/>
+          <p:cNvPr id="9218" name="Picture 2" descr="KÃ©ptalÃ¡lat a kÃ¶vetkezÅre: âpull a boxâ"/>
           <p:cNvPicPr>
             <a:picLocks noGrp="1" noChangeAspect="1" noChangeArrowheads="1"/>
           </p:cNvPicPr>
@@ -3946,49 +3509,8 @@
         </p:blipFill>
         <p:spPr bwMode="auto">
           <a:xfrm>
-            <a:off x="6131636" y="642520"/>
-            <a:ext cx="3022182" cy="2415047"/>
-          </a:xfrm>
-          <a:prstGeom prst="rect">
-            <a:avLst/>
-          </a:prstGeom>
-          <a:noFill/>
-          <a:extLst>
-            <a:ext uri="{909E8E84-426E-40DD-AFC4-6F175D3DCCD1}">
-              <a14:hiddenFill xmlns:a14="http://schemas.microsoft.com/office/drawing/2010/main">
-                <a:solidFill>
-                  <a:srgbClr val="FFFFFF"/>
-                </a:solidFill>
-              </a14:hiddenFill>
-            </a:ext>
-          </a:extLst>
-        </p:spPr>
-      </p:pic>
-      <p:pic>
-        <p:nvPicPr>
-          <p:cNvPr id="2052" name="Picture 4" descr="KapcsolÃ³dÃ³ kÃ©p"/>
-          <p:cNvPicPr>
-            <a:picLocks noChangeAspect="1" noChangeArrowheads="1"/>
-          </p:cNvPicPr>
-          <p:nvPr/>
-        </p:nvPicPr>
-        <p:blipFill>
-          <a:blip r:embed="rId4">
-            <a:extLst>
-              <a:ext uri="{28A0092B-C50C-407E-A947-70E740481C1C}">
-                <a14:useLocalDpi xmlns:a14="http://schemas.microsoft.com/office/drawing/2010/main" val="0"/>
-              </a:ext>
-            </a:extLst>
-          </a:blip>
-          <a:srcRect/>
-          <a:stretch>
-            <a:fillRect/>
-          </a:stretch>
-        </p:blipFill>
-        <p:spPr bwMode="auto">
-          <a:xfrm>
-            <a:off x="8288921" y="3488446"/>
-            <a:ext cx="2330951" cy="3012075"/>
+            <a:off x="6832432" y="2070726"/>
+            <a:ext cx="3861135" cy="3861135"/>
           </a:xfrm>
           <a:prstGeom prst="rect">
             <a:avLst/>
@@ -4008,1239 +3530,7 @@
     </p:spTree>
     <p:extLst>
       <p:ext uri="{BB962C8B-B14F-4D97-AF65-F5344CB8AC3E}">
-        <p14:creationId xmlns:p14="http://schemas.microsoft.com/office/powerpoint/2010/main" val="2561453360"/>
-      </p:ext>
-    </p:extLst>
-  </p:cSld>
-  <p:clrMapOvr>
-    <a:masterClrMapping/>
-  </p:clrMapOvr>
-  <p:timing>
-    <p:tnLst>
-      <p:par>
-        <p:cTn id="1" dur="indefinite" restart="never" nodeType="tmRoot">
-          <p:childTnLst>
-            <p:seq concurrent="1" nextAc="seek">
-              <p:cTn id="2" dur="indefinite" nodeType="mainSeq">
-                <p:childTnLst>
-                  <p:par>
-                    <p:cTn id="3" fill="hold">
-                      <p:stCondLst>
-                        <p:cond delay="indefinite"/>
-                      </p:stCondLst>
-                      <p:childTnLst>
-                        <p:par>
-                          <p:cTn id="4" fill="hold">
-                            <p:stCondLst>
-                              <p:cond delay="0"/>
-                            </p:stCondLst>
-                            <p:childTnLst>
-                              <p:par>
-                                <p:cTn id="5" presetID="42" presetClass="entr" presetSubtype="0" fill="hold" nodeType="clickEffect">
-                                  <p:stCondLst>
-                                    <p:cond delay="0"/>
-                                  </p:stCondLst>
-                                  <p:childTnLst>
-                                    <p:set>
-                                      <p:cBhvr>
-                                        <p:cTn id="6" dur="1" fill="hold">
-                                          <p:stCondLst>
-                                            <p:cond delay="0"/>
-                                          </p:stCondLst>
-                                        </p:cTn>
-                                        <p:tgtEl>
-                                          <p:spTgt spid="3">
-                                            <p:txEl>
-                                              <p:pRg st="0" end="0"/>
-                                            </p:txEl>
-                                          </p:spTgt>
-                                        </p:tgtEl>
-                                        <p:attrNameLst>
-                                          <p:attrName>style.visibility</p:attrName>
-                                        </p:attrNameLst>
-                                      </p:cBhvr>
-                                      <p:to>
-                                        <p:strVal val="visible"/>
-                                      </p:to>
-                                    </p:set>
-                                    <p:animEffect transition="in" filter="fade">
-                                      <p:cBhvr>
-                                        <p:cTn id="7" dur="1000"/>
-                                        <p:tgtEl>
-                                          <p:spTgt spid="3">
-                                            <p:txEl>
-                                              <p:pRg st="0" end="0"/>
-                                            </p:txEl>
-                                          </p:spTgt>
-                                        </p:tgtEl>
-                                      </p:cBhvr>
-                                    </p:animEffect>
-                                    <p:anim calcmode="lin" valueType="num">
-                                      <p:cBhvr>
-                                        <p:cTn id="8" dur="1000" fill="hold"/>
-                                        <p:tgtEl>
-                                          <p:spTgt spid="3">
-                                            <p:txEl>
-                                              <p:pRg st="0" end="0"/>
-                                            </p:txEl>
-                                          </p:spTgt>
-                                        </p:tgtEl>
-                                        <p:attrNameLst>
-                                          <p:attrName>ppt_x</p:attrName>
-                                        </p:attrNameLst>
-                                      </p:cBhvr>
-                                      <p:tavLst>
-                                        <p:tav tm="0">
-                                          <p:val>
-                                            <p:strVal val="#ppt_x"/>
-                                          </p:val>
-                                        </p:tav>
-                                        <p:tav tm="100000">
-                                          <p:val>
-                                            <p:strVal val="#ppt_x"/>
-                                          </p:val>
-                                        </p:tav>
-                                      </p:tavLst>
-                                    </p:anim>
-                                    <p:anim calcmode="lin" valueType="num">
-                                      <p:cBhvr>
-                                        <p:cTn id="9" dur="1000" fill="hold"/>
-                                        <p:tgtEl>
-                                          <p:spTgt spid="3">
-                                            <p:txEl>
-                                              <p:pRg st="0" end="0"/>
-                                            </p:txEl>
-                                          </p:spTgt>
-                                        </p:tgtEl>
-                                        <p:attrNameLst>
-                                          <p:attrName>ppt_y</p:attrName>
-                                        </p:attrNameLst>
-                                      </p:cBhvr>
-                                      <p:tavLst>
-                                        <p:tav tm="0">
-                                          <p:val>
-                                            <p:strVal val="#ppt_y+.1"/>
-                                          </p:val>
-                                        </p:tav>
-                                        <p:tav tm="100000">
-                                          <p:val>
-                                            <p:strVal val="#ppt_y"/>
-                                          </p:val>
-                                        </p:tav>
-                                      </p:tavLst>
-                                    </p:anim>
-                                  </p:childTnLst>
-                                </p:cTn>
-                              </p:par>
-                            </p:childTnLst>
-                          </p:cTn>
-                        </p:par>
-                      </p:childTnLst>
-                    </p:cTn>
-                  </p:par>
-                  <p:par>
-                    <p:cTn id="10" fill="hold">
-                      <p:stCondLst>
-                        <p:cond delay="indefinite"/>
-                      </p:stCondLst>
-                      <p:childTnLst>
-                        <p:par>
-                          <p:cTn id="11" fill="hold">
-                            <p:stCondLst>
-                              <p:cond delay="0"/>
-                            </p:stCondLst>
-                            <p:childTnLst>
-                              <p:par>
-                                <p:cTn id="12" presetID="42" presetClass="entr" presetSubtype="0" fill="hold" nodeType="clickEffect">
-                                  <p:stCondLst>
-                                    <p:cond delay="0"/>
-                                  </p:stCondLst>
-                                  <p:childTnLst>
-                                    <p:set>
-                                      <p:cBhvr>
-                                        <p:cTn id="13" dur="1" fill="hold">
-                                          <p:stCondLst>
-                                            <p:cond delay="0"/>
-                                          </p:stCondLst>
-                                        </p:cTn>
-                                        <p:tgtEl>
-                                          <p:spTgt spid="3">
-                                            <p:txEl>
-                                              <p:pRg st="1" end="1"/>
-                                            </p:txEl>
-                                          </p:spTgt>
-                                        </p:tgtEl>
-                                        <p:attrNameLst>
-                                          <p:attrName>style.visibility</p:attrName>
-                                        </p:attrNameLst>
-                                      </p:cBhvr>
-                                      <p:to>
-                                        <p:strVal val="visible"/>
-                                      </p:to>
-                                    </p:set>
-                                    <p:animEffect transition="in" filter="fade">
-                                      <p:cBhvr>
-                                        <p:cTn id="14" dur="1000"/>
-                                        <p:tgtEl>
-                                          <p:spTgt spid="3">
-                                            <p:txEl>
-                                              <p:pRg st="1" end="1"/>
-                                            </p:txEl>
-                                          </p:spTgt>
-                                        </p:tgtEl>
-                                      </p:cBhvr>
-                                    </p:animEffect>
-                                    <p:anim calcmode="lin" valueType="num">
-                                      <p:cBhvr>
-                                        <p:cTn id="15" dur="1000" fill="hold"/>
-                                        <p:tgtEl>
-                                          <p:spTgt spid="3">
-                                            <p:txEl>
-                                              <p:pRg st="1" end="1"/>
-                                            </p:txEl>
-                                          </p:spTgt>
-                                        </p:tgtEl>
-                                        <p:attrNameLst>
-                                          <p:attrName>ppt_x</p:attrName>
-                                        </p:attrNameLst>
-                                      </p:cBhvr>
-                                      <p:tavLst>
-                                        <p:tav tm="0">
-                                          <p:val>
-                                            <p:strVal val="#ppt_x"/>
-                                          </p:val>
-                                        </p:tav>
-                                        <p:tav tm="100000">
-                                          <p:val>
-                                            <p:strVal val="#ppt_x"/>
-                                          </p:val>
-                                        </p:tav>
-                                      </p:tavLst>
-                                    </p:anim>
-                                    <p:anim calcmode="lin" valueType="num">
-                                      <p:cBhvr>
-                                        <p:cTn id="16" dur="1000" fill="hold"/>
-                                        <p:tgtEl>
-                                          <p:spTgt spid="3">
-                                            <p:txEl>
-                                              <p:pRg st="1" end="1"/>
-                                            </p:txEl>
-                                          </p:spTgt>
-                                        </p:tgtEl>
-                                        <p:attrNameLst>
-                                          <p:attrName>ppt_y</p:attrName>
-                                        </p:attrNameLst>
-                                      </p:cBhvr>
-                                      <p:tavLst>
-                                        <p:tav tm="0">
-                                          <p:val>
-                                            <p:strVal val="#ppt_y+.1"/>
-                                          </p:val>
-                                        </p:tav>
-                                        <p:tav tm="100000">
-                                          <p:val>
-                                            <p:strVal val="#ppt_y"/>
-                                          </p:val>
-                                        </p:tav>
-                                      </p:tavLst>
-                                    </p:anim>
-                                  </p:childTnLst>
-                                </p:cTn>
-                              </p:par>
-                            </p:childTnLst>
-                          </p:cTn>
-                        </p:par>
-                      </p:childTnLst>
-                    </p:cTn>
-                  </p:par>
-                  <p:par>
-                    <p:cTn id="17" fill="hold">
-                      <p:stCondLst>
-                        <p:cond delay="indefinite"/>
-                      </p:stCondLst>
-                      <p:childTnLst>
-                        <p:par>
-                          <p:cTn id="18" fill="hold">
-                            <p:stCondLst>
-                              <p:cond delay="0"/>
-                            </p:stCondLst>
-                            <p:childTnLst>
-                              <p:par>
-                                <p:cTn id="19" presetID="42" presetClass="entr" presetSubtype="0" fill="hold" nodeType="clickEffect">
-                                  <p:stCondLst>
-                                    <p:cond delay="0"/>
-                                  </p:stCondLst>
-                                  <p:childTnLst>
-                                    <p:set>
-                                      <p:cBhvr>
-                                        <p:cTn id="20" dur="1" fill="hold">
-                                          <p:stCondLst>
-                                            <p:cond delay="0"/>
-                                          </p:stCondLst>
-                                        </p:cTn>
-                                        <p:tgtEl>
-                                          <p:spTgt spid="3">
-                                            <p:txEl>
-                                              <p:pRg st="2" end="2"/>
-                                            </p:txEl>
-                                          </p:spTgt>
-                                        </p:tgtEl>
-                                        <p:attrNameLst>
-                                          <p:attrName>style.visibility</p:attrName>
-                                        </p:attrNameLst>
-                                      </p:cBhvr>
-                                      <p:to>
-                                        <p:strVal val="visible"/>
-                                      </p:to>
-                                    </p:set>
-                                    <p:animEffect transition="in" filter="fade">
-                                      <p:cBhvr>
-                                        <p:cTn id="21" dur="1000"/>
-                                        <p:tgtEl>
-                                          <p:spTgt spid="3">
-                                            <p:txEl>
-                                              <p:pRg st="2" end="2"/>
-                                            </p:txEl>
-                                          </p:spTgt>
-                                        </p:tgtEl>
-                                      </p:cBhvr>
-                                    </p:animEffect>
-                                    <p:anim calcmode="lin" valueType="num">
-                                      <p:cBhvr>
-                                        <p:cTn id="22" dur="1000" fill="hold"/>
-                                        <p:tgtEl>
-                                          <p:spTgt spid="3">
-                                            <p:txEl>
-                                              <p:pRg st="2" end="2"/>
-                                            </p:txEl>
-                                          </p:spTgt>
-                                        </p:tgtEl>
-                                        <p:attrNameLst>
-                                          <p:attrName>ppt_x</p:attrName>
-                                        </p:attrNameLst>
-                                      </p:cBhvr>
-                                      <p:tavLst>
-                                        <p:tav tm="0">
-                                          <p:val>
-                                            <p:strVal val="#ppt_x"/>
-                                          </p:val>
-                                        </p:tav>
-                                        <p:tav tm="100000">
-                                          <p:val>
-                                            <p:strVal val="#ppt_x"/>
-                                          </p:val>
-                                        </p:tav>
-                                      </p:tavLst>
-                                    </p:anim>
-                                    <p:anim calcmode="lin" valueType="num">
-                                      <p:cBhvr>
-                                        <p:cTn id="23" dur="1000" fill="hold"/>
-                                        <p:tgtEl>
-                                          <p:spTgt spid="3">
-                                            <p:txEl>
-                                              <p:pRg st="2" end="2"/>
-                                            </p:txEl>
-                                          </p:spTgt>
-                                        </p:tgtEl>
-                                        <p:attrNameLst>
-                                          <p:attrName>ppt_y</p:attrName>
-                                        </p:attrNameLst>
-                                      </p:cBhvr>
-                                      <p:tavLst>
-                                        <p:tav tm="0">
-                                          <p:val>
-                                            <p:strVal val="#ppt_y+.1"/>
-                                          </p:val>
-                                        </p:tav>
-                                        <p:tav tm="100000">
-                                          <p:val>
-                                            <p:strVal val="#ppt_y"/>
-                                          </p:val>
-                                        </p:tav>
-                                      </p:tavLst>
-                                    </p:anim>
-                                  </p:childTnLst>
-                                </p:cTn>
-                              </p:par>
-                            </p:childTnLst>
-                          </p:cTn>
-                        </p:par>
-                      </p:childTnLst>
-                    </p:cTn>
-                  </p:par>
-                  <p:par>
-                    <p:cTn id="24" fill="hold">
-                      <p:stCondLst>
-                        <p:cond delay="indefinite"/>
-                      </p:stCondLst>
-                      <p:childTnLst>
-                        <p:par>
-                          <p:cTn id="25" fill="hold">
-                            <p:stCondLst>
-                              <p:cond delay="0"/>
-                            </p:stCondLst>
-                            <p:childTnLst>
-                              <p:par>
-                                <p:cTn id="26" presetID="42" presetClass="entr" presetSubtype="0" fill="hold" nodeType="clickEffect">
-                                  <p:stCondLst>
-                                    <p:cond delay="0"/>
-                                  </p:stCondLst>
-                                  <p:childTnLst>
-                                    <p:set>
-                                      <p:cBhvr>
-                                        <p:cTn id="27" dur="1" fill="hold">
-                                          <p:stCondLst>
-                                            <p:cond delay="0"/>
-                                          </p:stCondLst>
-                                        </p:cTn>
-                                        <p:tgtEl>
-                                          <p:spTgt spid="3">
-                                            <p:txEl>
-                                              <p:pRg st="3" end="3"/>
-                                            </p:txEl>
-                                          </p:spTgt>
-                                        </p:tgtEl>
-                                        <p:attrNameLst>
-                                          <p:attrName>style.visibility</p:attrName>
-                                        </p:attrNameLst>
-                                      </p:cBhvr>
-                                      <p:to>
-                                        <p:strVal val="visible"/>
-                                      </p:to>
-                                    </p:set>
-                                    <p:animEffect transition="in" filter="fade">
-                                      <p:cBhvr>
-                                        <p:cTn id="28" dur="1000"/>
-                                        <p:tgtEl>
-                                          <p:spTgt spid="3">
-                                            <p:txEl>
-                                              <p:pRg st="3" end="3"/>
-                                            </p:txEl>
-                                          </p:spTgt>
-                                        </p:tgtEl>
-                                      </p:cBhvr>
-                                    </p:animEffect>
-                                    <p:anim calcmode="lin" valueType="num">
-                                      <p:cBhvr>
-                                        <p:cTn id="29" dur="1000" fill="hold"/>
-                                        <p:tgtEl>
-                                          <p:spTgt spid="3">
-                                            <p:txEl>
-                                              <p:pRg st="3" end="3"/>
-                                            </p:txEl>
-                                          </p:spTgt>
-                                        </p:tgtEl>
-                                        <p:attrNameLst>
-                                          <p:attrName>ppt_x</p:attrName>
-                                        </p:attrNameLst>
-                                      </p:cBhvr>
-                                      <p:tavLst>
-                                        <p:tav tm="0">
-                                          <p:val>
-                                            <p:strVal val="#ppt_x"/>
-                                          </p:val>
-                                        </p:tav>
-                                        <p:tav tm="100000">
-                                          <p:val>
-                                            <p:strVal val="#ppt_x"/>
-                                          </p:val>
-                                        </p:tav>
-                                      </p:tavLst>
-                                    </p:anim>
-                                    <p:anim calcmode="lin" valueType="num">
-                                      <p:cBhvr>
-                                        <p:cTn id="30" dur="1000" fill="hold"/>
-                                        <p:tgtEl>
-                                          <p:spTgt spid="3">
-                                            <p:txEl>
-                                              <p:pRg st="3" end="3"/>
-                                            </p:txEl>
-                                          </p:spTgt>
-                                        </p:tgtEl>
-                                        <p:attrNameLst>
-                                          <p:attrName>ppt_y</p:attrName>
-                                        </p:attrNameLst>
-                                      </p:cBhvr>
-                                      <p:tavLst>
-                                        <p:tav tm="0">
-                                          <p:val>
-                                            <p:strVal val="#ppt_y+.1"/>
-                                          </p:val>
-                                        </p:tav>
-                                        <p:tav tm="100000">
-                                          <p:val>
-                                            <p:strVal val="#ppt_y"/>
-                                          </p:val>
-                                        </p:tav>
-                                      </p:tavLst>
-                                    </p:anim>
-                                  </p:childTnLst>
-                                </p:cTn>
-                              </p:par>
-                            </p:childTnLst>
-                          </p:cTn>
-                        </p:par>
-                      </p:childTnLst>
-                    </p:cTn>
-                  </p:par>
-                  <p:par>
-                    <p:cTn id="31" fill="hold">
-                      <p:stCondLst>
-                        <p:cond delay="indefinite"/>
-                      </p:stCondLst>
-                      <p:childTnLst>
-                        <p:par>
-                          <p:cTn id="32" fill="hold">
-                            <p:stCondLst>
-                              <p:cond delay="0"/>
-                            </p:stCondLst>
-                            <p:childTnLst>
-                              <p:par>
-                                <p:cTn id="33" presetID="42" presetClass="entr" presetSubtype="0" fill="hold" nodeType="clickEffect">
-                                  <p:stCondLst>
-                                    <p:cond delay="0"/>
-                                  </p:stCondLst>
-                                  <p:childTnLst>
-                                    <p:set>
-                                      <p:cBhvr>
-                                        <p:cTn id="34" dur="1" fill="hold">
-                                          <p:stCondLst>
-                                            <p:cond delay="0"/>
-                                          </p:stCondLst>
-                                        </p:cTn>
-                                        <p:tgtEl>
-                                          <p:spTgt spid="3">
-                                            <p:txEl>
-                                              <p:pRg st="4" end="4"/>
-                                            </p:txEl>
-                                          </p:spTgt>
-                                        </p:tgtEl>
-                                        <p:attrNameLst>
-                                          <p:attrName>style.visibility</p:attrName>
-                                        </p:attrNameLst>
-                                      </p:cBhvr>
-                                      <p:to>
-                                        <p:strVal val="visible"/>
-                                      </p:to>
-                                    </p:set>
-                                    <p:animEffect transition="in" filter="fade">
-                                      <p:cBhvr>
-                                        <p:cTn id="35" dur="1000"/>
-                                        <p:tgtEl>
-                                          <p:spTgt spid="3">
-                                            <p:txEl>
-                                              <p:pRg st="4" end="4"/>
-                                            </p:txEl>
-                                          </p:spTgt>
-                                        </p:tgtEl>
-                                      </p:cBhvr>
-                                    </p:animEffect>
-                                    <p:anim calcmode="lin" valueType="num">
-                                      <p:cBhvr>
-                                        <p:cTn id="36" dur="1000" fill="hold"/>
-                                        <p:tgtEl>
-                                          <p:spTgt spid="3">
-                                            <p:txEl>
-                                              <p:pRg st="4" end="4"/>
-                                            </p:txEl>
-                                          </p:spTgt>
-                                        </p:tgtEl>
-                                        <p:attrNameLst>
-                                          <p:attrName>ppt_x</p:attrName>
-                                        </p:attrNameLst>
-                                      </p:cBhvr>
-                                      <p:tavLst>
-                                        <p:tav tm="0">
-                                          <p:val>
-                                            <p:strVal val="#ppt_x"/>
-                                          </p:val>
-                                        </p:tav>
-                                        <p:tav tm="100000">
-                                          <p:val>
-                                            <p:strVal val="#ppt_x"/>
-                                          </p:val>
-                                        </p:tav>
-                                      </p:tavLst>
-                                    </p:anim>
-                                    <p:anim calcmode="lin" valueType="num">
-                                      <p:cBhvr>
-                                        <p:cTn id="37" dur="1000" fill="hold"/>
-                                        <p:tgtEl>
-                                          <p:spTgt spid="3">
-                                            <p:txEl>
-                                              <p:pRg st="4" end="4"/>
-                                            </p:txEl>
-                                          </p:spTgt>
-                                        </p:tgtEl>
-                                        <p:attrNameLst>
-                                          <p:attrName>ppt_y</p:attrName>
-                                        </p:attrNameLst>
-                                      </p:cBhvr>
-                                      <p:tavLst>
-                                        <p:tav tm="0">
-                                          <p:val>
-                                            <p:strVal val="#ppt_y+.1"/>
-                                          </p:val>
-                                        </p:tav>
-                                        <p:tav tm="100000">
-                                          <p:val>
-                                            <p:strVal val="#ppt_y"/>
-                                          </p:val>
-                                        </p:tav>
-                                      </p:tavLst>
-                                    </p:anim>
-                                  </p:childTnLst>
-                                </p:cTn>
-                              </p:par>
-                            </p:childTnLst>
-                          </p:cTn>
-                        </p:par>
-                      </p:childTnLst>
-                    </p:cTn>
-                  </p:par>
-                  <p:par>
-                    <p:cTn id="38" fill="hold">
-                      <p:stCondLst>
-                        <p:cond delay="indefinite"/>
-                      </p:stCondLst>
-                      <p:childTnLst>
-                        <p:par>
-                          <p:cTn id="39" fill="hold">
-                            <p:stCondLst>
-                              <p:cond delay="0"/>
-                            </p:stCondLst>
-                            <p:childTnLst>
-                              <p:par>
-                                <p:cTn id="40" presetID="42" presetClass="entr" presetSubtype="0" fill="hold" nodeType="clickEffect">
-                                  <p:stCondLst>
-                                    <p:cond delay="0"/>
-                                  </p:stCondLst>
-                                  <p:childTnLst>
-                                    <p:set>
-                                      <p:cBhvr>
-                                        <p:cTn id="41" dur="1" fill="hold">
-                                          <p:stCondLst>
-                                            <p:cond delay="0"/>
-                                          </p:stCondLst>
-                                        </p:cTn>
-                                        <p:tgtEl>
-                                          <p:spTgt spid="3">
-                                            <p:txEl>
-                                              <p:pRg st="5" end="5"/>
-                                            </p:txEl>
-                                          </p:spTgt>
-                                        </p:tgtEl>
-                                        <p:attrNameLst>
-                                          <p:attrName>style.visibility</p:attrName>
-                                        </p:attrNameLst>
-                                      </p:cBhvr>
-                                      <p:to>
-                                        <p:strVal val="visible"/>
-                                      </p:to>
-                                    </p:set>
-                                    <p:animEffect transition="in" filter="fade">
-                                      <p:cBhvr>
-                                        <p:cTn id="42" dur="1000"/>
-                                        <p:tgtEl>
-                                          <p:spTgt spid="3">
-                                            <p:txEl>
-                                              <p:pRg st="5" end="5"/>
-                                            </p:txEl>
-                                          </p:spTgt>
-                                        </p:tgtEl>
-                                      </p:cBhvr>
-                                    </p:animEffect>
-                                    <p:anim calcmode="lin" valueType="num">
-                                      <p:cBhvr>
-                                        <p:cTn id="43" dur="1000" fill="hold"/>
-                                        <p:tgtEl>
-                                          <p:spTgt spid="3">
-                                            <p:txEl>
-                                              <p:pRg st="5" end="5"/>
-                                            </p:txEl>
-                                          </p:spTgt>
-                                        </p:tgtEl>
-                                        <p:attrNameLst>
-                                          <p:attrName>ppt_x</p:attrName>
-                                        </p:attrNameLst>
-                                      </p:cBhvr>
-                                      <p:tavLst>
-                                        <p:tav tm="0">
-                                          <p:val>
-                                            <p:strVal val="#ppt_x"/>
-                                          </p:val>
-                                        </p:tav>
-                                        <p:tav tm="100000">
-                                          <p:val>
-                                            <p:strVal val="#ppt_x"/>
-                                          </p:val>
-                                        </p:tav>
-                                      </p:tavLst>
-                                    </p:anim>
-                                    <p:anim calcmode="lin" valueType="num">
-                                      <p:cBhvr>
-                                        <p:cTn id="44" dur="1000" fill="hold"/>
-                                        <p:tgtEl>
-                                          <p:spTgt spid="3">
-                                            <p:txEl>
-                                              <p:pRg st="5" end="5"/>
-                                            </p:txEl>
-                                          </p:spTgt>
-                                        </p:tgtEl>
-                                        <p:attrNameLst>
-                                          <p:attrName>ppt_y</p:attrName>
-                                        </p:attrNameLst>
-                                      </p:cBhvr>
-                                      <p:tavLst>
-                                        <p:tav tm="0">
-                                          <p:val>
-                                            <p:strVal val="#ppt_y+.1"/>
-                                          </p:val>
-                                        </p:tav>
-                                        <p:tav tm="100000">
-                                          <p:val>
-                                            <p:strVal val="#ppt_y"/>
-                                          </p:val>
-                                        </p:tav>
-                                      </p:tavLst>
-                                    </p:anim>
-                                  </p:childTnLst>
-                                </p:cTn>
-                              </p:par>
-                            </p:childTnLst>
-                          </p:cTn>
-                        </p:par>
-                      </p:childTnLst>
-                    </p:cTn>
-                  </p:par>
-                  <p:par>
-                    <p:cTn id="45" fill="hold">
-                      <p:stCondLst>
-                        <p:cond delay="indefinite"/>
-                      </p:stCondLst>
-                      <p:childTnLst>
-                        <p:par>
-                          <p:cTn id="46" fill="hold">
-                            <p:stCondLst>
-                              <p:cond delay="0"/>
-                            </p:stCondLst>
-                            <p:childTnLst>
-                              <p:par>
-                                <p:cTn id="47" presetID="42" presetClass="entr" presetSubtype="0" fill="hold" nodeType="clickEffect">
-                                  <p:stCondLst>
-                                    <p:cond delay="0"/>
-                                  </p:stCondLst>
-                                  <p:childTnLst>
-                                    <p:set>
-                                      <p:cBhvr>
-                                        <p:cTn id="48" dur="1" fill="hold">
-                                          <p:stCondLst>
-                                            <p:cond delay="0"/>
-                                          </p:stCondLst>
-                                        </p:cTn>
-                                        <p:tgtEl>
-                                          <p:spTgt spid="3">
-                                            <p:txEl>
-                                              <p:pRg st="6" end="6"/>
-                                            </p:txEl>
-                                          </p:spTgt>
-                                        </p:tgtEl>
-                                        <p:attrNameLst>
-                                          <p:attrName>style.visibility</p:attrName>
-                                        </p:attrNameLst>
-                                      </p:cBhvr>
-                                      <p:to>
-                                        <p:strVal val="visible"/>
-                                      </p:to>
-                                    </p:set>
-                                    <p:animEffect transition="in" filter="fade">
-                                      <p:cBhvr>
-                                        <p:cTn id="49" dur="1000"/>
-                                        <p:tgtEl>
-                                          <p:spTgt spid="3">
-                                            <p:txEl>
-                                              <p:pRg st="6" end="6"/>
-                                            </p:txEl>
-                                          </p:spTgt>
-                                        </p:tgtEl>
-                                      </p:cBhvr>
-                                    </p:animEffect>
-                                    <p:anim calcmode="lin" valueType="num">
-                                      <p:cBhvr>
-                                        <p:cTn id="50" dur="1000" fill="hold"/>
-                                        <p:tgtEl>
-                                          <p:spTgt spid="3">
-                                            <p:txEl>
-                                              <p:pRg st="6" end="6"/>
-                                            </p:txEl>
-                                          </p:spTgt>
-                                        </p:tgtEl>
-                                        <p:attrNameLst>
-                                          <p:attrName>ppt_x</p:attrName>
-                                        </p:attrNameLst>
-                                      </p:cBhvr>
-                                      <p:tavLst>
-                                        <p:tav tm="0">
-                                          <p:val>
-                                            <p:strVal val="#ppt_x"/>
-                                          </p:val>
-                                        </p:tav>
-                                        <p:tav tm="100000">
-                                          <p:val>
-                                            <p:strVal val="#ppt_x"/>
-                                          </p:val>
-                                        </p:tav>
-                                      </p:tavLst>
-                                    </p:anim>
-                                    <p:anim calcmode="lin" valueType="num">
-                                      <p:cBhvr>
-                                        <p:cTn id="51" dur="1000" fill="hold"/>
-                                        <p:tgtEl>
-                                          <p:spTgt spid="3">
-                                            <p:txEl>
-                                              <p:pRg st="6" end="6"/>
-                                            </p:txEl>
-                                          </p:spTgt>
-                                        </p:tgtEl>
-                                        <p:attrNameLst>
-                                          <p:attrName>ppt_y</p:attrName>
-                                        </p:attrNameLst>
-                                      </p:cBhvr>
-                                      <p:tavLst>
-                                        <p:tav tm="0">
-                                          <p:val>
-                                            <p:strVal val="#ppt_y+.1"/>
-                                          </p:val>
-                                        </p:tav>
-                                        <p:tav tm="100000">
-                                          <p:val>
-                                            <p:strVal val="#ppt_y"/>
-                                          </p:val>
-                                        </p:tav>
-                                      </p:tavLst>
-                                    </p:anim>
-                                  </p:childTnLst>
-                                </p:cTn>
-                              </p:par>
-                            </p:childTnLst>
-                          </p:cTn>
-                        </p:par>
-                      </p:childTnLst>
-                    </p:cTn>
-                  </p:par>
-                  <p:par>
-                    <p:cTn id="52" fill="hold">
-                      <p:stCondLst>
-                        <p:cond delay="indefinite"/>
-                      </p:stCondLst>
-                      <p:childTnLst>
-                        <p:par>
-                          <p:cTn id="53" fill="hold">
-                            <p:stCondLst>
-                              <p:cond delay="0"/>
-                            </p:stCondLst>
-                            <p:childTnLst>
-                              <p:par>
-                                <p:cTn id="54" presetID="42" presetClass="entr" presetSubtype="0" fill="hold" nodeType="clickEffect">
-                                  <p:stCondLst>
-                                    <p:cond delay="0"/>
-                                  </p:stCondLst>
-                                  <p:childTnLst>
-                                    <p:set>
-                                      <p:cBhvr>
-                                        <p:cTn id="55" dur="1" fill="hold">
-                                          <p:stCondLst>
-                                            <p:cond delay="0"/>
-                                          </p:stCondLst>
-                                        </p:cTn>
-                                        <p:tgtEl>
-                                          <p:spTgt spid="2050"/>
-                                        </p:tgtEl>
-                                        <p:attrNameLst>
-                                          <p:attrName>style.visibility</p:attrName>
-                                        </p:attrNameLst>
-                                      </p:cBhvr>
-                                      <p:to>
-                                        <p:strVal val="visible"/>
-                                      </p:to>
-                                    </p:set>
-                                    <p:animEffect transition="in" filter="fade">
-                                      <p:cBhvr>
-                                        <p:cTn id="56" dur="1000"/>
-                                        <p:tgtEl>
-                                          <p:spTgt spid="2050"/>
-                                        </p:tgtEl>
-                                      </p:cBhvr>
-                                    </p:animEffect>
-                                    <p:anim calcmode="lin" valueType="num">
-                                      <p:cBhvr>
-                                        <p:cTn id="57" dur="1000" fill="hold"/>
-                                        <p:tgtEl>
-                                          <p:spTgt spid="2050"/>
-                                        </p:tgtEl>
-                                        <p:attrNameLst>
-                                          <p:attrName>ppt_x</p:attrName>
-                                        </p:attrNameLst>
-                                      </p:cBhvr>
-                                      <p:tavLst>
-                                        <p:tav tm="0">
-                                          <p:val>
-                                            <p:strVal val="#ppt_x"/>
-                                          </p:val>
-                                        </p:tav>
-                                        <p:tav tm="100000">
-                                          <p:val>
-                                            <p:strVal val="#ppt_x"/>
-                                          </p:val>
-                                        </p:tav>
-                                      </p:tavLst>
-                                    </p:anim>
-                                    <p:anim calcmode="lin" valueType="num">
-                                      <p:cBhvr>
-                                        <p:cTn id="58" dur="1000" fill="hold"/>
-                                        <p:tgtEl>
-                                          <p:spTgt spid="2050"/>
-                                        </p:tgtEl>
-                                        <p:attrNameLst>
-                                          <p:attrName>ppt_y</p:attrName>
-                                        </p:attrNameLst>
-                                      </p:cBhvr>
-                                      <p:tavLst>
-                                        <p:tav tm="0">
-                                          <p:val>
-                                            <p:strVal val="#ppt_y+.1"/>
-                                          </p:val>
-                                        </p:tav>
-                                        <p:tav tm="100000">
-                                          <p:val>
-                                            <p:strVal val="#ppt_y"/>
-                                          </p:val>
-                                        </p:tav>
-                                      </p:tavLst>
-                                    </p:anim>
-                                  </p:childTnLst>
-                                </p:cTn>
-                              </p:par>
-                            </p:childTnLst>
-                          </p:cTn>
-                        </p:par>
-                      </p:childTnLst>
-                    </p:cTn>
-                  </p:par>
-                  <p:par>
-                    <p:cTn id="59" fill="hold">
-                      <p:stCondLst>
-                        <p:cond delay="indefinite"/>
-                      </p:stCondLst>
-                      <p:childTnLst>
-                        <p:par>
-                          <p:cTn id="60" fill="hold">
-                            <p:stCondLst>
-                              <p:cond delay="0"/>
-                            </p:stCondLst>
-                            <p:childTnLst>
-                              <p:par>
-                                <p:cTn id="61" presetID="42" presetClass="entr" presetSubtype="0" fill="hold" nodeType="clickEffect">
-                                  <p:stCondLst>
-                                    <p:cond delay="0"/>
-                                  </p:stCondLst>
-                                  <p:childTnLst>
-                                    <p:set>
-                                      <p:cBhvr>
-                                        <p:cTn id="62" dur="1" fill="hold">
-                                          <p:stCondLst>
-                                            <p:cond delay="0"/>
-                                          </p:stCondLst>
-                                        </p:cTn>
-                                        <p:tgtEl>
-                                          <p:spTgt spid="2052"/>
-                                        </p:tgtEl>
-                                        <p:attrNameLst>
-                                          <p:attrName>style.visibility</p:attrName>
-                                        </p:attrNameLst>
-                                      </p:cBhvr>
-                                      <p:to>
-                                        <p:strVal val="visible"/>
-                                      </p:to>
-                                    </p:set>
-                                    <p:animEffect transition="in" filter="fade">
-                                      <p:cBhvr>
-                                        <p:cTn id="63" dur="1000"/>
-                                        <p:tgtEl>
-                                          <p:spTgt spid="2052"/>
-                                        </p:tgtEl>
-                                      </p:cBhvr>
-                                    </p:animEffect>
-                                    <p:anim calcmode="lin" valueType="num">
-                                      <p:cBhvr>
-                                        <p:cTn id="64" dur="1000" fill="hold"/>
-                                        <p:tgtEl>
-                                          <p:spTgt spid="2052"/>
-                                        </p:tgtEl>
-                                        <p:attrNameLst>
-                                          <p:attrName>ppt_x</p:attrName>
-                                        </p:attrNameLst>
-                                      </p:cBhvr>
-                                      <p:tavLst>
-                                        <p:tav tm="0">
-                                          <p:val>
-                                            <p:strVal val="#ppt_x"/>
-                                          </p:val>
-                                        </p:tav>
-                                        <p:tav tm="100000">
-                                          <p:val>
-                                            <p:strVal val="#ppt_x"/>
-                                          </p:val>
-                                        </p:tav>
-                                      </p:tavLst>
-                                    </p:anim>
-                                    <p:anim calcmode="lin" valueType="num">
-                                      <p:cBhvr>
-                                        <p:cTn id="65" dur="1000" fill="hold"/>
-                                        <p:tgtEl>
-                                          <p:spTgt spid="2052"/>
-                                        </p:tgtEl>
-                                        <p:attrNameLst>
-                                          <p:attrName>ppt_y</p:attrName>
-                                        </p:attrNameLst>
-                                      </p:cBhvr>
-                                      <p:tavLst>
-                                        <p:tav tm="0">
-                                          <p:val>
-                                            <p:strVal val="#ppt_y+.1"/>
-                                          </p:val>
-                                        </p:tav>
-                                        <p:tav tm="100000">
-                                          <p:val>
-                                            <p:strVal val="#ppt_y"/>
-                                          </p:val>
-                                        </p:tav>
-                                      </p:tavLst>
-                                    </p:anim>
-                                  </p:childTnLst>
-                                </p:cTn>
-                              </p:par>
-                            </p:childTnLst>
-                          </p:cTn>
-                        </p:par>
-                      </p:childTnLst>
-                    </p:cTn>
-                  </p:par>
-                </p:childTnLst>
-              </p:cTn>
-              <p:prevCondLst>
-                <p:cond evt="onPrev" delay="0">
-                  <p:tgtEl>
-                    <p:sldTgt/>
-                  </p:tgtEl>
-                </p:cond>
-              </p:prevCondLst>
-              <p:nextCondLst>
-                <p:cond evt="onNext" delay="0">
-                  <p:tgtEl>
-                    <p:sldTgt/>
-                  </p:tgtEl>
-                </p:cond>
-              </p:nextCondLst>
-            </p:seq>
-          </p:childTnLst>
-        </p:cTn>
-      </p:par>
-    </p:tnLst>
-  </p:timing>
-</p:sld>
-</file>
-
-<file path=ppt/slides/slide4.xml><?xml version="1.0" encoding="utf-8"?>
-<p:sld xmlns:a="http://schemas.openxmlformats.org/drawingml/2006/main" xmlns:r="http://schemas.openxmlformats.org/officeDocument/2006/relationships" xmlns:p="http://schemas.openxmlformats.org/presentationml/2006/main">
-  <p:cSld>
-    <p:spTree>
-      <p:nvGrpSpPr>
-        <p:cNvPr id="1" name=""/>
-        <p:cNvGrpSpPr/>
-        <p:nvPr/>
-      </p:nvGrpSpPr>
-      <p:grpSpPr>
-        <a:xfrm>
-          <a:off x="0" y="0"/>
-          <a:ext cx="0" cy="0"/>
-          <a:chOff x="0" y="0"/>
-          <a:chExt cx="0" cy="0"/>
-        </a:xfrm>
-      </p:grpSpPr>
-      <p:sp>
-        <p:nvSpPr>
-          <p:cNvPr id="2" name="Title 1"/>
-          <p:cNvSpPr>
-            <a:spLocks noGrp="1"/>
-          </p:cNvSpPr>
-          <p:nvPr>
-            <p:ph type="title"/>
-          </p:nvPr>
-        </p:nvSpPr>
-        <p:spPr/>
-        <p:txBody>
-          <a:bodyPr/>
-          <a:lstStyle/>
-          <a:p>
-            <a:r>
-              <a:rPr lang="en-US" dirty="0" smtClean="0"/>
-              <a:t>Units</a:t>
-            </a:r>
-            <a:endParaRPr lang="en-US" dirty="0"/>
-          </a:p>
-        </p:txBody>
-      </p:sp>
-      <mc:AlternateContent xmlns:mc="http://schemas.openxmlformats.org/markup-compatibility/2006">
-        <mc:Choice xmlns:a14="http://schemas.microsoft.com/office/drawing/2010/main" Requires="a14">
-          <p:sp>
-            <p:nvSpPr>
-              <p:cNvPr id="3" name="Content Placeholder 2"/>
-              <p:cNvSpPr>
-                <a:spLocks noGrp="1"/>
-              </p:cNvSpPr>
-              <p:nvPr>
-                <p:ph sz="half" idx="1"/>
-              </p:nvPr>
-            </p:nvSpPr>
-            <p:spPr/>
-            <p:txBody>
-              <a:bodyPr/>
-              <a:lstStyle/>
-              <a:p>
-                <a14:m>
-                  <m:oMath xmlns:m="http://schemas.openxmlformats.org/officeDocument/2006/math">
-                    <m:r>
-                      <a:rPr lang="en-US" b="0" i="1" smtClean="0">
-                        <a:latin typeface="Cambria Math" panose="02040503050406030204" pitchFamily="18" charset="0"/>
-                      </a:rPr>
-                      <m:t>1 </m:t>
-                    </m:r>
-                    <m:r>
-                      <a:rPr lang="en-US" b="0" i="1" smtClean="0">
-                        <a:latin typeface="Cambria Math" panose="02040503050406030204" pitchFamily="18" charset="0"/>
-                      </a:rPr>
-                      <m:t>𝑊𝑎𝑡𝑡</m:t>
-                    </m:r>
-                  </m:oMath>
-                </a14:m>
-                <a:endParaRPr lang="en-US" dirty="0" smtClean="0"/>
-              </a:p>
-              <a:p>
-                <a:r>
-                  <a:rPr lang="en-US" dirty="0" smtClean="0"/>
-                  <a:t>1 Horsepower – Power of a horse-1hp</a:t>
-                </a:r>
-              </a:p>
-              <a:p>
-                <a:pPr lvl="1"/>
-                <a:r>
-                  <a:rPr lang="en-US" dirty="0" err="1" smtClean="0"/>
-                  <a:t>Lóerő</a:t>
-                </a:r>
-                <a:r>
-                  <a:rPr lang="en-US" dirty="0" smtClean="0"/>
-                  <a:t>-LE</a:t>
-                </a:r>
-              </a:p>
-              <a:p>
-                <a:pPr lvl="1"/>
-                <a14:m>
-                  <m:oMath xmlns:m="http://schemas.openxmlformats.org/officeDocument/2006/math">
-                    <m:r>
-                      <a:rPr lang="en-US" b="0" i="1" smtClean="0">
-                        <a:latin typeface="Cambria Math" panose="02040503050406030204" pitchFamily="18" charset="0"/>
-                      </a:rPr>
-                      <m:t>1 </m:t>
-                    </m:r>
-                    <m:r>
-                      <a:rPr lang="en-US" b="0" i="1" smtClean="0">
-                        <a:latin typeface="Cambria Math" panose="02040503050406030204" pitchFamily="18" charset="0"/>
-                      </a:rPr>
-                      <m:t>𝐻𝑜𝑟𝑠𝑒𝑝𝑜𝑤𝑒𝑟</m:t>
-                    </m:r>
-                    <m:r>
-                      <a:rPr lang="en-US" b="0" i="1" smtClean="0">
-                        <a:latin typeface="Cambria Math" panose="02040503050406030204" pitchFamily="18" charset="0"/>
-                        <a:ea typeface="Cambria Math" panose="02040503050406030204" pitchFamily="18" charset="0"/>
-                      </a:rPr>
-                      <m:t>≈735</m:t>
-                    </m:r>
-                    <m:r>
-                      <a:rPr lang="en-US" b="0" i="1" smtClean="0">
-                        <a:latin typeface="Cambria Math" panose="02040503050406030204" pitchFamily="18" charset="0"/>
-                        <a:ea typeface="Cambria Math" panose="02040503050406030204" pitchFamily="18" charset="0"/>
-                      </a:rPr>
-                      <m:t>𝑊</m:t>
-                    </m:r>
-                  </m:oMath>
-                </a14:m>
-                <a:endParaRPr lang="en-US" dirty="0" smtClean="0"/>
-              </a:p>
-              <a:p>
-                <a:pPr lvl="1"/>
-                <a:endParaRPr lang="en-US" dirty="0"/>
-              </a:p>
-            </p:txBody>
-          </p:sp>
-        </mc:Choice>
-        <mc:Fallback>
-          <p:sp>
-            <p:nvSpPr>
-              <p:cNvPr id="3" name="Content Placeholder 2"/>
-              <p:cNvSpPr>
-                <a:spLocks noGrp="1" noRot="1" noChangeAspect="1" noMove="1" noResize="1" noEditPoints="1" noAdjustHandles="1" noChangeArrowheads="1" noChangeShapeType="1" noTextEdit="1"/>
-              </p:cNvSpPr>
-              <p:nvPr>
-                <p:ph sz="half" idx="1"/>
-              </p:nvPr>
-            </p:nvSpPr>
-            <p:spPr>
-              <a:blipFill>
-                <a:blip r:embed="rId2"/>
-                <a:stretch>
-                  <a:fillRect l="-2118"/>
-                </a:stretch>
-              </a:blipFill>
-            </p:spPr>
-            <p:txBody>
-              <a:bodyPr/>
-              <a:lstStyle/>
-              <a:p>
-                <a:r>
-                  <a:rPr lang="en-US">
-                    <a:noFill/>
-                  </a:rPr>
-                  <a:t> </a:t>
-                </a:r>
-              </a:p>
-            </p:txBody>
-          </p:sp>
-        </mc:Fallback>
-      </mc:AlternateContent>
-      <p:sp>
-        <p:nvSpPr>
-          <p:cNvPr id="4" name="Content Placeholder 3"/>
-          <p:cNvSpPr>
-            <a:spLocks noGrp="1"/>
-          </p:cNvSpPr>
-          <p:nvPr>
-            <p:ph sz="half" idx="2"/>
-          </p:nvPr>
-        </p:nvSpPr>
-        <p:spPr/>
-        <p:txBody>
-          <a:bodyPr/>
-          <a:lstStyle/>
-          <a:p>
-            <a:endParaRPr lang="en-US"/>
-          </a:p>
-        </p:txBody>
-      </p:sp>
-    </p:spTree>
-    <p:extLst>
-      <p:ext uri="{BB962C8B-B14F-4D97-AF65-F5344CB8AC3E}">
-        <p14:creationId xmlns:p14="http://schemas.microsoft.com/office/powerpoint/2010/main" val="2728607696"/>
+        <p14:creationId xmlns:p14="http://schemas.microsoft.com/office/powerpoint/2010/main" val="593839717"/>
       </p:ext>
     </p:extLst>
   </p:cSld>
@@ -5257,1852 +3547,7 @@
 </p:sld>
 </file>
 
-<file path=ppt/slides/slide5.xml><?xml version="1.0" encoding="utf-8"?>
-<p:sld xmlns:a="http://schemas.openxmlformats.org/drawingml/2006/main" xmlns:r="http://schemas.openxmlformats.org/officeDocument/2006/relationships" xmlns:p="http://schemas.openxmlformats.org/presentationml/2006/main">
-  <p:cSld>
-    <p:spTree>
-      <p:nvGrpSpPr>
-        <p:cNvPr id="1" name=""/>
-        <p:cNvGrpSpPr/>
-        <p:nvPr/>
-      </p:nvGrpSpPr>
-      <p:grpSpPr>
-        <a:xfrm>
-          <a:off x="0" y="0"/>
-          <a:ext cx="0" cy="0"/>
-          <a:chOff x="0" y="0"/>
-          <a:chExt cx="0" cy="0"/>
-        </a:xfrm>
-      </p:grpSpPr>
-      <p:sp>
-        <p:nvSpPr>
-          <p:cNvPr id="2" name="Title 1"/>
-          <p:cNvSpPr>
-            <a:spLocks noGrp="1"/>
-          </p:cNvSpPr>
-          <p:nvPr>
-            <p:ph type="title"/>
-          </p:nvPr>
-        </p:nvSpPr>
-        <p:spPr/>
-        <p:txBody>
-          <a:bodyPr/>
-          <a:lstStyle/>
-          <a:p>
-            <a:r>
-              <a:rPr lang="en-US" dirty="0" smtClean="0"/>
-              <a:t>Power of machines</a:t>
-            </a:r>
-            <a:endParaRPr lang="en-US" dirty="0"/>
-          </a:p>
-        </p:txBody>
-      </p:sp>
-      <p:sp>
-        <p:nvSpPr>
-          <p:cNvPr id="3" name="Content Placeholder 2"/>
-          <p:cNvSpPr>
-            <a:spLocks noGrp="1"/>
-          </p:cNvSpPr>
-          <p:nvPr>
-            <p:ph sz="half" idx="1"/>
-          </p:nvPr>
-        </p:nvSpPr>
-        <p:spPr/>
-        <p:txBody>
-          <a:bodyPr/>
-          <a:lstStyle/>
-          <a:p>
-            <a:r>
-              <a:rPr lang="en-US" dirty="0" smtClean="0"/>
-              <a:t>Machines are build to do work</a:t>
-            </a:r>
-          </a:p>
-          <a:p>
-            <a:r>
-              <a:rPr lang="en-US" dirty="0" smtClean="0"/>
-              <a:t>They are described by a power rating</a:t>
-            </a:r>
-          </a:p>
-          <a:p>
-            <a:r>
-              <a:rPr lang="en-US" dirty="0" smtClean="0"/>
-              <a:t>Car engine’s power relates to how rapidly the car can accelerate</a:t>
-            </a:r>
-          </a:p>
-          <a:p>
-            <a:pPr lvl="1"/>
-            <a:r>
-              <a:rPr lang="en-US" dirty="0" smtClean="0"/>
-              <a:t>Skoda: 90 kW = 122LE</a:t>
-            </a:r>
-          </a:p>
-          <a:p>
-            <a:pPr lvl="1"/>
-            <a:r>
-              <a:rPr lang="en-US" dirty="0" err="1" smtClean="0"/>
-              <a:t>Koenigsegg</a:t>
-            </a:r>
-            <a:r>
-              <a:rPr lang="en-US" dirty="0" smtClean="0"/>
-              <a:t> CCR-X: 750kW=1018 LE</a:t>
-            </a:r>
-          </a:p>
-          <a:p>
-            <a:pPr lvl="1"/>
-            <a:endParaRPr lang="en-US" dirty="0"/>
-          </a:p>
-        </p:txBody>
-      </p:sp>
-      <p:pic>
-        <p:nvPicPr>
-          <p:cNvPr id="3074" name="Picture 2" descr="http://autokotua.com/img/spec/mdf/skoda-octavia-estate-2005.jpg"/>
-          <p:cNvPicPr>
-            <a:picLocks noGrp="1" noChangeAspect="1" noChangeArrowheads="1"/>
-          </p:cNvPicPr>
-          <p:nvPr>
-            <p:ph sz="half" idx="2"/>
-          </p:nvPr>
-        </p:nvPicPr>
-        <p:blipFill>
-          <a:blip r:embed="rId2">
-            <a:extLst>
-              <a:ext uri="{28A0092B-C50C-407E-A947-70E740481C1C}">
-                <a14:useLocalDpi xmlns:a14="http://schemas.microsoft.com/office/drawing/2010/main" val="0"/>
-              </a:ext>
-            </a:extLst>
-          </a:blip>
-          <a:srcRect/>
-          <a:stretch>
-            <a:fillRect/>
-          </a:stretch>
-        </p:blipFill>
-        <p:spPr bwMode="auto">
-          <a:xfrm>
-            <a:off x="6236369" y="1027906"/>
-            <a:ext cx="2971799" cy="2228849"/>
-          </a:xfrm>
-          <a:prstGeom prst="rect">
-            <a:avLst/>
-          </a:prstGeom>
-          <a:noFill/>
-          <a:extLst>
-            <a:ext uri="{909E8E84-426E-40DD-AFC4-6F175D3DCCD1}">
-              <a14:hiddenFill xmlns:a14="http://schemas.microsoft.com/office/drawing/2010/main">
-                <a:solidFill>
-                  <a:srgbClr val="FFFFFF"/>
-                </a:solidFill>
-              </a14:hiddenFill>
-            </a:ext>
-          </a:extLst>
-        </p:spPr>
-      </p:pic>
-      <p:pic>
-        <p:nvPicPr>
-          <p:cNvPr id="3076" name="Picture 4" descr="https://galeria.vezess.hu/files/347/060/000/60347/60347_479320_1000x700.jpg"/>
-          <p:cNvPicPr>
-            <a:picLocks noChangeAspect="1" noChangeArrowheads="1"/>
-          </p:cNvPicPr>
-          <p:nvPr/>
-        </p:nvPicPr>
-        <p:blipFill>
-          <a:blip r:embed="rId3" cstate="print">
-            <a:extLst>
-              <a:ext uri="{28A0092B-C50C-407E-A947-70E740481C1C}">
-                <a14:useLocalDpi xmlns:a14="http://schemas.microsoft.com/office/drawing/2010/main" val="0"/>
-              </a:ext>
-            </a:extLst>
-          </a:blip>
-          <a:srcRect/>
-          <a:stretch>
-            <a:fillRect/>
-          </a:stretch>
-        </p:blipFill>
-        <p:spPr bwMode="auto">
-          <a:xfrm>
-            <a:off x="7722268" y="3256756"/>
-            <a:ext cx="3535206" cy="2357982"/>
-          </a:xfrm>
-          <a:prstGeom prst="rect">
-            <a:avLst/>
-          </a:prstGeom>
-          <a:noFill/>
-          <a:extLst>
-            <a:ext uri="{909E8E84-426E-40DD-AFC4-6F175D3DCCD1}">
-              <a14:hiddenFill xmlns:a14="http://schemas.microsoft.com/office/drawing/2010/main">
-                <a:solidFill>
-                  <a:srgbClr val="FFFFFF"/>
-                </a:solidFill>
-              </a14:hiddenFill>
-            </a:ext>
-          </a:extLst>
-        </p:spPr>
-      </p:pic>
-    </p:spTree>
-    <p:extLst>
-      <p:ext uri="{BB962C8B-B14F-4D97-AF65-F5344CB8AC3E}">
-        <p14:creationId xmlns:p14="http://schemas.microsoft.com/office/powerpoint/2010/main" val="2862881887"/>
-      </p:ext>
-    </p:extLst>
-  </p:cSld>
-  <p:clrMapOvr>
-    <a:masterClrMapping/>
-  </p:clrMapOvr>
-  <p:timing>
-    <p:tnLst>
-      <p:par>
-        <p:cTn id="1" dur="indefinite" restart="never" nodeType="tmRoot">
-          <p:childTnLst>
-            <p:seq concurrent="1" nextAc="seek">
-              <p:cTn id="2" dur="indefinite" nodeType="mainSeq">
-                <p:childTnLst>
-                  <p:par>
-                    <p:cTn id="3" fill="hold">
-                      <p:stCondLst>
-                        <p:cond delay="indefinite"/>
-                      </p:stCondLst>
-                      <p:childTnLst>
-                        <p:par>
-                          <p:cTn id="4" fill="hold">
-                            <p:stCondLst>
-                              <p:cond delay="0"/>
-                            </p:stCondLst>
-                            <p:childTnLst>
-                              <p:par>
-                                <p:cTn id="5" presetID="42" presetClass="entr" presetSubtype="0" fill="hold" nodeType="clickEffect">
-                                  <p:stCondLst>
-                                    <p:cond delay="0"/>
-                                  </p:stCondLst>
-                                  <p:childTnLst>
-                                    <p:set>
-                                      <p:cBhvr>
-                                        <p:cTn id="6" dur="1" fill="hold">
-                                          <p:stCondLst>
-                                            <p:cond delay="0"/>
-                                          </p:stCondLst>
-                                        </p:cTn>
-                                        <p:tgtEl>
-                                          <p:spTgt spid="3">
-                                            <p:txEl>
-                                              <p:pRg st="0" end="0"/>
-                                            </p:txEl>
-                                          </p:spTgt>
-                                        </p:tgtEl>
-                                        <p:attrNameLst>
-                                          <p:attrName>style.visibility</p:attrName>
-                                        </p:attrNameLst>
-                                      </p:cBhvr>
-                                      <p:to>
-                                        <p:strVal val="visible"/>
-                                      </p:to>
-                                    </p:set>
-                                    <p:animEffect transition="in" filter="fade">
-                                      <p:cBhvr>
-                                        <p:cTn id="7" dur="1000"/>
-                                        <p:tgtEl>
-                                          <p:spTgt spid="3">
-                                            <p:txEl>
-                                              <p:pRg st="0" end="0"/>
-                                            </p:txEl>
-                                          </p:spTgt>
-                                        </p:tgtEl>
-                                      </p:cBhvr>
-                                    </p:animEffect>
-                                    <p:anim calcmode="lin" valueType="num">
-                                      <p:cBhvr>
-                                        <p:cTn id="8" dur="1000" fill="hold"/>
-                                        <p:tgtEl>
-                                          <p:spTgt spid="3">
-                                            <p:txEl>
-                                              <p:pRg st="0" end="0"/>
-                                            </p:txEl>
-                                          </p:spTgt>
-                                        </p:tgtEl>
-                                        <p:attrNameLst>
-                                          <p:attrName>ppt_x</p:attrName>
-                                        </p:attrNameLst>
-                                      </p:cBhvr>
-                                      <p:tavLst>
-                                        <p:tav tm="0">
-                                          <p:val>
-                                            <p:strVal val="#ppt_x"/>
-                                          </p:val>
-                                        </p:tav>
-                                        <p:tav tm="100000">
-                                          <p:val>
-                                            <p:strVal val="#ppt_x"/>
-                                          </p:val>
-                                        </p:tav>
-                                      </p:tavLst>
-                                    </p:anim>
-                                    <p:anim calcmode="lin" valueType="num">
-                                      <p:cBhvr>
-                                        <p:cTn id="9" dur="1000" fill="hold"/>
-                                        <p:tgtEl>
-                                          <p:spTgt spid="3">
-                                            <p:txEl>
-                                              <p:pRg st="0" end="0"/>
-                                            </p:txEl>
-                                          </p:spTgt>
-                                        </p:tgtEl>
-                                        <p:attrNameLst>
-                                          <p:attrName>ppt_y</p:attrName>
-                                        </p:attrNameLst>
-                                      </p:cBhvr>
-                                      <p:tavLst>
-                                        <p:tav tm="0">
-                                          <p:val>
-                                            <p:strVal val="#ppt_y+.1"/>
-                                          </p:val>
-                                        </p:tav>
-                                        <p:tav tm="100000">
-                                          <p:val>
-                                            <p:strVal val="#ppt_y"/>
-                                          </p:val>
-                                        </p:tav>
-                                      </p:tavLst>
-                                    </p:anim>
-                                  </p:childTnLst>
-                                </p:cTn>
-                              </p:par>
-                            </p:childTnLst>
-                          </p:cTn>
-                        </p:par>
-                      </p:childTnLst>
-                    </p:cTn>
-                  </p:par>
-                  <p:par>
-                    <p:cTn id="10" fill="hold">
-                      <p:stCondLst>
-                        <p:cond delay="indefinite"/>
-                      </p:stCondLst>
-                      <p:childTnLst>
-                        <p:par>
-                          <p:cTn id="11" fill="hold">
-                            <p:stCondLst>
-                              <p:cond delay="0"/>
-                            </p:stCondLst>
-                            <p:childTnLst>
-                              <p:par>
-                                <p:cTn id="12" presetID="42" presetClass="entr" presetSubtype="0" fill="hold" nodeType="clickEffect">
-                                  <p:stCondLst>
-                                    <p:cond delay="0"/>
-                                  </p:stCondLst>
-                                  <p:childTnLst>
-                                    <p:set>
-                                      <p:cBhvr>
-                                        <p:cTn id="13" dur="1" fill="hold">
-                                          <p:stCondLst>
-                                            <p:cond delay="0"/>
-                                          </p:stCondLst>
-                                        </p:cTn>
-                                        <p:tgtEl>
-                                          <p:spTgt spid="3">
-                                            <p:txEl>
-                                              <p:pRg st="1" end="1"/>
-                                            </p:txEl>
-                                          </p:spTgt>
-                                        </p:tgtEl>
-                                        <p:attrNameLst>
-                                          <p:attrName>style.visibility</p:attrName>
-                                        </p:attrNameLst>
-                                      </p:cBhvr>
-                                      <p:to>
-                                        <p:strVal val="visible"/>
-                                      </p:to>
-                                    </p:set>
-                                    <p:animEffect transition="in" filter="fade">
-                                      <p:cBhvr>
-                                        <p:cTn id="14" dur="1000"/>
-                                        <p:tgtEl>
-                                          <p:spTgt spid="3">
-                                            <p:txEl>
-                                              <p:pRg st="1" end="1"/>
-                                            </p:txEl>
-                                          </p:spTgt>
-                                        </p:tgtEl>
-                                      </p:cBhvr>
-                                    </p:animEffect>
-                                    <p:anim calcmode="lin" valueType="num">
-                                      <p:cBhvr>
-                                        <p:cTn id="15" dur="1000" fill="hold"/>
-                                        <p:tgtEl>
-                                          <p:spTgt spid="3">
-                                            <p:txEl>
-                                              <p:pRg st="1" end="1"/>
-                                            </p:txEl>
-                                          </p:spTgt>
-                                        </p:tgtEl>
-                                        <p:attrNameLst>
-                                          <p:attrName>ppt_x</p:attrName>
-                                        </p:attrNameLst>
-                                      </p:cBhvr>
-                                      <p:tavLst>
-                                        <p:tav tm="0">
-                                          <p:val>
-                                            <p:strVal val="#ppt_x"/>
-                                          </p:val>
-                                        </p:tav>
-                                        <p:tav tm="100000">
-                                          <p:val>
-                                            <p:strVal val="#ppt_x"/>
-                                          </p:val>
-                                        </p:tav>
-                                      </p:tavLst>
-                                    </p:anim>
-                                    <p:anim calcmode="lin" valueType="num">
-                                      <p:cBhvr>
-                                        <p:cTn id="16" dur="1000" fill="hold"/>
-                                        <p:tgtEl>
-                                          <p:spTgt spid="3">
-                                            <p:txEl>
-                                              <p:pRg st="1" end="1"/>
-                                            </p:txEl>
-                                          </p:spTgt>
-                                        </p:tgtEl>
-                                        <p:attrNameLst>
-                                          <p:attrName>ppt_y</p:attrName>
-                                        </p:attrNameLst>
-                                      </p:cBhvr>
-                                      <p:tavLst>
-                                        <p:tav tm="0">
-                                          <p:val>
-                                            <p:strVal val="#ppt_y+.1"/>
-                                          </p:val>
-                                        </p:tav>
-                                        <p:tav tm="100000">
-                                          <p:val>
-                                            <p:strVal val="#ppt_y"/>
-                                          </p:val>
-                                        </p:tav>
-                                      </p:tavLst>
-                                    </p:anim>
-                                  </p:childTnLst>
-                                </p:cTn>
-                              </p:par>
-                            </p:childTnLst>
-                          </p:cTn>
-                        </p:par>
-                      </p:childTnLst>
-                    </p:cTn>
-                  </p:par>
-                  <p:par>
-                    <p:cTn id="17" fill="hold">
-                      <p:stCondLst>
-                        <p:cond delay="indefinite"/>
-                      </p:stCondLst>
-                      <p:childTnLst>
-                        <p:par>
-                          <p:cTn id="18" fill="hold">
-                            <p:stCondLst>
-                              <p:cond delay="0"/>
-                            </p:stCondLst>
-                            <p:childTnLst>
-                              <p:par>
-                                <p:cTn id="19" presetID="42" presetClass="entr" presetSubtype="0" fill="hold" nodeType="clickEffect">
-                                  <p:stCondLst>
-                                    <p:cond delay="0"/>
-                                  </p:stCondLst>
-                                  <p:childTnLst>
-                                    <p:set>
-                                      <p:cBhvr>
-                                        <p:cTn id="20" dur="1" fill="hold">
-                                          <p:stCondLst>
-                                            <p:cond delay="0"/>
-                                          </p:stCondLst>
-                                        </p:cTn>
-                                        <p:tgtEl>
-                                          <p:spTgt spid="3">
-                                            <p:txEl>
-                                              <p:pRg st="2" end="2"/>
-                                            </p:txEl>
-                                          </p:spTgt>
-                                        </p:tgtEl>
-                                        <p:attrNameLst>
-                                          <p:attrName>style.visibility</p:attrName>
-                                        </p:attrNameLst>
-                                      </p:cBhvr>
-                                      <p:to>
-                                        <p:strVal val="visible"/>
-                                      </p:to>
-                                    </p:set>
-                                    <p:animEffect transition="in" filter="fade">
-                                      <p:cBhvr>
-                                        <p:cTn id="21" dur="1000"/>
-                                        <p:tgtEl>
-                                          <p:spTgt spid="3">
-                                            <p:txEl>
-                                              <p:pRg st="2" end="2"/>
-                                            </p:txEl>
-                                          </p:spTgt>
-                                        </p:tgtEl>
-                                      </p:cBhvr>
-                                    </p:animEffect>
-                                    <p:anim calcmode="lin" valueType="num">
-                                      <p:cBhvr>
-                                        <p:cTn id="22" dur="1000" fill="hold"/>
-                                        <p:tgtEl>
-                                          <p:spTgt spid="3">
-                                            <p:txEl>
-                                              <p:pRg st="2" end="2"/>
-                                            </p:txEl>
-                                          </p:spTgt>
-                                        </p:tgtEl>
-                                        <p:attrNameLst>
-                                          <p:attrName>ppt_x</p:attrName>
-                                        </p:attrNameLst>
-                                      </p:cBhvr>
-                                      <p:tavLst>
-                                        <p:tav tm="0">
-                                          <p:val>
-                                            <p:strVal val="#ppt_x"/>
-                                          </p:val>
-                                        </p:tav>
-                                        <p:tav tm="100000">
-                                          <p:val>
-                                            <p:strVal val="#ppt_x"/>
-                                          </p:val>
-                                        </p:tav>
-                                      </p:tavLst>
-                                    </p:anim>
-                                    <p:anim calcmode="lin" valueType="num">
-                                      <p:cBhvr>
-                                        <p:cTn id="23" dur="1000" fill="hold"/>
-                                        <p:tgtEl>
-                                          <p:spTgt spid="3">
-                                            <p:txEl>
-                                              <p:pRg st="2" end="2"/>
-                                            </p:txEl>
-                                          </p:spTgt>
-                                        </p:tgtEl>
-                                        <p:attrNameLst>
-                                          <p:attrName>ppt_y</p:attrName>
-                                        </p:attrNameLst>
-                                      </p:cBhvr>
-                                      <p:tavLst>
-                                        <p:tav tm="0">
-                                          <p:val>
-                                            <p:strVal val="#ppt_y+.1"/>
-                                          </p:val>
-                                        </p:tav>
-                                        <p:tav tm="100000">
-                                          <p:val>
-                                            <p:strVal val="#ppt_y"/>
-                                          </p:val>
-                                        </p:tav>
-                                      </p:tavLst>
-                                    </p:anim>
-                                  </p:childTnLst>
-                                </p:cTn>
-                              </p:par>
-                            </p:childTnLst>
-                          </p:cTn>
-                        </p:par>
-                      </p:childTnLst>
-                    </p:cTn>
-                  </p:par>
-                  <p:par>
-                    <p:cTn id="24" fill="hold">
-                      <p:stCondLst>
-                        <p:cond delay="indefinite"/>
-                      </p:stCondLst>
-                      <p:childTnLst>
-                        <p:par>
-                          <p:cTn id="25" fill="hold">
-                            <p:stCondLst>
-                              <p:cond delay="0"/>
-                            </p:stCondLst>
-                            <p:childTnLst>
-                              <p:par>
-                                <p:cTn id="26" presetID="42" presetClass="entr" presetSubtype="0" fill="hold" nodeType="clickEffect">
-                                  <p:stCondLst>
-                                    <p:cond delay="0"/>
-                                  </p:stCondLst>
-                                  <p:childTnLst>
-                                    <p:set>
-                                      <p:cBhvr>
-                                        <p:cTn id="27" dur="1" fill="hold">
-                                          <p:stCondLst>
-                                            <p:cond delay="0"/>
-                                          </p:stCondLst>
-                                        </p:cTn>
-                                        <p:tgtEl>
-                                          <p:spTgt spid="3074"/>
-                                        </p:tgtEl>
-                                        <p:attrNameLst>
-                                          <p:attrName>style.visibility</p:attrName>
-                                        </p:attrNameLst>
-                                      </p:cBhvr>
-                                      <p:to>
-                                        <p:strVal val="visible"/>
-                                      </p:to>
-                                    </p:set>
-                                    <p:animEffect transition="in" filter="fade">
-                                      <p:cBhvr>
-                                        <p:cTn id="28" dur="1000"/>
-                                        <p:tgtEl>
-                                          <p:spTgt spid="3074"/>
-                                        </p:tgtEl>
-                                      </p:cBhvr>
-                                    </p:animEffect>
-                                    <p:anim calcmode="lin" valueType="num">
-                                      <p:cBhvr>
-                                        <p:cTn id="29" dur="1000" fill="hold"/>
-                                        <p:tgtEl>
-                                          <p:spTgt spid="3074"/>
-                                        </p:tgtEl>
-                                        <p:attrNameLst>
-                                          <p:attrName>ppt_x</p:attrName>
-                                        </p:attrNameLst>
-                                      </p:cBhvr>
-                                      <p:tavLst>
-                                        <p:tav tm="0">
-                                          <p:val>
-                                            <p:strVal val="#ppt_x"/>
-                                          </p:val>
-                                        </p:tav>
-                                        <p:tav tm="100000">
-                                          <p:val>
-                                            <p:strVal val="#ppt_x"/>
-                                          </p:val>
-                                        </p:tav>
-                                      </p:tavLst>
-                                    </p:anim>
-                                    <p:anim calcmode="lin" valueType="num">
-                                      <p:cBhvr>
-                                        <p:cTn id="30" dur="1000" fill="hold"/>
-                                        <p:tgtEl>
-                                          <p:spTgt spid="3074"/>
-                                        </p:tgtEl>
-                                        <p:attrNameLst>
-                                          <p:attrName>ppt_y</p:attrName>
-                                        </p:attrNameLst>
-                                      </p:cBhvr>
-                                      <p:tavLst>
-                                        <p:tav tm="0">
-                                          <p:val>
-                                            <p:strVal val="#ppt_y+.1"/>
-                                          </p:val>
-                                        </p:tav>
-                                        <p:tav tm="100000">
-                                          <p:val>
-                                            <p:strVal val="#ppt_y"/>
-                                          </p:val>
-                                        </p:tav>
-                                      </p:tavLst>
-                                    </p:anim>
-                                  </p:childTnLst>
-                                </p:cTn>
-                              </p:par>
-                            </p:childTnLst>
-                          </p:cTn>
-                        </p:par>
-                      </p:childTnLst>
-                    </p:cTn>
-                  </p:par>
-                  <p:par>
-                    <p:cTn id="31" fill="hold">
-                      <p:stCondLst>
-                        <p:cond delay="indefinite"/>
-                      </p:stCondLst>
-                      <p:childTnLst>
-                        <p:par>
-                          <p:cTn id="32" fill="hold">
-                            <p:stCondLst>
-                              <p:cond delay="0"/>
-                            </p:stCondLst>
-                            <p:childTnLst>
-                              <p:par>
-                                <p:cTn id="33" presetID="42" presetClass="entr" presetSubtype="0" fill="hold" nodeType="clickEffect">
-                                  <p:stCondLst>
-                                    <p:cond delay="0"/>
-                                  </p:stCondLst>
-                                  <p:childTnLst>
-                                    <p:set>
-                                      <p:cBhvr>
-                                        <p:cTn id="34" dur="1" fill="hold">
-                                          <p:stCondLst>
-                                            <p:cond delay="0"/>
-                                          </p:stCondLst>
-                                        </p:cTn>
-                                        <p:tgtEl>
-                                          <p:spTgt spid="3">
-                                            <p:txEl>
-                                              <p:pRg st="3" end="3"/>
-                                            </p:txEl>
-                                          </p:spTgt>
-                                        </p:tgtEl>
-                                        <p:attrNameLst>
-                                          <p:attrName>style.visibility</p:attrName>
-                                        </p:attrNameLst>
-                                      </p:cBhvr>
-                                      <p:to>
-                                        <p:strVal val="visible"/>
-                                      </p:to>
-                                    </p:set>
-                                    <p:animEffect transition="in" filter="fade">
-                                      <p:cBhvr>
-                                        <p:cTn id="35" dur="1000"/>
-                                        <p:tgtEl>
-                                          <p:spTgt spid="3">
-                                            <p:txEl>
-                                              <p:pRg st="3" end="3"/>
-                                            </p:txEl>
-                                          </p:spTgt>
-                                        </p:tgtEl>
-                                      </p:cBhvr>
-                                    </p:animEffect>
-                                    <p:anim calcmode="lin" valueType="num">
-                                      <p:cBhvr>
-                                        <p:cTn id="36" dur="1000" fill="hold"/>
-                                        <p:tgtEl>
-                                          <p:spTgt spid="3">
-                                            <p:txEl>
-                                              <p:pRg st="3" end="3"/>
-                                            </p:txEl>
-                                          </p:spTgt>
-                                        </p:tgtEl>
-                                        <p:attrNameLst>
-                                          <p:attrName>ppt_x</p:attrName>
-                                        </p:attrNameLst>
-                                      </p:cBhvr>
-                                      <p:tavLst>
-                                        <p:tav tm="0">
-                                          <p:val>
-                                            <p:strVal val="#ppt_x"/>
-                                          </p:val>
-                                        </p:tav>
-                                        <p:tav tm="100000">
-                                          <p:val>
-                                            <p:strVal val="#ppt_x"/>
-                                          </p:val>
-                                        </p:tav>
-                                      </p:tavLst>
-                                    </p:anim>
-                                    <p:anim calcmode="lin" valueType="num">
-                                      <p:cBhvr>
-                                        <p:cTn id="37" dur="1000" fill="hold"/>
-                                        <p:tgtEl>
-                                          <p:spTgt spid="3">
-                                            <p:txEl>
-                                              <p:pRg st="3" end="3"/>
-                                            </p:txEl>
-                                          </p:spTgt>
-                                        </p:tgtEl>
-                                        <p:attrNameLst>
-                                          <p:attrName>ppt_y</p:attrName>
-                                        </p:attrNameLst>
-                                      </p:cBhvr>
-                                      <p:tavLst>
-                                        <p:tav tm="0">
-                                          <p:val>
-                                            <p:strVal val="#ppt_y+.1"/>
-                                          </p:val>
-                                        </p:tav>
-                                        <p:tav tm="100000">
-                                          <p:val>
-                                            <p:strVal val="#ppt_y"/>
-                                          </p:val>
-                                        </p:tav>
-                                      </p:tavLst>
-                                    </p:anim>
-                                  </p:childTnLst>
-                                </p:cTn>
-                              </p:par>
-                            </p:childTnLst>
-                          </p:cTn>
-                        </p:par>
-                      </p:childTnLst>
-                    </p:cTn>
-                  </p:par>
-                  <p:par>
-                    <p:cTn id="38" fill="hold">
-                      <p:stCondLst>
-                        <p:cond delay="indefinite"/>
-                      </p:stCondLst>
-                      <p:childTnLst>
-                        <p:par>
-                          <p:cTn id="39" fill="hold">
-                            <p:stCondLst>
-                              <p:cond delay="0"/>
-                            </p:stCondLst>
-                            <p:childTnLst>
-                              <p:par>
-                                <p:cTn id="40" presetID="42" presetClass="entr" presetSubtype="0" fill="hold" nodeType="clickEffect">
-                                  <p:stCondLst>
-                                    <p:cond delay="0"/>
-                                  </p:stCondLst>
-                                  <p:childTnLst>
-                                    <p:set>
-                                      <p:cBhvr>
-                                        <p:cTn id="41" dur="1" fill="hold">
-                                          <p:stCondLst>
-                                            <p:cond delay="0"/>
-                                          </p:stCondLst>
-                                        </p:cTn>
-                                        <p:tgtEl>
-                                          <p:spTgt spid="3076"/>
-                                        </p:tgtEl>
-                                        <p:attrNameLst>
-                                          <p:attrName>style.visibility</p:attrName>
-                                        </p:attrNameLst>
-                                      </p:cBhvr>
-                                      <p:to>
-                                        <p:strVal val="visible"/>
-                                      </p:to>
-                                    </p:set>
-                                    <p:animEffect transition="in" filter="fade">
-                                      <p:cBhvr>
-                                        <p:cTn id="42" dur="1000"/>
-                                        <p:tgtEl>
-                                          <p:spTgt spid="3076"/>
-                                        </p:tgtEl>
-                                      </p:cBhvr>
-                                    </p:animEffect>
-                                    <p:anim calcmode="lin" valueType="num">
-                                      <p:cBhvr>
-                                        <p:cTn id="43" dur="1000" fill="hold"/>
-                                        <p:tgtEl>
-                                          <p:spTgt spid="3076"/>
-                                        </p:tgtEl>
-                                        <p:attrNameLst>
-                                          <p:attrName>ppt_x</p:attrName>
-                                        </p:attrNameLst>
-                                      </p:cBhvr>
-                                      <p:tavLst>
-                                        <p:tav tm="0">
-                                          <p:val>
-                                            <p:strVal val="#ppt_x"/>
-                                          </p:val>
-                                        </p:tav>
-                                        <p:tav tm="100000">
-                                          <p:val>
-                                            <p:strVal val="#ppt_x"/>
-                                          </p:val>
-                                        </p:tav>
-                                      </p:tavLst>
-                                    </p:anim>
-                                    <p:anim calcmode="lin" valueType="num">
-                                      <p:cBhvr>
-                                        <p:cTn id="44" dur="1000" fill="hold"/>
-                                        <p:tgtEl>
-                                          <p:spTgt spid="3076"/>
-                                        </p:tgtEl>
-                                        <p:attrNameLst>
-                                          <p:attrName>ppt_y</p:attrName>
-                                        </p:attrNameLst>
-                                      </p:cBhvr>
-                                      <p:tavLst>
-                                        <p:tav tm="0">
-                                          <p:val>
-                                            <p:strVal val="#ppt_y+.1"/>
-                                          </p:val>
-                                        </p:tav>
-                                        <p:tav tm="100000">
-                                          <p:val>
-                                            <p:strVal val="#ppt_y"/>
-                                          </p:val>
-                                        </p:tav>
-                                      </p:tavLst>
-                                    </p:anim>
-                                  </p:childTnLst>
-                                </p:cTn>
-                              </p:par>
-                            </p:childTnLst>
-                          </p:cTn>
-                        </p:par>
-                      </p:childTnLst>
-                    </p:cTn>
-                  </p:par>
-                  <p:par>
-                    <p:cTn id="45" fill="hold">
-                      <p:stCondLst>
-                        <p:cond delay="indefinite"/>
-                      </p:stCondLst>
-                      <p:childTnLst>
-                        <p:par>
-                          <p:cTn id="46" fill="hold">
-                            <p:stCondLst>
-                              <p:cond delay="0"/>
-                            </p:stCondLst>
-                            <p:childTnLst>
-                              <p:par>
-                                <p:cTn id="47" presetID="42" presetClass="entr" presetSubtype="0" fill="hold" nodeType="clickEffect">
-                                  <p:stCondLst>
-                                    <p:cond delay="0"/>
-                                  </p:stCondLst>
-                                  <p:childTnLst>
-                                    <p:set>
-                                      <p:cBhvr>
-                                        <p:cTn id="48" dur="1" fill="hold">
-                                          <p:stCondLst>
-                                            <p:cond delay="0"/>
-                                          </p:stCondLst>
-                                        </p:cTn>
-                                        <p:tgtEl>
-                                          <p:spTgt spid="3">
-                                            <p:txEl>
-                                              <p:pRg st="4" end="4"/>
-                                            </p:txEl>
-                                          </p:spTgt>
-                                        </p:tgtEl>
-                                        <p:attrNameLst>
-                                          <p:attrName>style.visibility</p:attrName>
-                                        </p:attrNameLst>
-                                      </p:cBhvr>
-                                      <p:to>
-                                        <p:strVal val="visible"/>
-                                      </p:to>
-                                    </p:set>
-                                    <p:animEffect transition="in" filter="fade">
-                                      <p:cBhvr>
-                                        <p:cTn id="49" dur="1000"/>
-                                        <p:tgtEl>
-                                          <p:spTgt spid="3">
-                                            <p:txEl>
-                                              <p:pRg st="4" end="4"/>
-                                            </p:txEl>
-                                          </p:spTgt>
-                                        </p:tgtEl>
-                                      </p:cBhvr>
-                                    </p:animEffect>
-                                    <p:anim calcmode="lin" valueType="num">
-                                      <p:cBhvr>
-                                        <p:cTn id="50" dur="1000" fill="hold"/>
-                                        <p:tgtEl>
-                                          <p:spTgt spid="3">
-                                            <p:txEl>
-                                              <p:pRg st="4" end="4"/>
-                                            </p:txEl>
-                                          </p:spTgt>
-                                        </p:tgtEl>
-                                        <p:attrNameLst>
-                                          <p:attrName>ppt_x</p:attrName>
-                                        </p:attrNameLst>
-                                      </p:cBhvr>
-                                      <p:tavLst>
-                                        <p:tav tm="0">
-                                          <p:val>
-                                            <p:strVal val="#ppt_x"/>
-                                          </p:val>
-                                        </p:tav>
-                                        <p:tav tm="100000">
-                                          <p:val>
-                                            <p:strVal val="#ppt_x"/>
-                                          </p:val>
-                                        </p:tav>
-                                      </p:tavLst>
-                                    </p:anim>
-                                    <p:anim calcmode="lin" valueType="num">
-                                      <p:cBhvr>
-                                        <p:cTn id="51" dur="1000" fill="hold"/>
-                                        <p:tgtEl>
-                                          <p:spTgt spid="3">
-                                            <p:txEl>
-                                              <p:pRg st="4" end="4"/>
-                                            </p:txEl>
-                                          </p:spTgt>
-                                        </p:tgtEl>
-                                        <p:attrNameLst>
-                                          <p:attrName>ppt_y</p:attrName>
-                                        </p:attrNameLst>
-                                      </p:cBhvr>
-                                      <p:tavLst>
-                                        <p:tav tm="0">
-                                          <p:val>
-                                            <p:strVal val="#ppt_y+.1"/>
-                                          </p:val>
-                                        </p:tav>
-                                        <p:tav tm="100000">
-                                          <p:val>
-                                            <p:strVal val="#ppt_y"/>
-                                          </p:val>
-                                        </p:tav>
-                                      </p:tavLst>
-                                    </p:anim>
-                                  </p:childTnLst>
-                                </p:cTn>
-                              </p:par>
-                            </p:childTnLst>
-                          </p:cTn>
-                        </p:par>
-                      </p:childTnLst>
-                    </p:cTn>
-                  </p:par>
-                </p:childTnLst>
-              </p:cTn>
-              <p:prevCondLst>
-                <p:cond evt="onPrev" delay="0">
-                  <p:tgtEl>
-                    <p:sldTgt/>
-                  </p:tgtEl>
-                </p:cond>
-              </p:prevCondLst>
-              <p:nextCondLst>
-                <p:cond evt="onNext" delay="0">
-                  <p:tgtEl>
-                    <p:sldTgt/>
-                  </p:tgtEl>
-                </p:cond>
-              </p:nextCondLst>
-            </p:seq>
-          </p:childTnLst>
-        </p:cTn>
-      </p:par>
-    </p:tnLst>
-  </p:timing>
-</p:sld>
-</file>
-
-<file path=ppt/slides/slide6.xml><?xml version="1.0" encoding="utf-8"?>
-<p:sld xmlns:a="http://schemas.openxmlformats.org/drawingml/2006/main" xmlns:r="http://schemas.openxmlformats.org/officeDocument/2006/relationships" xmlns:p="http://schemas.openxmlformats.org/presentationml/2006/main">
-  <p:cSld>
-    <p:spTree>
-      <p:nvGrpSpPr>
-        <p:cNvPr id="1" name=""/>
-        <p:cNvGrpSpPr/>
-        <p:nvPr/>
-      </p:nvGrpSpPr>
-      <p:grpSpPr>
-        <a:xfrm>
-          <a:off x="0" y="0"/>
-          <a:ext cx="0" cy="0"/>
-          <a:chOff x="0" y="0"/>
-          <a:chExt cx="0" cy="0"/>
-        </a:xfrm>
-      </p:grpSpPr>
-      <p:sp>
-        <p:nvSpPr>
-          <p:cNvPr id="2" name="Title 1"/>
-          <p:cNvSpPr>
-            <a:spLocks noGrp="1"/>
-          </p:cNvSpPr>
-          <p:nvPr>
-            <p:ph type="title"/>
-          </p:nvPr>
-        </p:nvSpPr>
-        <p:spPr/>
-        <p:txBody>
-          <a:bodyPr/>
-          <a:lstStyle/>
-          <a:p>
-            <a:r>
-              <a:rPr lang="en-US" dirty="0" smtClean="0"/>
-              <a:t>Problem 1.</a:t>
-            </a:r>
-            <a:br>
-              <a:rPr lang="en-US" dirty="0" smtClean="0"/>
-            </a:br>
-            <a:endParaRPr lang="en-US" dirty="0"/>
-          </a:p>
-        </p:txBody>
-      </p:sp>
-      <p:sp>
-        <p:nvSpPr>
-          <p:cNvPr id="3" name="Content Placeholder 2"/>
-          <p:cNvSpPr>
-            <a:spLocks noGrp="1"/>
-          </p:cNvSpPr>
-          <p:nvPr>
-            <p:ph sz="half" idx="1"/>
-          </p:nvPr>
-        </p:nvSpPr>
-        <p:spPr/>
-        <p:txBody>
-          <a:bodyPr/>
-          <a:lstStyle/>
-          <a:p>
-            <a:r>
-              <a:rPr lang="en-US" dirty="0" smtClean="0"/>
-              <a:t>The power of a car’s engine is 25kW. Find its work in 1 minute.</a:t>
-            </a:r>
-            <a:endParaRPr lang="en-US" dirty="0"/>
-          </a:p>
-        </p:txBody>
-      </p:sp>
-      <p:pic>
-        <p:nvPicPr>
-          <p:cNvPr id="4106" name="Picture 10" descr="KÃ©ptalÃ¡lat a kÃ¶vetkezÅre: âtrabant teljesÃ­tmÃ©nyâ"/>
-          <p:cNvPicPr>
-            <a:picLocks noGrp="1" noChangeAspect="1" noChangeArrowheads="1"/>
-          </p:cNvPicPr>
-          <p:nvPr>
-            <p:ph sz="half" idx="2"/>
-          </p:nvPr>
-        </p:nvPicPr>
-        <p:blipFill>
-          <a:blip r:embed="rId2">
-            <a:extLst>
-              <a:ext uri="{28A0092B-C50C-407E-A947-70E740481C1C}">
-                <a14:useLocalDpi xmlns:a14="http://schemas.microsoft.com/office/drawing/2010/main" val="0"/>
-              </a:ext>
-            </a:extLst>
-          </a:blip>
-          <a:srcRect/>
-          <a:stretch>
-            <a:fillRect/>
-          </a:stretch>
-        </p:blipFill>
-        <p:spPr bwMode="auto">
-          <a:xfrm>
-            <a:off x="6172200" y="2058194"/>
-            <a:ext cx="5181600" cy="3886200"/>
-          </a:xfrm>
-          <a:prstGeom prst="rect">
-            <a:avLst/>
-          </a:prstGeom>
-          <a:noFill/>
-          <a:extLst>
-            <a:ext uri="{909E8E84-426E-40DD-AFC4-6F175D3DCCD1}">
-              <a14:hiddenFill xmlns:a14="http://schemas.microsoft.com/office/drawing/2010/main">
-                <a:solidFill>
-                  <a:srgbClr val="FFFFFF"/>
-                </a:solidFill>
-              </a14:hiddenFill>
-            </a:ext>
-          </a:extLst>
-        </p:spPr>
-      </p:pic>
-    </p:spTree>
-    <p:extLst>
-      <p:ext uri="{BB962C8B-B14F-4D97-AF65-F5344CB8AC3E}">
-        <p14:creationId xmlns:p14="http://schemas.microsoft.com/office/powerpoint/2010/main" val="3631842888"/>
-      </p:ext>
-    </p:extLst>
-  </p:cSld>
-  <p:clrMapOvr>
-    <a:masterClrMapping/>
-  </p:clrMapOvr>
-  <p:timing>
-    <p:tnLst>
-      <p:par>
-        <p:cTn id="1" dur="indefinite" restart="never" nodeType="tmRoot"/>
-      </p:par>
-    </p:tnLst>
-  </p:timing>
-</p:sld>
-</file>
-
-<file path=ppt/slides/slide7.xml><?xml version="1.0" encoding="utf-8"?>
-<p:sld xmlns:a="http://schemas.openxmlformats.org/drawingml/2006/main" xmlns:r="http://schemas.openxmlformats.org/officeDocument/2006/relationships" xmlns:p="http://schemas.openxmlformats.org/presentationml/2006/main">
-  <p:cSld>
-    <p:spTree>
-      <p:nvGrpSpPr>
-        <p:cNvPr id="1" name=""/>
-        <p:cNvGrpSpPr/>
-        <p:nvPr/>
-      </p:nvGrpSpPr>
-      <p:grpSpPr>
-        <a:xfrm>
-          <a:off x="0" y="0"/>
-          <a:ext cx="0" cy="0"/>
-          <a:chOff x="0" y="0"/>
-          <a:chExt cx="0" cy="0"/>
-        </a:xfrm>
-      </p:grpSpPr>
-      <p:sp>
-        <p:nvSpPr>
-          <p:cNvPr id="2" name="Title 1"/>
-          <p:cNvSpPr>
-            <a:spLocks noGrp="1"/>
-          </p:cNvSpPr>
-          <p:nvPr>
-            <p:ph type="title"/>
-          </p:nvPr>
-        </p:nvSpPr>
-        <p:spPr/>
-        <p:txBody>
-          <a:bodyPr/>
-          <a:lstStyle/>
-          <a:p>
-            <a:r>
-              <a:rPr lang="en-US" dirty="0" smtClean="0"/>
-              <a:t>Problem 2.</a:t>
-            </a:r>
-            <a:endParaRPr lang="en-US" dirty="0"/>
-          </a:p>
-        </p:txBody>
-      </p:sp>
-      <p:sp>
-        <p:nvSpPr>
-          <p:cNvPr id="3" name="Content Placeholder 2"/>
-          <p:cNvSpPr>
-            <a:spLocks noGrp="1"/>
-          </p:cNvSpPr>
-          <p:nvPr>
-            <p:ph sz="half" idx="1"/>
-          </p:nvPr>
-        </p:nvSpPr>
-        <p:spPr/>
-        <p:txBody>
-          <a:bodyPr/>
-          <a:lstStyle/>
-          <a:p>
-            <a:r>
-              <a:rPr lang="en-US" dirty="0" smtClean="0"/>
-              <a:t>A horse’s power is 300 W. He does the work of 6 kJ. Find the time of his work.</a:t>
-            </a:r>
-            <a:endParaRPr lang="en-US" dirty="0"/>
-          </a:p>
-        </p:txBody>
-      </p:sp>
-      <p:pic>
-        <p:nvPicPr>
-          <p:cNvPr id="5" name="Picture 6" descr="KÃ©ptalÃ¡lat a kÃ¶vetkezÅre: âhorse pulling plowâ"/>
-          <p:cNvPicPr>
-            <a:picLocks noGrp="1" noChangeAspect="1" noChangeArrowheads="1"/>
-          </p:cNvPicPr>
-          <p:nvPr>
-            <p:ph sz="half" idx="2"/>
-          </p:nvPr>
-        </p:nvPicPr>
-        <p:blipFill>
-          <a:blip r:embed="rId2" cstate="print">
-            <a:extLst>
-              <a:ext uri="{28A0092B-C50C-407E-A947-70E740481C1C}">
-                <a14:useLocalDpi xmlns:a14="http://schemas.microsoft.com/office/drawing/2010/main" val="0"/>
-              </a:ext>
-            </a:extLst>
-          </a:blip>
-          <a:srcRect/>
-          <a:stretch>
-            <a:fillRect/>
-          </a:stretch>
-        </p:blipFill>
-        <p:spPr bwMode="auto">
-          <a:xfrm>
-            <a:off x="6172200" y="2546460"/>
-            <a:ext cx="5181600" cy="2909667"/>
-          </a:xfrm>
-          <a:prstGeom prst="rect">
-            <a:avLst/>
-          </a:prstGeom>
-          <a:noFill/>
-          <a:extLst>
-            <a:ext uri="{909E8E84-426E-40DD-AFC4-6F175D3DCCD1}">
-              <a14:hiddenFill xmlns:a14="http://schemas.microsoft.com/office/drawing/2010/main">
-                <a:solidFill>
-                  <a:srgbClr val="FFFFFF"/>
-                </a:solidFill>
-              </a14:hiddenFill>
-            </a:ext>
-          </a:extLst>
-        </p:spPr>
-      </p:pic>
-    </p:spTree>
-    <p:extLst>
-      <p:ext uri="{BB962C8B-B14F-4D97-AF65-F5344CB8AC3E}">
-        <p14:creationId xmlns:p14="http://schemas.microsoft.com/office/powerpoint/2010/main" val="465322867"/>
-      </p:ext>
-    </p:extLst>
-  </p:cSld>
-  <p:clrMapOvr>
-    <a:masterClrMapping/>
-  </p:clrMapOvr>
-  <p:timing>
-    <p:tnLst>
-      <p:par>
-        <p:cTn id="1" dur="indefinite" restart="never" nodeType="tmRoot">
-          <p:childTnLst>
-            <p:seq concurrent="1" nextAc="seek">
-              <p:cTn id="2" dur="indefinite" nodeType="mainSeq">
-                <p:childTnLst>
-                  <p:par>
-                    <p:cTn id="3" fill="hold">
-                      <p:stCondLst>
-                        <p:cond delay="indefinite"/>
-                      </p:stCondLst>
-                      <p:childTnLst>
-                        <p:par>
-                          <p:cTn id="4" fill="hold">
-                            <p:stCondLst>
-                              <p:cond delay="0"/>
-                            </p:stCondLst>
-                            <p:childTnLst>
-                              <p:par>
-                                <p:cTn id="5" presetID="42" presetClass="entr" presetSubtype="0" fill="hold" nodeType="clickEffect">
-                                  <p:stCondLst>
-                                    <p:cond delay="0"/>
-                                  </p:stCondLst>
-                                  <p:childTnLst>
-                                    <p:set>
-                                      <p:cBhvr>
-                                        <p:cTn id="6" dur="1" fill="hold">
-                                          <p:stCondLst>
-                                            <p:cond delay="0"/>
-                                          </p:stCondLst>
-                                        </p:cTn>
-                                        <p:tgtEl>
-                                          <p:spTgt spid="5"/>
-                                        </p:tgtEl>
-                                        <p:attrNameLst>
-                                          <p:attrName>style.visibility</p:attrName>
-                                        </p:attrNameLst>
-                                      </p:cBhvr>
-                                      <p:to>
-                                        <p:strVal val="visible"/>
-                                      </p:to>
-                                    </p:set>
-                                    <p:animEffect transition="in" filter="fade">
-                                      <p:cBhvr>
-                                        <p:cTn id="7" dur="1000"/>
-                                        <p:tgtEl>
-                                          <p:spTgt spid="5"/>
-                                        </p:tgtEl>
-                                      </p:cBhvr>
-                                    </p:animEffect>
-                                    <p:anim calcmode="lin" valueType="num">
-                                      <p:cBhvr>
-                                        <p:cTn id="8" dur="1000" fill="hold"/>
-                                        <p:tgtEl>
-                                          <p:spTgt spid="5"/>
-                                        </p:tgtEl>
-                                        <p:attrNameLst>
-                                          <p:attrName>ppt_x</p:attrName>
-                                        </p:attrNameLst>
-                                      </p:cBhvr>
-                                      <p:tavLst>
-                                        <p:tav tm="0">
-                                          <p:val>
-                                            <p:strVal val="#ppt_x"/>
-                                          </p:val>
-                                        </p:tav>
-                                        <p:tav tm="100000">
-                                          <p:val>
-                                            <p:strVal val="#ppt_x"/>
-                                          </p:val>
-                                        </p:tav>
-                                      </p:tavLst>
-                                    </p:anim>
-                                    <p:anim calcmode="lin" valueType="num">
-                                      <p:cBhvr>
-                                        <p:cTn id="9" dur="1000" fill="hold"/>
-                                        <p:tgtEl>
-                                          <p:spTgt spid="5"/>
-                                        </p:tgtEl>
-                                        <p:attrNameLst>
-                                          <p:attrName>ppt_y</p:attrName>
-                                        </p:attrNameLst>
-                                      </p:cBhvr>
-                                      <p:tavLst>
-                                        <p:tav tm="0">
-                                          <p:val>
-                                            <p:strVal val="#ppt_y+.1"/>
-                                          </p:val>
-                                        </p:tav>
-                                        <p:tav tm="100000">
-                                          <p:val>
-                                            <p:strVal val="#ppt_y"/>
-                                          </p:val>
-                                        </p:tav>
-                                      </p:tavLst>
-                                    </p:anim>
-                                  </p:childTnLst>
-                                </p:cTn>
-                              </p:par>
-                            </p:childTnLst>
-                          </p:cTn>
-                        </p:par>
-                      </p:childTnLst>
-                    </p:cTn>
-                  </p:par>
-                </p:childTnLst>
-              </p:cTn>
-              <p:prevCondLst>
-                <p:cond evt="onPrev" delay="0">
-                  <p:tgtEl>
-                    <p:sldTgt/>
-                  </p:tgtEl>
-                </p:cond>
-              </p:prevCondLst>
-              <p:nextCondLst>
-                <p:cond evt="onNext" delay="0">
-                  <p:tgtEl>
-                    <p:sldTgt/>
-                  </p:tgtEl>
-                </p:cond>
-              </p:nextCondLst>
-            </p:seq>
-          </p:childTnLst>
-        </p:cTn>
-      </p:par>
-    </p:tnLst>
-  </p:timing>
-</p:sld>
-</file>
-
-<file path=ppt/slides/slide8.xml><?xml version="1.0" encoding="utf-8"?>
-<p:sld xmlns:a="http://schemas.openxmlformats.org/drawingml/2006/main" xmlns:r="http://schemas.openxmlformats.org/officeDocument/2006/relationships" xmlns:p="http://schemas.openxmlformats.org/presentationml/2006/main">
-  <p:cSld>
-    <p:spTree>
-      <p:nvGrpSpPr>
-        <p:cNvPr id="1" name=""/>
-        <p:cNvGrpSpPr/>
-        <p:nvPr/>
-      </p:nvGrpSpPr>
-      <p:grpSpPr>
-        <a:xfrm>
-          <a:off x="0" y="0"/>
-          <a:ext cx="0" cy="0"/>
-          <a:chOff x="0" y="0"/>
-          <a:chExt cx="0" cy="0"/>
-        </a:xfrm>
-      </p:grpSpPr>
-      <p:sp>
-        <p:nvSpPr>
-          <p:cNvPr id="2" name="Title 1"/>
-          <p:cNvSpPr>
-            <a:spLocks noGrp="1"/>
-          </p:cNvSpPr>
-          <p:nvPr>
-            <p:ph type="title"/>
-          </p:nvPr>
-        </p:nvSpPr>
-        <p:spPr/>
-        <p:txBody>
-          <a:bodyPr/>
-          <a:lstStyle/>
-          <a:p>
-            <a:r>
-              <a:rPr lang="en-US" dirty="0" smtClean="0"/>
-              <a:t>Power- another unit</a:t>
-            </a:r>
-            <a:endParaRPr lang="en-US" dirty="0"/>
-          </a:p>
-        </p:txBody>
-      </p:sp>
-      <mc:AlternateContent xmlns:mc="http://schemas.openxmlformats.org/markup-compatibility/2006">
-        <mc:Choice xmlns:a14="http://schemas.microsoft.com/office/drawing/2010/main" Requires="a14">
-          <p:sp>
-            <p:nvSpPr>
-              <p:cNvPr id="3" name="Content Placeholder 2"/>
-              <p:cNvSpPr>
-                <a:spLocks noGrp="1"/>
-              </p:cNvSpPr>
-              <p:nvPr>
-                <p:ph sz="half" idx="1"/>
-              </p:nvPr>
-            </p:nvSpPr>
-            <p:spPr/>
-            <p:txBody>
-              <a:bodyPr/>
-              <a:lstStyle/>
-              <a:p>
-                <a14:m>
-                  <m:oMath xmlns:m="http://schemas.openxmlformats.org/officeDocument/2006/math">
-                    <m:r>
-                      <a:rPr lang="en-US" b="0" i="1" smtClean="0">
-                        <a:latin typeface="Cambria Math" panose="02040503050406030204" pitchFamily="18" charset="0"/>
-                      </a:rPr>
-                      <m:t>𝑃</m:t>
-                    </m:r>
-                    <m:r>
-                      <a:rPr lang="en-US" b="0" i="1" smtClean="0">
-                        <a:latin typeface="Cambria Math" panose="02040503050406030204" pitchFamily="18" charset="0"/>
-                      </a:rPr>
-                      <m:t>=</m:t>
-                    </m:r>
-                    <m:f>
-                      <m:fPr>
-                        <m:ctrlPr>
-                          <a:rPr lang="en-US" b="0" i="1" smtClean="0">
-                            <a:latin typeface="Cambria Math" panose="02040503050406030204" pitchFamily="18" charset="0"/>
-                          </a:rPr>
-                        </m:ctrlPr>
-                      </m:fPr>
-                      <m:num>
-                        <m:r>
-                          <a:rPr lang="en-US" b="0" i="1" smtClean="0">
-                            <a:latin typeface="Cambria Math" panose="02040503050406030204" pitchFamily="18" charset="0"/>
-                          </a:rPr>
-                          <m:t>𝑊</m:t>
-                        </m:r>
-                      </m:num>
-                      <m:den>
-                        <m:r>
-                          <a:rPr lang="en-US" b="0" i="1" smtClean="0">
-                            <a:latin typeface="Cambria Math" panose="02040503050406030204" pitchFamily="18" charset="0"/>
-                          </a:rPr>
-                          <m:t>𝑡</m:t>
-                        </m:r>
-                      </m:den>
-                    </m:f>
-                  </m:oMath>
-                </a14:m>
-                <a:endParaRPr lang="en-US" dirty="0" smtClean="0"/>
-              </a:p>
-              <a:p>
-                <a14:m>
-                  <m:oMath xmlns:m="http://schemas.openxmlformats.org/officeDocument/2006/math">
-                    <m:r>
-                      <a:rPr lang="en-US" b="0" i="1" smtClean="0">
-                        <a:latin typeface="Cambria Math" panose="02040503050406030204" pitchFamily="18" charset="0"/>
-                      </a:rPr>
-                      <m:t>𝑊</m:t>
-                    </m:r>
-                    <m:r>
-                      <a:rPr lang="en-US" b="0" i="1" smtClean="0">
-                        <a:latin typeface="Cambria Math" panose="02040503050406030204" pitchFamily="18" charset="0"/>
-                      </a:rPr>
-                      <m:t>=</m:t>
-                    </m:r>
-                    <m:r>
-                      <a:rPr lang="en-US" b="0" i="1" smtClean="0">
-                        <a:latin typeface="Cambria Math" panose="02040503050406030204" pitchFamily="18" charset="0"/>
-                      </a:rPr>
-                      <m:t>𝑃</m:t>
-                    </m:r>
-                    <m:r>
-                      <a:rPr lang="en-US" b="0" i="1" smtClean="0">
-                        <a:latin typeface="Cambria Math" panose="02040503050406030204" pitchFamily="18" charset="0"/>
-                        <a:ea typeface="Cambria Math" panose="02040503050406030204" pitchFamily="18" charset="0"/>
-                      </a:rPr>
-                      <m:t>∙</m:t>
-                    </m:r>
-                    <m:r>
-                      <a:rPr lang="en-US" b="0" i="1" smtClean="0">
-                        <a:latin typeface="Cambria Math" panose="02040503050406030204" pitchFamily="18" charset="0"/>
-                        <a:ea typeface="Cambria Math" panose="02040503050406030204" pitchFamily="18" charset="0"/>
-                      </a:rPr>
-                      <m:t>𝑡</m:t>
-                    </m:r>
-                  </m:oMath>
-                </a14:m>
-                <a:endParaRPr lang="en-US" b="0" dirty="0" smtClean="0">
-                  <a:ea typeface="Cambria Math" panose="02040503050406030204" pitchFamily="18" charset="0"/>
-                </a:endParaRPr>
-              </a:p>
-              <a:p>
-                <a14:m>
-                  <m:oMath xmlns:m="http://schemas.openxmlformats.org/officeDocument/2006/math">
-                    <m:r>
-                      <a:rPr lang="en-US" b="0" i="1" smtClean="0">
-                        <a:latin typeface="Cambria Math" panose="02040503050406030204" pitchFamily="18" charset="0"/>
-                      </a:rPr>
-                      <m:t>1</m:t>
-                    </m:r>
-                    <m:r>
-                      <a:rPr lang="en-US" b="0" i="1" smtClean="0">
-                        <a:latin typeface="Cambria Math" panose="02040503050406030204" pitchFamily="18" charset="0"/>
-                      </a:rPr>
-                      <m:t>𝐽</m:t>
-                    </m:r>
-                    <m:r>
-                      <a:rPr lang="en-US" b="0" i="1" smtClean="0">
-                        <a:latin typeface="Cambria Math" panose="02040503050406030204" pitchFamily="18" charset="0"/>
-                      </a:rPr>
-                      <m:t>=1</m:t>
-                    </m:r>
-                    <m:r>
-                      <a:rPr lang="en-US" b="0" i="1" smtClean="0">
-                        <a:latin typeface="Cambria Math" panose="02040503050406030204" pitchFamily="18" charset="0"/>
-                      </a:rPr>
-                      <m:t>𝑊</m:t>
-                    </m:r>
-                    <m:r>
-                      <a:rPr lang="en-US" b="0" i="1" smtClean="0">
-                        <a:latin typeface="Cambria Math" panose="02040503050406030204" pitchFamily="18" charset="0"/>
-                        <a:ea typeface="Cambria Math" panose="02040503050406030204" pitchFamily="18" charset="0"/>
-                      </a:rPr>
-                      <m:t>∙1</m:t>
-                    </m:r>
-                    <m:r>
-                      <a:rPr lang="en-US" b="0" i="1" smtClean="0">
-                        <a:latin typeface="Cambria Math" panose="02040503050406030204" pitchFamily="18" charset="0"/>
-                        <a:ea typeface="Cambria Math" panose="02040503050406030204" pitchFamily="18" charset="0"/>
-                      </a:rPr>
-                      <m:t>𝑠</m:t>
-                    </m:r>
-                    <m:r>
-                      <a:rPr lang="en-US" b="0" i="1" smtClean="0">
-                        <a:latin typeface="Cambria Math" panose="02040503050406030204" pitchFamily="18" charset="0"/>
-                        <a:ea typeface="Cambria Math" panose="02040503050406030204" pitchFamily="18" charset="0"/>
-                      </a:rPr>
-                      <m:t>=1</m:t>
-                    </m:r>
-                    <m:r>
-                      <a:rPr lang="en-US" b="0" i="1" smtClean="0">
-                        <a:latin typeface="Cambria Math" panose="02040503050406030204" pitchFamily="18" charset="0"/>
-                        <a:ea typeface="Cambria Math" panose="02040503050406030204" pitchFamily="18" charset="0"/>
-                      </a:rPr>
-                      <m:t>𝑊𝑠</m:t>
-                    </m:r>
-                  </m:oMath>
-                </a14:m>
-                <a:endParaRPr lang="en-US" dirty="0" smtClean="0"/>
-              </a:p>
-              <a:p>
-                <a14:m>
-                  <m:oMath xmlns:m="http://schemas.openxmlformats.org/officeDocument/2006/math">
-                    <m:r>
-                      <a:rPr lang="en-US" b="0" i="1" smtClean="0">
-                        <a:latin typeface="Cambria Math" panose="02040503050406030204" pitchFamily="18" charset="0"/>
-                      </a:rPr>
-                      <m:t>1</m:t>
-                    </m:r>
-                    <m:r>
-                      <a:rPr lang="en-US" b="0" i="1" smtClean="0">
-                        <a:latin typeface="Cambria Math" panose="02040503050406030204" pitchFamily="18" charset="0"/>
-                      </a:rPr>
-                      <m:t>𝑊𝑠</m:t>
-                    </m:r>
-                    <m:r>
-                      <a:rPr lang="en-US" b="0" i="1" smtClean="0">
-                        <a:latin typeface="Cambria Math" panose="02040503050406030204" pitchFamily="18" charset="0"/>
-                      </a:rPr>
-                      <m:t>=1</m:t>
-                    </m:r>
-                    <m:r>
-                      <a:rPr lang="en-US" b="0" i="1" smtClean="0">
-                        <a:latin typeface="Cambria Math" panose="02040503050406030204" pitchFamily="18" charset="0"/>
-                      </a:rPr>
-                      <m:t>𝐽</m:t>
-                    </m:r>
-                    <m:r>
-                      <a:rPr lang="en-US" b="0" i="1" smtClean="0">
-                        <a:latin typeface="Cambria Math" panose="02040503050406030204" pitchFamily="18" charset="0"/>
-                      </a:rPr>
-                      <m:t>  </m:t>
-                    </m:r>
-                    <m:d>
-                      <m:dPr>
-                        <m:begChr m:val="|"/>
-                        <m:endChr m:val=""/>
-                        <m:ctrlPr>
-                          <a:rPr lang="en-US" b="0" i="1" smtClean="0">
-                            <a:latin typeface="Cambria Math" panose="02040503050406030204" pitchFamily="18" charset="0"/>
-                          </a:rPr>
-                        </m:ctrlPr>
-                      </m:dPr>
-                      <m:e>
-                        <m:r>
-                          <a:rPr lang="en-US" b="0" i="1" smtClean="0">
-                            <a:latin typeface="Cambria Math" panose="02040503050406030204" pitchFamily="18" charset="0"/>
-                            <a:ea typeface="Cambria Math" panose="02040503050406030204" pitchFamily="18" charset="0"/>
-                          </a:rPr>
-                          <m:t>∙3600</m:t>
-                        </m:r>
-                      </m:e>
-                    </m:d>
-                  </m:oMath>
-                </a14:m>
-                <a:endParaRPr lang="en-US" dirty="0" smtClean="0"/>
-              </a:p>
-              <a:p>
-                <a14:m>
-                  <m:oMath xmlns:m="http://schemas.openxmlformats.org/officeDocument/2006/math">
-                    <m:r>
-                      <a:rPr lang="en-US" b="0" i="1" smtClean="0">
-                        <a:latin typeface="Cambria Math" panose="02040503050406030204" pitchFamily="18" charset="0"/>
-                      </a:rPr>
-                      <m:t>3600</m:t>
-                    </m:r>
-                    <m:r>
-                      <a:rPr lang="en-US" b="0" i="1" smtClean="0">
-                        <a:latin typeface="Cambria Math" panose="02040503050406030204" pitchFamily="18" charset="0"/>
-                      </a:rPr>
-                      <m:t>𝑊𝑠</m:t>
-                    </m:r>
-                    <m:r>
-                      <a:rPr lang="en-US" b="0" i="1" smtClean="0">
-                        <a:latin typeface="Cambria Math" panose="02040503050406030204" pitchFamily="18" charset="0"/>
-                      </a:rPr>
-                      <m:t>=3600</m:t>
-                    </m:r>
-                    <m:r>
-                      <a:rPr lang="en-US" b="0" i="1" smtClean="0">
-                        <a:latin typeface="Cambria Math" panose="02040503050406030204" pitchFamily="18" charset="0"/>
-                      </a:rPr>
-                      <m:t>𝐽</m:t>
-                    </m:r>
-                  </m:oMath>
-                </a14:m>
-                <a:endParaRPr lang="en-US" dirty="0" smtClean="0"/>
-              </a:p>
-              <a:p>
-                <a14:m>
-                  <m:oMath xmlns:m="http://schemas.openxmlformats.org/officeDocument/2006/math">
-                    <m:r>
-                      <a:rPr lang="en-US" b="0" i="1" smtClean="0">
-                        <a:latin typeface="Cambria Math" panose="02040503050406030204" pitchFamily="18" charset="0"/>
-                      </a:rPr>
-                      <m:t>3600</m:t>
-                    </m:r>
-                    <m:r>
-                      <a:rPr lang="en-US" b="0" i="1" smtClean="0">
-                        <a:latin typeface="Cambria Math" panose="02040503050406030204" pitchFamily="18" charset="0"/>
-                      </a:rPr>
-                      <m:t>𝑠</m:t>
-                    </m:r>
-                    <m:r>
-                      <a:rPr lang="en-US" b="0" i="0" smtClean="0">
-                        <a:latin typeface="Cambria Math" panose="02040503050406030204" pitchFamily="18" charset="0"/>
-                      </a:rPr>
-                      <m:t>=1</m:t>
-                    </m:r>
-                    <m:r>
-                      <m:rPr>
-                        <m:sty m:val="p"/>
-                      </m:rPr>
-                      <a:rPr lang="en-US" b="0" i="0" smtClean="0">
-                        <a:latin typeface="Cambria Math" panose="02040503050406030204" pitchFamily="18" charset="0"/>
-                      </a:rPr>
-                      <m:t>h</m:t>
-                    </m:r>
-                  </m:oMath>
-                </a14:m>
-                <a:endParaRPr lang="en-US" b="0" dirty="0" smtClean="0"/>
-              </a:p>
-              <a:p>
-                <a14:m>
-                  <m:oMath xmlns:m="http://schemas.openxmlformats.org/officeDocument/2006/math">
-                    <m:r>
-                      <a:rPr lang="en-US" b="0" i="1" smtClean="0">
-                        <a:latin typeface="Cambria Math" panose="02040503050406030204" pitchFamily="18" charset="0"/>
-                      </a:rPr>
-                      <m:t>1</m:t>
-                    </m:r>
-                    <m:r>
-                      <a:rPr lang="en-US" b="0" i="1" smtClean="0">
-                        <a:latin typeface="Cambria Math" panose="02040503050406030204" pitchFamily="18" charset="0"/>
-                      </a:rPr>
-                      <m:t>𝑊h</m:t>
-                    </m:r>
-                    <m:r>
-                      <a:rPr lang="en-US" b="0" i="1" smtClean="0">
-                        <a:latin typeface="Cambria Math" panose="02040503050406030204" pitchFamily="18" charset="0"/>
-                      </a:rPr>
-                      <m:t>=3600</m:t>
-                    </m:r>
-                    <m:r>
-                      <a:rPr lang="en-US" b="0" i="1" smtClean="0">
-                        <a:latin typeface="Cambria Math" panose="02040503050406030204" pitchFamily="18" charset="0"/>
-                      </a:rPr>
-                      <m:t>𝐽</m:t>
-                    </m:r>
-                  </m:oMath>
-                </a14:m>
-                <a:endParaRPr lang="en-US" b="0" dirty="0" smtClean="0"/>
-              </a:p>
-              <a:p>
-                <a14:m>
-                  <m:oMath xmlns:m="http://schemas.openxmlformats.org/officeDocument/2006/math">
-                    <m:r>
-                      <a:rPr lang="en-US" b="0" i="1" smtClean="0">
-                        <a:latin typeface="Cambria Math" panose="02040503050406030204" pitchFamily="18" charset="0"/>
-                      </a:rPr>
-                      <m:t>1</m:t>
-                    </m:r>
-                    <m:r>
-                      <a:rPr lang="en-US" b="0" i="1" smtClean="0">
-                        <a:latin typeface="Cambria Math" panose="02040503050406030204" pitchFamily="18" charset="0"/>
-                      </a:rPr>
-                      <m:t>𝑘𝑊h</m:t>
-                    </m:r>
-                    <m:r>
-                      <a:rPr lang="en-US" b="0" i="1" smtClean="0">
-                        <a:latin typeface="Cambria Math" panose="02040503050406030204" pitchFamily="18" charset="0"/>
-                      </a:rPr>
-                      <m:t>=3 600 000</m:t>
-                    </m:r>
-                    <m:r>
-                      <a:rPr lang="en-US" b="0" i="1" smtClean="0">
-                        <a:latin typeface="Cambria Math" panose="02040503050406030204" pitchFamily="18" charset="0"/>
-                      </a:rPr>
-                      <m:t>𝐽</m:t>
-                    </m:r>
-                    <m:r>
-                      <a:rPr lang="en-US" b="0" i="1" smtClean="0">
-                        <a:latin typeface="Cambria Math" panose="02040503050406030204" pitchFamily="18" charset="0"/>
-                      </a:rPr>
-                      <m:t>=3.6 </m:t>
-                    </m:r>
-                    <m:r>
-                      <a:rPr lang="en-US" b="0" i="1" smtClean="0">
-                        <a:latin typeface="Cambria Math" panose="02040503050406030204" pitchFamily="18" charset="0"/>
-                      </a:rPr>
-                      <m:t>𝑀𝐽</m:t>
-                    </m:r>
-                  </m:oMath>
-                </a14:m>
-                <a:endParaRPr lang="en-US" dirty="0"/>
-              </a:p>
-            </p:txBody>
-          </p:sp>
-        </mc:Choice>
-        <mc:Fallback>
-          <p:sp>
-            <p:nvSpPr>
-              <p:cNvPr id="3" name="Content Placeholder 2"/>
-              <p:cNvSpPr>
-                <a:spLocks noGrp="1" noRot="1" noChangeAspect="1" noMove="1" noResize="1" noEditPoints="1" noAdjustHandles="1" noChangeArrowheads="1" noChangeShapeType="1" noTextEdit="1"/>
-              </p:cNvSpPr>
-              <p:nvPr>
-                <p:ph sz="half" idx="1"/>
-              </p:nvPr>
-            </p:nvSpPr>
-            <p:spPr>
-              <a:blipFill>
-                <a:blip r:embed="rId2"/>
-                <a:stretch>
-                  <a:fillRect/>
-                </a:stretch>
-              </a:blipFill>
-            </p:spPr>
-            <p:txBody>
-              <a:bodyPr/>
-              <a:lstStyle/>
-              <a:p>
-                <a:r>
-                  <a:rPr lang="en-US">
-                    <a:noFill/>
-                  </a:rPr>
-                  <a:t> </a:t>
-                </a:r>
-              </a:p>
-            </p:txBody>
-          </p:sp>
-        </mc:Fallback>
-      </mc:AlternateContent>
-      <p:sp>
-        <p:nvSpPr>
-          <p:cNvPr id="4" name="Content Placeholder 3"/>
-          <p:cNvSpPr>
-            <a:spLocks noGrp="1"/>
-          </p:cNvSpPr>
-          <p:nvPr>
-            <p:ph sz="half" idx="2"/>
-          </p:nvPr>
-        </p:nvSpPr>
-        <p:spPr/>
-        <p:txBody>
-          <a:bodyPr/>
-          <a:lstStyle/>
-          <a:p>
-            <a:endParaRPr lang="en-US"/>
-          </a:p>
-        </p:txBody>
-      </p:sp>
-    </p:spTree>
-    <p:extLst>
-      <p:ext uri="{BB962C8B-B14F-4D97-AF65-F5344CB8AC3E}">
-        <p14:creationId xmlns:p14="http://schemas.microsoft.com/office/powerpoint/2010/main" val="668965576"/>
-      </p:ext>
-    </p:extLst>
-  </p:cSld>
-  <p:clrMapOvr>
-    <a:masterClrMapping/>
-  </p:clrMapOvr>
-  <p:timing>
-    <p:tnLst>
-      <p:par>
-        <p:cTn id="1" dur="indefinite" restart="never" nodeType="tmRoot"/>
-      </p:par>
-    </p:tnLst>
-  </p:timing>
-</p:sld>
-</file>
-
-<file path=ppt/slides/slide9.xml><?xml version="1.0" encoding="utf-8"?>
+<file path=ppt/slides/slide13.xml><?xml version="1.0" encoding="utf-8"?>
 <p:sld xmlns:a="http://schemas.openxmlformats.org/drawingml/2006/main" xmlns:r="http://schemas.openxmlformats.org/officeDocument/2006/relationships" xmlns:p="http://schemas.openxmlformats.org/presentationml/2006/main">
   <p:cSld>
     <p:spTree>
@@ -8354,6 +4799,4778 @@
 </p:sld>
 </file>
 
+<file path=ppt/slides/slide14.xml><?xml version="1.0" encoding="utf-8"?>
+<p:sld xmlns:a="http://schemas.openxmlformats.org/drawingml/2006/main" xmlns:r="http://schemas.openxmlformats.org/officeDocument/2006/relationships" xmlns:p="http://schemas.openxmlformats.org/presentationml/2006/main">
+  <p:cSld>
+    <p:spTree>
+      <p:nvGrpSpPr>
+        <p:cNvPr id="1" name=""/>
+        <p:cNvGrpSpPr/>
+        <p:nvPr/>
+      </p:nvGrpSpPr>
+      <p:grpSpPr>
+        <a:xfrm>
+          <a:off x="0" y="0"/>
+          <a:ext cx="0" cy="0"/>
+          <a:chOff x="0" y="0"/>
+          <a:chExt cx="0" cy="0"/>
+        </a:xfrm>
+      </p:grpSpPr>
+      <p:sp>
+        <p:nvSpPr>
+          <p:cNvPr id="2" name="Title 1"/>
+          <p:cNvSpPr>
+            <a:spLocks noGrp="1"/>
+          </p:cNvSpPr>
+          <p:nvPr>
+            <p:ph type="title"/>
+          </p:nvPr>
+        </p:nvSpPr>
+        <p:spPr/>
+        <p:txBody>
+          <a:bodyPr/>
+          <a:lstStyle/>
+          <a:p>
+            <a:r>
+              <a:rPr lang="en-US" dirty="0" smtClean="0"/>
+              <a:t>Problem 5.</a:t>
+            </a:r>
+            <a:endParaRPr lang="en-US" dirty="0"/>
+          </a:p>
+        </p:txBody>
+      </p:sp>
+      <mc:AlternateContent xmlns:mc="http://schemas.openxmlformats.org/markup-compatibility/2006">
+        <mc:Choice xmlns:a14="http://schemas.microsoft.com/office/drawing/2010/main" Requires="a14">
+          <p:sp>
+            <p:nvSpPr>
+              <p:cNvPr id="3" name="Content Placeholder 2"/>
+              <p:cNvSpPr>
+                <a:spLocks noGrp="1"/>
+              </p:cNvSpPr>
+              <p:nvPr>
+                <p:ph sz="half" idx="1"/>
+              </p:nvPr>
+            </p:nvSpPr>
+            <p:spPr/>
+            <p:txBody>
+              <a:bodyPr/>
+              <a:lstStyle/>
+              <a:p>
+                <a:r>
+                  <a:rPr lang="en-US" dirty="0" smtClean="0"/>
+                  <a:t>An engine pulls a train with a force of </a:t>
+                </a:r>
+                <a14:m>
+                  <m:oMath xmlns:m="http://schemas.openxmlformats.org/officeDocument/2006/math">
+                    <m:r>
+                      <a:rPr lang="en-US" b="0" i="1" smtClean="0">
+                        <a:latin typeface="Cambria Math" panose="02040503050406030204" pitchFamily="18" charset="0"/>
+                      </a:rPr>
+                      <m:t>2</m:t>
+                    </m:r>
+                    <m:r>
+                      <a:rPr lang="en-US" b="0" i="1" smtClean="0">
+                        <a:latin typeface="Cambria Math" panose="02040503050406030204" pitchFamily="18" charset="0"/>
+                        <a:ea typeface="Cambria Math" panose="02040503050406030204" pitchFamily="18" charset="0"/>
+                      </a:rPr>
+                      <m:t>∙</m:t>
+                    </m:r>
+                    <m:sSup>
+                      <m:sSupPr>
+                        <m:ctrlPr>
+                          <a:rPr lang="en-US" b="0" i="1" smtClean="0">
+                            <a:latin typeface="Cambria Math" panose="02040503050406030204" pitchFamily="18" charset="0"/>
+                            <a:ea typeface="Cambria Math" panose="02040503050406030204" pitchFamily="18" charset="0"/>
+                          </a:rPr>
+                        </m:ctrlPr>
+                      </m:sSupPr>
+                      <m:e>
+                        <m:r>
+                          <a:rPr lang="en-US" b="0" i="1" smtClean="0">
+                            <a:latin typeface="Cambria Math" panose="02040503050406030204" pitchFamily="18" charset="0"/>
+                            <a:ea typeface="Cambria Math" panose="02040503050406030204" pitchFamily="18" charset="0"/>
+                          </a:rPr>
+                          <m:t>10</m:t>
+                        </m:r>
+                      </m:e>
+                      <m:sup>
+                        <m:r>
+                          <a:rPr lang="en-US" b="0" i="1" smtClean="0">
+                            <a:latin typeface="Cambria Math" panose="02040503050406030204" pitchFamily="18" charset="0"/>
+                            <a:ea typeface="Cambria Math" panose="02040503050406030204" pitchFamily="18" charset="0"/>
+                          </a:rPr>
+                          <m:t>5</m:t>
+                        </m:r>
+                      </m:sup>
+                    </m:sSup>
+                    <m:r>
+                      <a:rPr lang="en-US" b="0" i="1" smtClean="0">
+                        <a:latin typeface="Cambria Math" panose="02040503050406030204" pitchFamily="18" charset="0"/>
+                        <a:ea typeface="Cambria Math" panose="02040503050406030204" pitchFamily="18" charset="0"/>
+                      </a:rPr>
+                      <m:t>𝑁</m:t>
+                    </m:r>
+                  </m:oMath>
+                </a14:m>
+                <a:r>
+                  <a:rPr lang="en-US" dirty="0" smtClean="0"/>
+                  <a:t> at a constant speed of </a:t>
+                </a:r>
+                <a14:m>
+                  <m:oMath xmlns:m="http://schemas.openxmlformats.org/officeDocument/2006/math">
+                    <m:r>
+                      <a:rPr lang="en-US" b="0" i="1" smtClean="0">
+                        <a:latin typeface="Cambria Math" panose="02040503050406030204" pitchFamily="18" charset="0"/>
+                      </a:rPr>
+                      <m:t>54</m:t>
+                    </m:r>
+                    <m:f>
+                      <m:fPr>
+                        <m:ctrlPr>
+                          <a:rPr lang="en-US" b="0" i="1" smtClean="0">
+                            <a:latin typeface="Cambria Math" panose="02040503050406030204" pitchFamily="18" charset="0"/>
+                          </a:rPr>
+                        </m:ctrlPr>
+                      </m:fPr>
+                      <m:num>
+                        <m:r>
+                          <a:rPr lang="en-US" b="0" i="1" smtClean="0">
+                            <a:latin typeface="Cambria Math" panose="02040503050406030204" pitchFamily="18" charset="0"/>
+                          </a:rPr>
+                          <m:t>𝑘𝑚</m:t>
+                        </m:r>
+                      </m:num>
+                      <m:den>
+                        <m:r>
+                          <a:rPr lang="en-US" b="0" i="1" smtClean="0">
+                            <a:latin typeface="Cambria Math" panose="02040503050406030204" pitchFamily="18" charset="0"/>
+                          </a:rPr>
+                          <m:t>h</m:t>
+                        </m:r>
+                      </m:den>
+                    </m:f>
+                  </m:oMath>
+                </a14:m>
+                <a:r>
+                  <a:rPr lang="en-US" dirty="0" smtClean="0"/>
+                  <a:t>. Find its power.</a:t>
+                </a:r>
+                <a:endParaRPr lang="en-US" dirty="0"/>
+              </a:p>
+            </p:txBody>
+          </p:sp>
+        </mc:Choice>
+        <mc:Fallback>
+          <p:sp>
+            <p:nvSpPr>
+              <p:cNvPr id="3" name="Content Placeholder 2"/>
+              <p:cNvSpPr>
+                <a:spLocks noGrp="1" noRot="1" noChangeAspect="1" noMove="1" noResize="1" noEditPoints="1" noAdjustHandles="1" noChangeArrowheads="1" noChangeShapeType="1" noTextEdit="1"/>
+              </p:cNvSpPr>
+              <p:nvPr>
+                <p:ph sz="half" idx="1"/>
+              </p:nvPr>
+            </p:nvSpPr>
+            <p:spPr>
+              <a:blipFill>
+                <a:blip r:embed="rId2"/>
+                <a:stretch>
+                  <a:fillRect l="-2118" t="-2241"/>
+                </a:stretch>
+              </a:blipFill>
+            </p:spPr>
+            <p:txBody>
+              <a:bodyPr/>
+              <a:lstStyle/>
+              <a:p>
+                <a:r>
+                  <a:rPr lang="en-US">
+                    <a:noFill/>
+                  </a:rPr>
+                  <a:t> </a:t>
+                </a:r>
+              </a:p>
+            </p:txBody>
+          </p:sp>
+        </mc:Fallback>
+      </mc:AlternateContent>
+      <p:pic>
+        <p:nvPicPr>
+          <p:cNvPr id="11266" name="Picture 2" descr="KÃ©ptalÃ¡lat a kÃ¶vetkezÅre: âvillanymozdonyâ"/>
+          <p:cNvPicPr>
+            <a:picLocks noGrp="1" noChangeAspect="1" noChangeArrowheads="1"/>
+          </p:cNvPicPr>
+          <p:nvPr>
+            <p:ph sz="half" idx="2"/>
+          </p:nvPr>
+        </p:nvPicPr>
+        <p:blipFill>
+          <a:blip r:embed="rId3">
+            <a:extLst>
+              <a:ext uri="{28A0092B-C50C-407E-A947-70E740481C1C}">
+                <a14:useLocalDpi xmlns:a14="http://schemas.microsoft.com/office/drawing/2010/main" val="0"/>
+              </a:ext>
+            </a:extLst>
+          </a:blip>
+          <a:srcRect/>
+          <a:stretch>
+            <a:fillRect/>
+          </a:stretch>
+        </p:blipFill>
+        <p:spPr bwMode="auto">
+          <a:xfrm>
+            <a:off x="6172200" y="2541503"/>
+            <a:ext cx="5427454" cy="3058108"/>
+          </a:xfrm>
+          <a:prstGeom prst="rect">
+            <a:avLst/>
+          </a:prstGeom>
+          <a:noFill/>
+          <a:extLst>
+            <a:ext uri="{909E8E84-426E-40DD-AFC4-6F175D3DCCD1}">
+              <a14:hiddenFill xmlns:a14="http://schemas.microsoft.com/office/drawing/2010/main">
+                <a:solidFill>
+                  <a:srgbClr val="FFFFFF"/>
+                </a:solidFill>
+              </a14:hiddenFill>
+            </a:ext>
+          </a:extLst>
+        </p:spPr>
+      </p:pic>
+    </p:spTree>
+    <p:extLst>
+      <p:ext uri="{BB962C8B-B14F-4D97-AF65-F5344CB8AC3E}">
+        <p14:creationId xmlns:p14="http://schemas.microsoft.com/office/powerpoint/2010/main" val="850943482"/>
+      </p:ext>
+    </p:extLst>
+  </p:cSld>
+  <p:clrMapOvr>
+    <a:masterClrMapping/>
+  </p:clrMapOvr>
+  <p:timing>
+    <p:tnLst>
+      <p:par>
+        <p:cTn id="1" dur="indefinite" restart="never" nodeType="tmRoot"/>
+      </p:par>
+    </p:tnLst>
+  </p:timing>
+</p:sld>
+</file>
+
+<file path=ppt/slides/slide15.xml><?xml version="1.0" encoding="utf-8"?>
+<p:sld xmlns:a="http://schemas.openxmlformats.org/drawingml/2006/main" xmlns:r="http://schemas.openxmlformats.org/officeDocument/2006/relationships" xmlns:p="http://schemas.openxmlformats.org/presentationml/2006/main">
+  <p:cSld>
+    <p:spTree>
+      <p:nvGrpSpPr>
+        <p:cNvPr id="1" name=""/>
+        <p:cNvGrpSpPr/>
+        <p:nvPr/>
+      </p:nvGrpSpPr>
+      <p:grpSpPr>
+        <a:xfrm>
+          <a:off x="0" y="0"/>
+          <a:ext cx="0" cy="0"/>
+          <a:chOff x="0" y="0"/>
+          <a:chExt cx="0" cy="0"/>
+        </a:xfrm>
+      </p:grpSpPr>
+      <p:sp>
+        <p:nvSpPr>
+          <p:cNvPr id="2" name="Title 1"/>
+          <p:cNvSpPr>
+            <a:spLocks noGrp="1"/>
+          </p:cNvSpPr>
+          <p:nvPr>
+            <p:ph type="title"/>
+          </p:nvPr>
+        </p:nvSpPr>
+        <p:spPr/>
+        <p:txBody>
+          <a:bodyPr/>
+          <a:lstStyle/>
+          <a:p>
+            <a:r>
+              <a:rPr lang="en-US" dirty="0" smtClean="0"/>
+              <a:t>Problem 6.</a:t>
+            </a:r>
+            <a:endParaRPr lang="en-US" dirty="0"/>
+          </a:p>
+        </p:txBody>
+      </p:sp>
+      <mc:AlternateContent xmlns:mc="http://schemas.openxmlformats.org/markup-compatibility/2006">
+        <mc:Choice xmlns:a14="http://schemas.microsoft.com/office/drawing/2010/main" Requires="a14">
+          <p:sp>
+            <p:nvSpPr>
+              <p:cNvPr id="3" name="Content Placeholder 2"/>
+              <p:cNvSpPr>
+                <a:spLocks noGrp="1"/>
+              </p:cNvSpPr>
+              <p:nvPr>
+                <p:ph sz="half" idx="1"/>
+              </p:nvPr>
+            </p:nvSpPr>
+            <p:spPr/>
+            <p:txBody>
+              <a:bodyPr/>
+              <a:lstStyle/>
+              <a:p>
+                <a:r>
+                  <a:rPr lang="en-US" dirty="0" smtClean="0"/>
+                  <a:t>We pull a 80 kg sledge with a power of </a:t>
+                </a:r>
+                <a14:m>
+                  <m:oMath xmlns:m="http://schemas.openxmlformats.org/officeDocument/2006/math">
+                    <m:r>
+                      <a:rPr lang="en-US" b="0" i="1" smtClean="0">
+                        <a:latin typeface="Cambria Math" panose="02040503050406030204" pitchFamily="18" charset="0"/>
+                      </a:rPr>
+                      <m:t>50 </m:t>
+                    </m:r>
+                    <m:r>
+                      <a:rPr lang="en-US" b="0" i="1" smtClean="0">
+                        <a:latin typeface="Cambria Math" panose="02040503050406030204" pitchFamily="18" charset="0"/>
+                      </a:rPr>
+                      <m:t>𝑊</m:t>
+                    </m:r>
+                  </m:oMath>
+                </a14:m>
+                <a:r>
+                  <a:rPr lang="en-US" dirty="0" smtClean="0"/>
+                  <a:t> at a constant speed of </a:t>
+                </a:r>
+                <a14:m>
+                  <m:oMath xmlns:m="http://schemas.openxmlformats.org/officeDocument/2006/math">
+                    <m:r>
+                      <a:rPr lang="en-US" b="0" i="1" smtClean="0">
+                        <a:latin typeface="Cambria Math" panose="02040503050406030204" pitchFamily="18" charset="0"/>
+                      </a:rPr>
+                      <m:t>14.4 </m:t>
+                    </m:r>
+                    <m:f>
+                      <m:fPr>
+                        <m:ctrlPr>
+                          <a:rPr lang="en-US" b="0" i="1" smtClean="0">
+                            <a:latin typeface="Cambria Math" panose="02040503050406030204" pitchFamily="18" charset="0"/>
+                          </a:rPr>
+                        </m:ctrlPr>
+                      </m:fPr>
+                      <m:num>
+                        <m:r>
+                          <a:rPr lang="en-US" b="0" i="1" smtClean="0">
+                            <a:latin typeface="Cambria Math" panose="02040503050406030204" pitchFamily="18" charset="0"/>
+                          </a:rPr>
+                          <m:t>𝑘𝑚</m:t>
+                        </m:r>
+                      </m:num>
+                      <m:den>
+                        <m:r>
+                          <a:rPr lang="en-US" b="0" i="1" smtClean="0">
+                            <a:latin typeface="Cambria Math" panose="02040503050406030204" pitchFamily="18" charset="0"/>
+                          </a:rPr>
+                          <m:t>h</m:t>
+                        </m:r>
+                      </m:den>
+                    </m:f>
+                    <m:r>
+                      <a:rPr lang="en-US" b="0" i="1" smtClean="0">
+                        <a:latin typeface="Cambria Math" panose="02040503050406030204" pitchFamily="18" charset="0"/>
+                      </a:rPr>
+                      <m:t>.</m:t>
+                    </m:r>
+                  </m:oMath>
+                </a14:m>
+                <a:r>
+                  <a:rPr lang="en-US" b="0" dirty="0" smtClean="0"/>
+                  <a:t> </a:t>
+                </a:r>
+                <a:br>
+                  <a:rPr lang="en-US" b="0" dirty="0" smtClean="0"/>
+                </a:br>
+                <a:r>
+                  <a:rPr lang="en-US" b="0" dirty="0" smtClean="0"/>
+                  <a:t>Find the force.</a:t>
+                </a:r>
+              </a:p>
+              <a:p>
+                <a:r>
+                  <a:rPr lang="en-US" dirty="0" smtClean="0"/>
+                  <a:t>Find the coefficient of kinetic friction.</a:t>
+                </a:r>
+                <a:r>
+                  <a:rPr lang="en-US" b="0" dirty="0" smtClean="0"/>
+                  <a:t/>
+                </a:r>
+                <a:br>
+                  <a:rPr lang="en-US" b="0" dirty="0" smtClean="0"/>
+                </a:br>
+                <a:endParaRPr lang="en-US" dirty="0"/>
+              </a:p>
+            </p:txBody>
+          </p:sp>
+        </mc:Choice>
+        <mc:Fallback>
+          <p:sp>
+            <p:nvSpPr>
+              <p:cNvPr id="3" name="Content Placeholder 2"/>
+              <p:cNvSpPr>
+                <a:spLocks noGrp="1" noRot="1" noChangeAspect="1" noMove="1" noResize="1" noEditPoints="1" noAdjustHandles="1" noChangeArrowheads="1" noChangeShapeType="1" noTextEdit="1"/>
+              </p:cNvSpPr>
+              <p:nvPr>
+                <p:ph sz="half" idx="1"/>
+              </p:nvPr>
+            </p:nvSpPr>
+            <p:spPr>
+              <a:blipFill>
+                <a:blip r:embed="rId2"/>
+                <a:stretch>
+                  <a:fillRect l="-2118" t="-2241"/>
+                </a:stretch>
+              </a:blipFill>
+            </p:spPr>
+            <p:txBody>
+              <a:bodyPr/>
+              <a:lstStyle/>
+              <a:p>
+                <a:r>
+                  <a:rPr lang="en-US">
+                    <a:noFill/>
+                  </a:rPr>
+                  <a:t> </a:t>
+                </a:r>
+              </a:p>
+            </p:txBody>
+          </p:sp>
+        </mc:Fallback>
+      </mc:AlternateContent>
+      <p:pic>
+        <p:nvPicPr>
+          <p:cNvPr id="12290" name="Picture 2" descr="KÃ©ptalÃ¡lat a kÃ¶vetkezÅre: âpulling a sledâ"/>
+          <p:cNvPicPr>
+            <a:picLocks noGrp="1" noChangeAspect="1" noChangeArrowheads="1"/>
+          </p:cNvPicPr>
+          <p:nvPr>
+            <p:ph sz="half" idx="2"/>
+          </p:nvPr>
+        </p:nvPicPr>
+        <p:blipFill>
+          <a:blip r:embed="rId3">
+            <a:extLst>
+              <a:ext uri="{28A0092B-C50C-407E-A947-70E740481C1C}">
+                <a14:useLocalDpi xmlns:a14="http://schemas.microsoft.com/office/drawing/2010/main" val="0"/>
+              </a:ext>
+            </a:extLst>
+          </a:blip>
+          <a:srcRect/>
+          <a:stretch>
+            <a:fillRect/>
+          </a:stretch>
+        </p:blipFill>
+        <p:spPr bwMode="auto">
+          <a:xfrm>
+            <a:off x="6172200" y="2004219"/>
+            <a:ext cx="5181600" cy="3994150"/>
+          </a:xfrm>
+          <a:prstGeom prst="rect">
+            <a:avLst/>
+          </a:prstGeom>
+          <a:noFill/>
+          <a:extLst>
+            <a:ext uri="{909E8E84-426E-40DD-AFC4-6F175D3DCCD1}">
+              <a14:hiddenFill xmlns:a14="http://schemas.microsoft.com/office/drawing/2010/main">
+                <a:solidFill>
+                  <a:srgbClr val="FFFFFF"/>
+                </a:solidFill>
+              </a14:hiddenFill>
+            </a:ext>
+          </a:extLst>
+        </p:spPr>
+      </p:pic>
+    </p:spTree>
+    <p:extLst>
+      <p:ext uri="{BB962C8B-B14F-4D97-AF65-F5344CB8AC3E}">
+        <p14:creationId xmlns:p14="http://schemas.microsoft.com/office/powerpoint/2010/main" val="2391276264"/>
+      </p:ext>
+    </p:extLst>
+  </p:cSld>
+  <p:clrMapOvr>
+    <a:masterClrMapping/>
+  </p:clrMapOvr>
+  <p:timing>
+    <p:tnLst>
+      <p:par>
+        <p:cTn id="1" dur="indefinite" restart="never" nodeType="tmRoot"/>
+      </p:par>
+    </p:tnLst>
+  </p:timing>
+</p:sld>
+</file>
+
+<file path=ppt/slides/slide2.xml><?xml version="1.0" encoding="utf-8"?>
+<p:sld xmlns:a="http://schemas.openxmlformats.org/drawingml/2006/main" xmlns:r="http://schemas.openxmlformats.org/officeDocument/2006/relationships" xmlns:p="http://schemas.openxmlformats.org/presentationml/2006/main">
+  <p:cSld>
+    <p:spTree>
+      <p:nvGrpSpPr>
+        <p:cNvPr id="1" name=""/>
+        <p:cNvGrpSpPr/>
+        <p:nvPr/>
+      </p:nvGrpSpPr>
+      <p:grpSpPr>
+        <a:xfrm>
+          <a:off x="0" y="0"/>
+          <a:ext cx="0" cy="0"/>
+          <a:chOff x="0" y="0"/>
+          <a:chExt cx="0" cy="0"/>
+        </a:xfrm>
+      </p:grpSpPr>
+      <p:sp>
+        <p:nvSpPr>
+          <p:cNvPr id="2" name="Title 1"/>
+          <p:cNvSpPr>
+            <a:spLocks noGrp="1"/>
+          </p:cNvSpPr>
+          <p:nvPr>
+            <p:ph type="title"/>
+          </p:nvPr>
+        </p:nvSpPr>
+        <p:spPr/>
+        <p:txBody>
+          <a:bodyPr/>
+          <a:lstStyle/>
+          <a:p>
+            <a:r>
+              <a:rPr lang="en-US" dirty="0" smtClean="0"/>
+              <a:t>Power</a:t>
+            </a:r>
+            <a:endParaRPr lang="en-US" dirty="0"/>
+          </a:p>
+        </p:txBody>
+      </p:sp>
+      <p:sp>
+        <p:nvSpPr>
+          <p:cNvPr id="3" name="Content Placeholder 2"/>
+          <p:cNvSpPr>
+            <a:spLocks noGrp="1"/>
+          </p:cNvSpPr>
+          <p:nvPr>
+            <p:ph sz="half" idx="1"/>
+          </p:nvPr>
+        </p:nvSpPr>
+        <p:spPr/>
+        <p:txBody>
+          <a:bodyPr/>
+          <a:lstStyle/>
+          <a:p>
+            <a:r>
+              <a:rPr lang="en-US" dirty="0" smtClean="0"/>
+              <a:t>If the work is done quickly – power is greater</a:t>
+            </a:r>
+          </a:p>
+          <a:p>
+            <a:r>
+              <a:rPr lang="en-US" dirty="0" smtClean="0"/>
+              <a:t>If the work is done slowly-the power is less</a:t>
+            </a:r>
+            <a:endParaRPr lang="en-US" dirty="0"/>
+          </a:p>
+        </p:txBody>
+      </p:sp>
+      <p:pic>
+        <p:nvPicPr>
+          <p:cNvPr id="1026" name="Picture 2" descr="KÃ©ptalÃ¡lat a kÃ¶vetkezÅre: âpower physicsâ"/>
+          <p:cNvPicPr>
+            <a:picLocks noGrp="1" noChangeAspect="1" noChangeArrowheads="1"/>
+          </p:cNvPicPr>
+          <p:nvPr>
+            <p:ph sz="half" idx="2"/>
+          </p:nvPr>
+        </p:nvPicPr>
+        <p:blipFill>
+          <a:blip r:embed="rId2">
+            <a:extLst>
+              <a:ext uri="{28A0092B-C50C-407E-A947-70E740481C1C}">
+                <a14:useLocalDpi xmlns:a14="http://schemas.microsoft.com/office/drawing/2010/main" val="0"/>
+              </a:ext>
+            </a:extLst>
+          </a:blip>
+          <a:srcRect/>
+          <a:stretch>
+            <a:fillRect/>
+          </a:stretch>
+        </p:blipFill>
+        <p:spPr bwMode="auto">
+          <a:xfrm>
+            <a:off x="6268122" y="649997"/>
+            <a:ext cx="5085678" cy="3729497"/>
+          </a:xfrm>
+          <a:prstGeom prst="rect">
+            <a:avLst/>
+          </a:prstGeom>
+          <a:noFill/>
+          <a:extLst>
+            <a:ext uri="{909E8E84-426E-40DD-AFC4-6F175D3DCCD1}">
+              <a14:hiddenFill xmlns:a14="http://schemas.microsoft.com/office/drawing/2010/main">
+                <a:solidFill>
+                  <a:srgbClr val="FFFFFF"/>
+                </a:solidFill>
+              </a14:hiddenFill>
+            </a:ext>
+          </a:extLst>
+        </p:spPr>
+      </p:pic>
+      <p:pic>
+        <p:nvPicPr>
+          <p:cNvPr id="1028" name="Picture 4" descr="KÃ©ptalÃ¡lat a kÃ¶vetkezÅre: âpower physicsâ"/>
+          <p:cNvPicPr>
+            <a:picLocks noChangeAspect="1" noChangeArrowheads="1"/>
+          </p:cNvPicPr>
+          <p:nvPr/>
+        </p:nvPicPr>
+        <p:blipFill>
+          <a:blip r:embed="rId3">
+            <a:extLst>
+              <a:ext uri="{28A0092B-C50C-407E-A947-70E740481C1C}">
+                <a14:useLocalDpi xmlns:a14="http://schemas.microsoft.com/office/drawing/2010/main" val="0"/>
+              </a:ext>
+            </a:extLst>
+          </a:blip>
+          <a:srcRect/>
+          <a:stretch>
+            <a:fillRect/>
+          </a:stretch>
+        </p:blipFill>
+        <p:spPr bwMode="auto">
+          <a:xfrm>
+            <a:off x="3602289" y="3471651"/>
+            <a:ext cx="2417511" cy="3381945"/>
+          </a:xfrm>
+          <a:prstGeom prst="rect">
+            <a:avLst/>
+          </a:prstGeom>
+          <a:noFill/>
+          <a:extLst>
+            <a:ext uri="{909E8E84-426E-40DD-AFC4-6F175D3DCCD1}">
+              <a14:hiddenFill xmlns:a14="http://schemas.microsoft.com/office/drawing/2010/main">
+                <a:solidFill>
+                  <a:srgbClr val="FFFFFF"/>
+                </a:solidFill>
+              </a14:hiddenFill>
+            </a:ext>
+          </a:extLst>
+        </p:spPr>
+      </p:pic>
+    </p:spTree>
+    <p:extLst>
+      <p:ext uri="{BB962C8B-B14F-4D97-AF65-F5344CB8AC3E}">
+        <p14:creationId xmlns:p14="http://schemas.microsoft.com/office/powerpoint/2010/main" val="1566636764"/>
+      </p:ext>
+    </p:extLst>
+  </p:cSld>
+  <p:clrMapOvr>
+    <a:masterClrMapping/>
+  </p:clrMapOvr>
+  <p:timing>
+    <p:tnLst>
+      <p:par>
+        <p:cTn id="1" dur="indefinite" restart="never" nodeType="tmRoot">
+          <p:childTnLst>
+            <p:seq concurrent="1" nextAc="seek">
+              <p:cTn id="2" dur="indefinite" nodeType="mainSeq">
+                <p:childTnLst>
+                  <p:par>
+                    <p:cTn id="3" fill="hold">
+                      <p:stCondLst>
+                        <p:cond delay="indefinite"/>
+                      </p:stCondLst>
+                      <p:childTnLst>
+                        <p:par>
+                          <p:cTn id="4" fill="hold">
+                            <p:stCondLst>
+                              <p:cond delay="0"/>
+                            </p:stCondLst>
+                            <p:childTnLst>
+                              <p:par>
+                                <p:cTn id="5" presetID="42" presetClass="entr" presetSubtype="0" fill="hold" nodeType="clickEffect">
+                                  <p:stCondLst>
+                                    <p:cond delay="0"/>
+                                  </p:stCondLst>
+                                  <p:childTnLst>
+                                    <p:set>
+                                      <p:cBhvr>
+                                        <p:cTn id="6" dur="1" fill="hold">
+                                          <p:stCondLst>
+                                            <p:cond delay="0"/>
+                                          </p:stCondLst>
+                                        </p:cTn>
+                                        <p:tgtEl>
+                                          <p:spTgt spid="3">
+                                            <p:txEl>
+                                              <p:pRg st="0" end="0"/>
+                                            </p:txEl>
+                                          </p:spTgt>
+                                        </p:tgtEl>
+                                        <p:attrNameLst>
+                                          <p:attrName>style.visibility</p:attrName>
+                                        </p:attrNameLst>
+                                      </p:cBhvr>
+                                      <p:to>
+                                        <p:strVal val="visible"/>
+                                      </p:to>
+                                    </p:set>
+                                    <p:animEffect transition="in" filter="fade">
+                                      <p:cBhvr>
+                                        <p:cTn id="7" dur="1000"/>
+                                        <p:tgtEl>
+                                          <p:spTgt spid="3">
+                                            <p:txEl>
+                                              <p:pRg st="0" end="0"/>
+                                            </p:txEl>
+                                          </p:spTgt>
+                                        </p:tgtEl>
+                                      </p:cBhvr>
+                                    </p:animEffect>
+                                    <p:anim calcmode="lin" valueType="num">
+                                      <p:cBhvr>
+                                        <p:cTn id="8" dur="1000" fill="hold"/>
+                                        <p:tgtEl>
+                                          <p:spTgt spid="3">
+                                            <p:txEl>
+                                              <p:pRg st="0" end="0"/>
+                                            </p:txEl>
+                                          </p:spTgt>
+                                        </p:tgtEl>
+                                        <p:attrNameLst>
+                                          <p:attrName>ppt_x</p:attrName>
+                                        </p:attrNameLst>
+                                      </p:cBhvr>
+                                      <p:tavLst>
+                                        <p:tav tm="0">
+                                          <p:val>
+                                            <p:strVal val="#ppt_x"/>
+                                          </p:val>
+                                        </p:tav>
+                                        <p:tav tm="100000">
+                                          <p:val>
+                                            <p:strVal val="#ppt_x"/>
+                                          </p:val>
+                                        </p:tav>
+                                      </p:tavLst>
+                                    </p:anim>
+                                    <p:anim calcmode="lin" valueType="num">
+                                      <p:cBhvr>
+                                        <p:cTn id="9" dur="1000" fill="hold"/>
+                                        <p:tgtEl>
+                                          <p:spTgt spid="3">
+                                            <p:txEl>
+                                              <p:pRg st="0" end="0"/>
+                                            </p:txEl>
+                                          </p:spTgt>
+                                        </p:tgtEl>
+                                        <p:attrNameLst>
+                                          <p:attrName>ppt_y</p:attrName>
+                                        </p:attrNameLst>
+                                      </p:cBhvr>
+                                      <p:tavLst>
+                                        <p:tav tm="0">
+                                          <p:val>
+                                            <p:strVal val="#ppt_y+.1"/>
+                                          </p:val>
+                                        </p:tav>
+                                        <p:tav tm="100000">
+                                          <p:val>
+                                            <p:strVal val="#ppt_y"/>
+                                          </p:val>
+                                        </p:tav>
+                                      </p:tavLst>
+                                    </p:anim>
+                                  </p:childTnLst>
+                                </p:cTn>
+                              </p:par>
+                            </p:childTnLst>
+                          </p:cTn>
+                        </p:par>
+                      </p:childTnLst>
+                    </p:cTn>
+                  </p:par>
+                  <p:par>
+                    <p:cTn id="10" fill="hold">
+                      <p:stCondLst>
+                        <p:cond delay="indefinite"/>
+                      </p:stCondLst>
+                      <p:childTnLst>
+                        <p:par>
+                          <p:cTn id="11" fill="hold">
+                            <p:stCondLst>
+                              <p:cond delay="0"/>
+                            </p:stCondLst>
+                            <p:childTnLst>
+                              <p:par>
+                                <p:cTn id="12" presetID="42" presetClass="entr" presetSubtype="0" fill="hold" nodeType="clickEffect">
+                                  <p:stCondLst>
+                                    <p:cond delay="0"/>
+                                  </p:stCondLst>
+                                  <p:childTnLst>
+                                    <p:set>
+                                      <p:cBhvr>
+                                        <p:cTn id="13" dur="1" fill="hold">
+                                          <p:stCondLst>
+                                            <p:cond delay="0"/>
+                                          </p:stCondLst>
+                                        </p:cTn>
+                                        <p:tgtEl>
+                                          <p:spTgt spid="3">
+                                            <p:txEl>
+                                              <p:pRg st="1" end="1"/>
+                                            </p:txEl>
+                                          </p:spTgt>
+                                        </p:tgtEl>
+                                        <p:attrNameLst>
+                                          <p:attrName>style.visibility</p:attrName>
+                                        </p:attrNameLst>
+                                      </p:cBhvr>
+                                      <p:to>
+                                        <p:strVal val="visible"/>
+                                      </p:to>
+                                    </p:set>
+                                    <p:animEffect transition="in" filter="fade">
+                                      <p:cBhvr>
+                                        <p:cTn id="14" dur="1000"/>
+                                        <p:tgtEl>
+                                          <p:spTgt spid="3">
+                                            <p:txEl>
+                                              <p:pRg st="1" end="1"/>
+                                            </p:txEl>
+                                          </p:spTgt>
+                                        </p:tgtEl>
+                                      </p:cBhvr>
+                                    </p:animEffect>
+                                    <p:anim calcmode="lin" valueType="num">
+                                      <p:cBhvr>
+                                        <p:cTn id="15" dur="1000" fill="hold"/>
+                                        <p:tgtEl>
+                                          <p:spTgt spid="3">
+                                            <p:txEl>
+                                              <p:pRg st="1" end="1"/>
+                                            </p:txEl>
+                                          </p:spTgt>
+                                        </p:tgtEl>
+                                        <p:attrNameLst>
+                                          <p:attrName>ppt_x</p:attrName>
+                                        </p:attrNameLst>
+                                      </p:cBhvr>
+                                      <p:tavLst>
+                                        <p:tav tm="0">
+                                          <p:val>
+                                            <p:strVal val="#ppt_x"/>
+                                          </p:val>
+                                        </p:tav>
+                                        <p:tav tm="100000">
+                                          <p:val>
+                                            <p:strVal val="#ppt_x"/>
+                                          </p:val>
+                                        </p:tav>
+                                      </p:tavLst>
+                                    </p:anim>
+                                    <p:anim calcmode="lin" valueType="num">
+                                      <p:cBhvr>
+                                        <p:cTn id="16" dur="1000" fill="hold"/>
+                                        <p:tgtEl>
+                                          <p:spTgt spid="3">
+                                            <p:txEl>
+                                              <p:pRg st="1" end="1"/>
+                                            </p:txEl>
+                                          </p:spTgt>
+                                        </p:tgtEl>
+                                        <p:attrNameLst>
+                                          <p:attrName>ppt_y</p:attrName>
+                                        </p:attrNameLst>
+                                      </p:cBhvr>
+                                      <p:tavLst>
+                                        <p:tav tm="0">
+                                          <p:val>
+                                            <p:strVal val="#ppt_y+.1"/>
+                                          </p:val>
+                                        </p:tav>
+                                        <p:tav tm="100000">
+                                          <p:val>
+                                            <p:strVal val="#ppt_y"/>
+                                          </p:val>
+                                        </p:tav>
+                                      </p:tavLst>
+                                    </p:anim>
+                                  </p:childTnLst>
+                                </p:cTn>
+                              </p:par>
+                            </p:childTnLst>
+                          </p:cTn>
+                        </p:par>
+                      </p:childTnLst>
+                    </p:cTn>
+                  </p:par>
+                  <p:par>
+                    <p:cTn id="17" fill="hold">
+                      <p:stCondLst>
+                        <p:cond delay="indefinite"/>
+                      </p:stCondLst>
+                      <p:childTnLst>
+                        <p:par>
+                          <p:cTn id="18" fill="hold">
+                            <p:stCondLst>
+                              <p:cond delay="0"/>
+                            </p:stCondLst>
+                            <p:childTnLst>
+                              <p:par>
+                                <p:cTn id="19" presetID="42" presetClass="entr" presetSubtype="0" fill="hold" nodeType="clickEffect">
+                                  <p:stCondLst>
+                                    <p:cond delay="0"/>
+                                  </p:stCondLst>
+                                  <p:childTnLst>
+                                    <p:set>
+                                      <p:cBhvr>
+                                        <p:cTn id="20" dur="1" fill="hold">
+                                          <p:stCondLst>
+                                            <p:cond delay="0"/>
+                                          </p:stCondLst>
+                                        </p:cTn>
+                                        <p:tgtEl>
+                                          <p:spTgt spid="1026"/>
+                                        </p:tgtEl>
+                                        <p:attrNameLst>
+                                          <p:attrName>style.visibility</p:attrName>
+                                        </p:attrNameLst>
+                                      </p:cBhvr>
+                                      <p:to>
+                                        <p:strVal val="visible"/>
+                                      </p:to>
+                                    </p:set>
+                                    <p:animEffect transition="in" filter="fade">
+                                      <p:cBhvr>
+                                        <p:cTn id="21" dur="1000"/>
+                                        <p:tgtEl>
+                                          <p:spTgt spid="1026"/>
+                                        </p:tgtEl>
+                                      </p:cBhvr>
+                                    </p:animEffect>
+                                    <p:anim calcmode="lin" valueType="num">
+                                      <p:cBhvr>
+                                        <p:cTn id="22" dur="1000" fill="hold"/>
+                                        <p:tgtEl>
+                                          <p:spTgt spid="1026"/>
+                                        </p:tgtEl>
+                                        <p:attrNameLst>
+                                          <p:attrName>ppt_x</p:attrName>
+                                        </p:attrNameLst>
+                                      </p:cBhvr>
+                                      <p:tavLst>
+                                        <p:tav tm="0">
+                                          <p:val>
+                                            <p:strVal val="#ppt_x"/>
+                                          </p:val>
+                                        </p:tav>
+                                        <p:tav tm="100000">
+                                          <p:val>
+                                            <p:strVal val="#ppt_x"/>
+                                          </p:val>
+                                        </p:tav>
+                                      </p:tavLst>
+                                    </p:anim>
+                                    <p:anim calcmode="lin" valueType="num">
+                                      <p:cBhvr>
+                                        <p:cTn id="23" dur="1000" fill="hold"/>
+                                        <p:tgtEl>
+                                          <p:spTgt spid="1026"/>
+                                        </p:tgtEl>
+                                        <p:attrNameLst>
+                                          <p:attrName>ppt_y</p:attrName>
+                                        </p:attrNameLst>
+                                      </p:cBhvr>
+                                      <p:tavLst>
+                                        <p:tav tm="0">
+                                          <p:val>
+                                            <p:strVal val="#ppt_y+.1"/>
+                                          </p:val>
+                                        </p:tav>
+                                        <p:tav tm="100000">
+                                          <p:val>
+                                            <p:strVal val="#ppt_y"/>
+                                          </p:val>
+                                        </p:tav>
+                                      </p:tavLst>
+                                    </p:anim>
+                                  </p:childTnLst>
+                                </p:cTn>
+                              </p:par>
+                            </p:childTnLst>
+                          </p:cTn>
+                        </p:par>
+                      </p:childTnLst>
+                    </p:cTn>
+                  </p:par>
+                  <p:par>
+                    <p:cTn id="24" fill="hold">
+                      <p:stCondLst>
+                        <p:cond delay="indefinite"/>
+                      </p:stCondLst>
+                      <p:childTnLst>
+                        <p:par>
+                          <p:cTn id="25" fill="hold">
+                            <p:stCondLst>
+                              <p:cond delay="0"/>
+                            </p:stCondLst>
+                            <p:childTnLst>
+                              <p:par>
+                                <p:cTn id="26" presetID="42" presetClass="entr" presetSubtype="0" fill="hold" nodeType="clickEffect">
+                                  <p:stCondLst>
+                                    <p:cond delay="0"/>
+                                  </p:stCondLst>
+                                  <p:childTnLst>
+                                    <p:set>
+                                      <p:cBhvr>
+                                        <p:cTn id="27" dur="1" fill="hold">
+                                          <p:stCondLst>
+                                            <p:cond delay="0"/>
+                                          </p:stCondLst>
+                                        </p:cTn>
+                                        <p:tgtEl>
+                                          <p:spTgt spid="1028"/>
+                                        </p:tgtEl>
+                                        <p:attrNameLst>
+                                          <p:attrName>style.visibility</p:attrName>
+                                        </p:attrNameLst>
+                                      </p:cBhvr>
+                                      <p:to>
+                                        <p:strVal val="visible"/>
+                                      </p:to>
+                                    </p:set>
+                                    <p:animEffect transition="in" filter="fade">
+                                      <p:cBhvr>
+                                        <p:cTn id="28" dur="1000"/>
+                                        <p:tgtEl>
+                                          <p:spTgt spid="1028"/>
+                                        </p:tgtEl>
+                                      </p:cBhvr>
+                                    </p:animEffect>
+                                    <p:anim calcmode="lin" valueType="num">
+                                      <p:cBhvr>
+                                        <p:cTn id="29" dur="1000" fill="hold"/>
+                                        <p:tgtEl>
+                                          <p:spTgt spid="1028"/>
+                                        </p:tgtEl>
+                                        <p:attrNameLst>
+                                          <p:attrName>ppt_x</p:attrName>
+                                        </p:attrNameLst>
+                                      </p:cBhvr>
+                                      <p:tavLst>
+                                        <p:tav tm="0">
+                                          <p:val>
+                                            <p:strVal val="#ppt_x"/>
+                                          </p:val>
+                                        </p:tav>
+                                        <p:tav tm="100000">
+                                          <p:val>
+                                            <p:strVal val="#ppt_x"/>
+                                          </p:val>
+                                        </p:tav>
+                                      </p:tavLst>
+                                    </p:anim>
+                                    <p:anim calcmode="lin" valueType="num">
+                                      <p:cBhvr>
+                                        <p:cTn id="30" dur="1000" fill="hold"/>
+                                        <p:tgtEl>
+                                          <p:spTgt spid="1028"/>
+                                        </p:tgtEl>
+                                        <p:attrNameLst>
+                                          <p:attrName>ppt_y</p:attrName>
+                                        </p:attrNameLst>
+                                      </p:cBhvr>
+                                      <p:tavLst>
+                                        <p:tav tm="0">
+                                          <p:val>
+                                            <p:strVal val="#ppt_y+.1"/>
+                                          </p:val>
+                                        </p:tav>
+                                        <p:tav tm="100000">
+                                          <p:val>
+                                            <p:strVal val="#ppt_y"/>
+                                          </p:val>
+                                        </p:tav>
+                                      </p:tavLst>
+                                    </p:anim>
+                                  </p:childTnLst>
+                                </p:cTn>
+                              </p:par>
+                            </p:childTnLst>
+                          </p:cTn>
+                        </p:par>
+                      </p:childTnLst>
+                    </p:cTn>
+                  </p:par>
+                </p:childTnLst>
+              </p:cTn>
+              <p:prevCondLst>
+                <p:cond evt="onPrev" delay="0">
+                  <p:tgtEl>
+                    <p:sldTgt/>
+                  </p:tgtEl>
+                </p:cond>
+              </p:prevCondLst>
+              <p:nextCondLst>
+                <p:cond evt="onNext" delay="0">
+                  <p:tgtEl>
+                    <p:sldTgt/>
+                  </p:tgtEl>
+                </p:cond>
+              </p:nextCondLst>
+            </p:seq>
+          </p:childTnLst>
+        </p:cTn>
+      </p:par>
+    </p:tnLst>
+  </p:timing>
+</p:sld>
+</file>
+
+<file path=ppt/slides/slide3.xml><?xml version="1.0" encoding="utf-8"?>
+<p:sld xmlns:a="http://schemas.openxmlformats.org/drawingml/2006/main" xmlns:r="http://schemas.openxmlformats.org/officeDocument/2006/relationships" xmlns:p="http://schemas.openxmlformats.org/presentationml/2006/main">
+  <p:cSld>
+    <p:spTree>
+      <p:nvGrpSpPr>
+        <p:cNvPr id="1" name=""/>
+        <p:cNvGrpSpPr/>
+        <p:nvPr/>
+      </p:nvGrpSpPr>
+      <p:grpSpPr>
+        <a:xfrm>
+          <a:off x="0" y="0"/>
+          <a:ext cx="0" cy="0"/>
+          <a:chOff x="0" y="0"/>
+          <a:chExt cx="0" cy="0"/>
+        </a:xfrm>
+      </p:grpSpPr>
+      <p:sp>
+        <p:nvSpPr>
+          <p:cNvPr id="2" name="Title 1"/>
+          <p:cNvSpPr>
+            <a:spLocks noGrp="1"/>
+          </p:cNvSpPr>
+          <p:nvPr>
+            <p:ph type="title"/>
+          </p:nvPr>
+        </p:nvSpPr>
+        <p:spPr/>
+        <p:txBody>
+          <a:bodyPr/>
+          <a:lstStyle/>
+          <a:p>
+            <a:r>
+              <a:rPr lang="en-US" dirty="0" smtClean="0"/>
+              <a:t>Power</a:t>
+            </a:r>
+            <a:endParaRPr lang="en-US" dirty="0"/>
+          </a:p>
+        </p:txBody>
+      </p:sp>
+      <mc:AlternateContent xmlns:mc="http://schemas.openxmlformats.org/markup-compatibility/2006">
+        <mc:Choice xmlns:a14="http://schemas.microsoft.com/office/drawing/2010/main" Requires="a14">
+          <p:sp>
+            <p:nvSpPr>
+              <p:cNvPr id="3" name="Content Placeholder 2"/>
+              <p:cNvSpPr>
+                <a:spLocks noGrp="1"/>
+              </p:cNvSpPr>
+              <p:nvPr>
+                <p:ph sz="half" idx="1"/>
+              </p:nvPr>
+            </p:nvSpPr>
+            <p:spPr/>
+            <p:txBody>
+              <a:bodyPr/>
+              <a:lstStyle/>
+              <a:p>
+                <a:r>
+                  <a:rPr lang="en-US" dirty="0" smtClean="0"/>
+                  <a:t>is the rate of doing work</a:t>
+                </a:r>
+              </a:p>
+              <a:p>
+                <a:r>
+                  <a:rPr lang="en-US" dirty="0" smtClean="0"/>
+                  <a:t>Symbol: P</a:t>
+                </a:r>
+              </a:p>
+              <a:p>
+                <a14:m>
+                  <m:oMath xmlns:m="http://schemas.openxmlformats.org/officeDocument/2006/math">
+                    <m:r>
+                      <a:rPr lang="en-US" b="0" i="1" smtClean="0">
+                        <a:latin typeface="Cambria Math" panose="02040503050406030204" pitchFamily="18" charset="0"/>
+                      </a:rPr>
+                      <m:t>𝑃</m:t>
+                    </m:r>
+                    <m:r>
+                      <a:rPr lang="en-US" b="0" i="1" smtClean="0">
+                        <a:latin typeface="Cambria Math" panose="02040503050406030204" pitchFamily="18" charset="0"/>
+                      </a:rPr>
+                      <m:t>=</m:t>
+                    </m:r>
+                    <m:f>
+                      <m:fPr>
+                        <m:ctrlPr>
+                          <a:rPr lang="en-US" b="0" i="1" smtClean="0">
+                            <a:latin typeface="Cambria Math" panose="02040503050406030204" pitchFamily="18" charset="0"/>
+                          </a:rPr>
+                        </m:ctrlPr>
+                      </m:fPr>
+                      <m:num>
+                        <m:r>
+                          <a:rPr lang="en-US" b="0" i="1" smtClean="0">
+                            <a:latin typeface="Cambria Math" panose="02040503050406030204" pitchFamily="18" charset="0"/>
+                          </a:rPr>
+                          <m:t>𝑊</m:t>
+                        </m:r>
+                      </m:num>
+                      <m:den>
+                        <m:r>
+                          <a:rPr lang="en-US" b="0" i="1" smtClean="0">
+                            <a:latin typeface="Cambria Math" panose="02040503050406030204" pitchFamily="18" charset="0"/>
+                          </a:rPr>
+                          <m:t>𝑡</m:t>
+                        </m:r>
+                      </m:den>
+                    </m:f>
+                  </m:oMath>
+                </a14:m>
+                <a:endParaRPr lang="en-US" dirty="0" smtClean="0"/>
+              </a:p>
+              <a:p>
+                <a:r>
+                  <a:rPr lang="en-US" dirty="0" smtClean="0"/>
+                  <a:t>Unit: </a:t>
+                </a:r>
+                <a14:m>
+                  <m:oMath xmlns:m="http://schemas.openxmlformats.org/officeDocument/2006/math">
+                    <m:f>
+                      <m:fPr>
+                        <m:ctrlPr>
+                          <a:rPr lang="en-US" i="1" smtClean="0">
+                            <a:latin typeface="Cambria Math" panose="02040503050406030204" pitchFamily="18" charset="0"/>
+                          </a:rPr>
+                        </m:ctrlPr>
+                      </m:fPr>
+                      <m:num>
+                        <m:r>
+                          <a:rPr lang="en-US" b="0" i="1" smtClean="0">
+                            <a:latin typeface="Cambria Math" panose="02040503050406030204" pitchFamily="18" charset="0"/>
+                          </a:rPr>
+                          <m:t>1</m:t>
+                        </m:r>
+                        <m:r>
+                          <a:rPr lang="en-US" b="0" i="1" smtClean="0">
+                            <a:latin typeface="Cambria Math" panose="02040503050406030204" pitchFamily="18" charset="0"/>
+                          </a:rPr>
+                          <m:t>𝐽</m:t>
+                        </m:r>
+                      </m:num>
+                      <m:den>
+                        <m:r>
+                          <a:rPr lang="en-US" b="0" i="1" smtClean="0">
+                            <a:latin typeface="Cambria Math" panose="02040503050406030204" pitchFamily="18" charset="0"/>
+                          </a:rPr>
+                          <m:t>1</m:t>
+                        </m:r>
+                        <m:r>
+                          <a:rPr lang="en-US" b="0" i="1" smtClean="0">
+                            <a:latin typeface="Cambria Math" panose="02040503050406030204" pitchFamily="18" charset="0"/>
+                          </a:rPr>
+                          <m:t>𝑠</m:t>
+                        </m:r>
+                      </m:den>
+                    </m:f>
+                    <m:r>
+                      <a:rPr lang="en-US" b="0" i="1" smtClean="0">
+                        <a:latin typeface="Cambria Math" panose="02040503050406030204" pitchFamily="18" charset="0"/>
+                      </a:rPr>
+                      <m:t>=1</m:t>
+                    </m:r>
+                    <m:f>
+                      <m:fPr>
+                        <m:ctrlPr>
+                          <a:rPr lang="en-US" b="0" i="1" smtClean="0">
+                            <a:latin typeface="Cambria Math" panose="02040503050406030204" pitchFamily="18" charset="0"/>
+                          </a:rPr>
+                        </m:ctrlPr>
+                      </m:fPr>
+                      <m:num>
+                        <m:r>
+                          <a:rPr lang="en-US" b="0" i="1" smtClean="0">
+                            <a:latin typeface="Cambria Math" panose="02040503050406030204" pitchFamily="18" charset="0"/>
+                          </a:rPr>
+                          <m:t>𝐽</m:t>
+                        </m:r>
+                      </m:num>
+                      <m:den>
+                        <m:r>
+                          <a:rPr lang="en-US" b="0" i="1" smtClean="0">
+                            <a:latin typeface="Cambria Math" panose="02040503050406030204" pitchFamily="18" charset="0"/>
+                          </a:rPr>
+                          <m:t>𝑠</m:t>
+                        </m:r>
+                      </m:den>
+                    </m:f>
+                    <m:r>
+                      <a:rPr lang="en-US" b="0" i="1" smtClean="0">
+                        <a:latin typeface="Cambria Math" panose="02040503050406030204" pitchFamily="18" charset="0"/>
+                      </a:rPr>
+                      <m:t>=1 </m:t>
+                    </m:r>
+                    <m:r>
+                      <a:rPr lang="en-US" b="0" i="1" smtClean="0">
+                        <a:latin typeface="Cambria Math" panose="02040503050406030204" pitchFamily="18" charset="0"/>
+                      </a:rPr>
+                      <m:t>𝑊</m:t>
+                    </m:r>
+                  </m:oMath>
+                </a14:m>
+                <a:endParaRPr lang="en-US" b="0" dirty="0" smtClean="0"/>
+              </a:p>
+              <a:p>
+                <a:r>
+                  <a:rPr lang="en-US" dirty="0" smtClean="0"/>
+                  <a:t>1 Watt</a:t>
+                </a:r>
+              </a:p>
+              <a:p>
+                <a:r>
+                  <a:rPr lang="en-US" dirty="0" smtClean="0"/>
+                  <a:t>Scalar quantity</a:t>
+                </a:r>
+              </a:p>
+              <a:p>
+                <a:r>
+                  <a:rPr lang="en-US" dirty="0" smtClean="0"/>
+                  <a:t>50 W=? What does it mean?</a:t>
+                </a:r>
+                <a:endParaRPr lang="en-US" dirty="0"/>
+              </a:p>
+            </p:txBody>
+          </p:sp>
+        </mc:Choice>
+        <mc:Fallback>
+          <p:sp>
+            <p:nvSpPr>
+              <p:cNvPr id="3" name="Content Placeholder 2"/>
+              <p:cNvSpPr>
+                <a:spLocks noGrp="1" noRot="1" noChangeAspect="1" noMove="1" noResize="1" noEditPoints="1" noAdjustHandles="1" noChangeArrowheads="1" noChangeShapeType="1" noTextEdit="1"/>
+              </p:cNvSpPr>
+              <p:nvPr>
+                <p:ph sz="half" idx="1"/>
+              </p:nvPr>
+            </p:nvSpPr>
+            <p:spPr>
+              <a:blipFill>
+                <a:blip r:embed="rId2"/>
+                <a:stretch>
+                  <a:fillRect l="-2118" t="-2241"/>
+                </a:stretch>
+              </a:blipFill>
+            </p:spPr>
+            <p:txBody>
+              <a:bodyPr/>
+              <a:lstStyle/>
+              <a:p>
+                <a:r>
+                  <a:rPr lang="en-US">
+                    <a:noFill/>
+                  </a:rPr>
+                  <a:t> </a:t>
+                </a:r>
+              </a:p>
+            </p:txBody>
+          </p:sp>
+        </mc:Fallback>
+      </mc:AlternateContent>
+      <p:pic>
+        <p:nvPicPr>
+          <p:cNvPr id="2050" name="Picture 2" descr="KapcsolÃ³dÃ³ kÃ©p"/>
+          <p:cNvPicPr>
+            <a:picLocks noGrp="1" noChangeAspect="1" noChangeArrowheads="1"/>
+          </p:cNvPicPr>
+          <p:nvPr>
+            <p:ph sz="half" idx="2"/>
+          </p:nvPr>
+        </p:nvPicPr>
+        <p:blipFill>
+          <a:blip r:embed="rId3">
+            <a:extLst>
+              <a:ext uri="{28A0092B-C50C-407E-A947-70E740481C1C}">
+                <a14:useLocalDpi xmlns:a14="http://schemas.microsoft.com/office/drawing/2010/main" val="0"/>
+              </a:ext>
+            </a:extLst>
+          </a:blip>
+          <a:srcRect/>
+          <a:stretch>
+            <a:fillRect/>
+          </a:stretch>
+        </p:blipFill>
+        <p:spPr bwMode="auto">
+          <a:xfrm>
+            <a:off x="6131636" y="642520"/>
+            <a:ext cx="3022182" cy="2415047"/>
+          </a:xfrm>
+          <a:prstGeom prst="rect">
+            <a:avLst/>
+          </a:prstGeom>
+          <a:noFill/>
+          <a:extLst>
+            <a:ext uri="{909E8E84-426E-40DD-AFC4-6F175D3DCCD1}">
+              <a14:hiddenFill xmlns:a14="http://schemas.microsoft.com/office/drawing/2010/main">
+                <a:solidFill>
+                  <a:srgbClr val="FFFFFF"/>
+                </a:solidFill>
+              </a14:hiddenFill>
+            </a:ext>
+          </a:extLst>
+        </p:spPr>
+      </p:pic>
+      <p:pic>
+        <p:nvPicPr>
+          <p:cNvPr id="2052" name="Picture 4" descr="KapcsolÃ³dÃ³ kÃ©p"/>
+          <p:cNvPicPr>
+            <a:picLocks noChangeAspect="1" noChangeArrowheads="1"/>
+          </p:cNvPicPr>
+          <p:nvPr/>
+        </p:nvPicPr>
+        <p:blipFill>
+          <a:blip r:embed="rId4">
+            <a:extLst>
+              <a:ext uri="{28A0092B-C50C-407E-A947-70E740481C1C}">
+                <a14:useLocalDpi xmlns:a14="http://schemas.microsoft.com/office/drawing/2010/main" val="0"/>
+              </a:ext>
+            </a:extLst>
+          </a:blip>
+          <a:srcRect/>
+          <a:stretch>
+            <a:fillRect/>
+          </a:stretch>
+        </p:blipFill>
+        <p:spPr bwMode="auto">
+          <a:xfrm>
+            <a:off x="8288921" y="3488446"/>
+            <a:ext cx="2330951" cy="3012075"/>
+          </a:xfrm>
+          <a:prstGeom prst="rect">
+            <a:avLst/>
+          </a:prstGeom>
+          <a:noFill/>
+          <a:extLst>
+            <a:ext uri="{909E8E84-426E-40DD-AFC4-6F175D3DCCD1}">
+              <a14:hiddenFill xmlns:a14="http://schemas.microsoft.com/office/drawing/2010/main">
+                <a:solidFill>
+                  <a:srgbClr val="FFFFFF"/>
+                </a:solidFill>
+              </a14:hiddenFill>
+            </a:ext>
+          </a:extLst>
+        </p:spPr>
+      </p:pic>
+    </p:spTree>
+    <p:extLst>
+      <p:ext uri="{BB962C8B-B14F-4D97-AF65-F5344CB8AC3E}">
+        <p14:creationId xmlns:p14="http://schemas.microsoft.com/office/powerpoint/2010/main" val="2561453360"/>
+      </p:ext>
+    </p:extLst>
+  </p:cSld>
+  <p:clrMapOvr>
+    <a:masterClrMapping/>
+  </p:clrMapOvr>
+  <p:timing>
+    <p:tnLst>
+      <p:par>
+        <p:cTn id="1" dur="indefinite" restart="never" nodeType="tmRoot">
+          <p:childTnLst>
+            <p:seq concurrent="1" nextAc="seek">
+              <p:cTn id="2" dur="indefinite" nodeType="mainSeq">
+                <p:childTnLst>
+                  <p:par>
+                    <p:cTn id="3" fill="hold">
+                      <p:stCondLst>
+                        <p:cond delay="indefinite"/>
+                      </p:stCondLst>
+                      <p:childTnLst>
+                        <p:par>
+                          <p:cTn id="4" fill="hold">
+                            <p:stCondLst>
+                              <p:cond delay="0"/>
+                            </p:stCondLst>
+                            <p:childTnLst>
+                              <p:par>
+                                <p:cTn id="5" presetID="42" presetClass="entr" presetSubtype="0" fill="hold" nodeType="clickEffect">
+                                  <p:stCondLst>
+                                    <p:cond delay="0"/>
+                                  </p:stCondLst>
+                                  <p:childTnLst>
+                                    <p:set>
+                                      <p:cBhvr>
+                                        <p:cTn id="6" dur="1" fill="hold">
+                                          <p:stCondLst>
+                                            <p:cond delay="0"/>
+                                          </p:stCondLst>
+                                        </p:cTn>
+                                        <p:tgtEl>
+                                          <p:spTgt spid="3">
+                                            <p:txEl>
+                                              <p:pRg st="0" end="0"/>
+                                            </p:txEl>
+                                          </p:spTgt>
+                                        </p:tgtEl>
+                                        <p:attrNameLst>
+                                          <p:attrName>style.visibility</p:attrName>
+                                        </p:attrNameLst>
+                                      </p:cBhvr>
+                                      <p:to>
+                                        <p:strVal val="visible"/>
+                                      </p:to>
+                                    </p:set>
+                                    <p:animEffect transition="in" filter="fade">
+                                      <p:cBhvr>
+                                        <p:cTn id="7" dur="1000"/>
+                                        <p:tgtEl>
+                                          <p:spTgt spid="3">
+                                            <p:txEl>
+                                              <p:pRg st="0" end="0"/>
+                                            </p:txEl>
+                                          </p:spTgt>
+                                        </p:tgtEl>
+                                      </p:cBhvr>
+                                    </p:animEffect>
+                                    <p:anim calcmode="lin" valueType="num">
+                                      <p:cBhvr>
+                                        <p:cTn id="8" dur="1000" fill="hold"/>
+                                        <p:tgtEl>
+                                          <p:spTgt spid="3">
+                                            <p:txEl>
+                                              <p:pRg st="0" end="0"/>
+                                            </p:txEl>
+                                          </p:spTgt>
+                                        </p:tgtEl>
+                                        <p:attrNameLst>
+                                          <p:attrName>ppt_x</p:attrName>
+                                        </p:attrNameLst>
+                                      </p:cBhvr>
+                                      <p:tavLst>
+                                        <p:tav tm="0">
+                                          <p:val>
+                                            <p:strVal val="#ppt_x"/>
+                                          </p:val>
+                                        </p:tav>
+                                        <p:tav tm="100000">
+                                          <p:val>
+                                            <p:strVal val="#ppt_x"/>
+                                          </p:val>
+                                        </p:tav>
+                                      </p:tavLst>
+                                    </p:anim>
+                                    <p:anim calcmode="lin" valueType="num">
+                                      <p:cBhvr>
+                                        <p:cTn id="9" dur="1000" fill="hold"/>
+                                        <p:tgtEl>
+                                          <p:spTgt spid="3">
+                                            <p:txEl>
+                                              <p:pRg st="0" end="0"/>
+                                            </p:txEl>
+                                          </p:spTgt>
+                                        </p:tgtEl>
+                                        <p:attrNameLst>
+                                          <p:attrName>ppt_y</p:attrName>
+                                        </p:attrNameLst>
+                                      </p:cBhvr>
+                                      <p:tavLst>
+                                        <p:tav tm="0">
+                                          <p:val>
+                                            <p:strVal val="#ppt_y+.1"/>
+                                          </p:val>
+                                        </p:tav>
+                                        <p:tav tm="100000">
+                                          <p:val>
+                                            <p:strVal val="#ppt_y"/>
+                                          </p:val>
+                                        </p:tav>
+                                      </p:tavLst>
+                                    </p:anim>
+                                  </p:childTnLst>
+                                </p:cTn>
+                              </p:par>
+                            </p:childTnLst>
+                          </p:cTn>
+                        </p:par>
+                      </p:childTnLst>
+                    </p:cTn>
+                  </p:par>
+                  <p:par>
+                    <p:cTn id="10" fill="hold">
+                      <p:stCondLst>
+                        <p:cond delay="indefinite"/>
+                      </p:stCondLst>
+                      <p:childTnLst>
+                        <p:par>
+                          <p:cTn id="11" fill="hold">
+                            <p:stCondLst>
+                              <p:cond delay="0"/>
+                            </p:stCondLst>
+                            <p:childTnLst>
+                              <p:par>
+                                <p:cTn id="12" presetID="42" presetClass="entr" presetSubtype="0" fill="hold" nodeType="clickEffect">
+                                  <p:stCondLst>
+                                    <p:cond delay="0"/>
+                                  </p:stCondLst>
+                                  <p:childTnLst>
+                                    <p:set>
+                                      <p:cBhvr>
+                                        <p:cTn id="13" dur="1" fill="hold">
+                                          <p:stCondLst>
+                                            <p:cond delay="0"/>
+                                          </p:stCondLst>
+                                        </p:cTn>
+                                        <p:tgtEl>
+                                          <p:spTgt spid="3">
+                                            <p:txEl>
+                                              <p:pRg st="1" end="1"/>
+                                            </p:txEl>
+                                          </p:spTgt>
+                                        </p:tgtEl>
+                                        <p:attrNameLst>
+                                          <p:attrName>style.visibility</p:attrName>
+                                        </p:attrNameLst>
+                                      </p:cBhvr>
+                                      <p:to>
+                                        <p:strVal val="visible"/>
+                                      </p:to>
+                                    </p:set>
+                                    <p:animEffect transition="in" filter="fade">
+                                      <p:cBhvr>
+                                        <p:cTn id="14" dur="1000"/>
+                                        <p:tgtEl>
+                                          <p:spTgt spid="3">
+                                            <p:txEl>
+                                              <p:pRg st="1" end="1"/>
+                                            </p:txEl>
+                                          </p:spTgt>
+                                        </p:tgtEl>
+                                      </p:cBhvr>
+                                    </p:animEffect>
+                                    <p:anim calcmode="lin" valueType="num">
+                                      <p:cBhvr>
+                                        <p:cTn id="15" dur="1000" fill="hold"/>
+                                        <p:tgtEl>
+                                          <p:spTgt spid="3">
+                                            <p:txEl>
+                                              <p:pRg st="1" end="1"/>
+                                            </p:txEl>
+                                          </p:spTgt>
+                                        </p:tgtEl>
+                                        <p:attrNameLst>
+                                          <p:attrName>ppt_x</p:attrName>
+                                        </p:attrNameLst>
+                                      </p:cBhvr>
+                                      <p:tavLst>
+                                        <p:tav tm="0">
+                                          <p:val>
+                                            <p:strVal val="#ppt_x"/>
+                                          </p:val>
+                                        </p:tav>
+                                        <p:tav tm="100000">
+                                          <p:val>
+                                            <p:strVal val="#ppt_x"/>
+                                          </p:val>
+                                        </p:tav>
+                                      </p:tavLst>
+                                    </p:anim>
+                                    <p:anim calcmode="lin" valueType="num">
+                                      <p:cBhvr>
+                                        <p:cTn id="16" dur="1000" fill="hold"/>
+                                        <p:tgtEl>
+                                          <p:spTgt spid="3">
+                                            <p:txEl>
+                                              <p:pRg st="1" end="1"/>
+                                            </p:txEl>
+                                          </p:spTgt>
+                                        </p:tgtEl>
+                                        <p:attrNameLst>
+                                          <p:attrName>ppt_y</p:attrName>
+                                        </p:attrNameLst>
+                                      </p:cBhvr>
+                                      <p:tavLst>
+                                        <p:tav tm="0">
+                                          <p:val>
+                                            <p:strVal val="#ppt_y+.1"/>
+                                          </p:val>
+                                        </p:tav>
+                                        <p:tav tm="100000">
+                                          <p:val>
+                                            <p:strVal val="#ppt_y"/>
+                                          </p:val>
+                                        </p:tav>
+                                      </p:tavLst>
+                                    </p:anim>
+                                  </p:childTnLst>
+                                </p:cTn>
+                              </p:par>
+                            </p:childTnLst>
+                          </p:cTn>
+                        </p:par>
+                      </p:childTnLst>
+                    </p:cTn>
+                  </p:par>
+                  <p:par>
+                    <p:cTn id="17" fill="hold">
+                      <p:stCondLst>
+                        <p:cond delay="indefinite"/>
+                      </p:stCondLst>
+                      <p:childTnLst>
+                        <p:par>
+                          <p:cTn id="18" fill="hold">
+                            <p:stCondLst>
+                              <p:cond delay="0"/>
+                            </p:stCondLst>
+                            <p:childTnLst>
+                              <p:par>
+                                <p:cTn id="19" presetID="42" presetClass="entr" presetSubtype="0" fill="hold" nodeType="clickEffect">
+                                  <p:stCondLst>
+                                    <p:cond delay="0"/>
+                                  </p:stCondLst>
+                                  <p:childTnLst>
+                                    <p:set>
+                                      <p:cBhvr>
+                                        <p:cTn id="20" dur="1" fill="hold">
+                                          <p:stCondLst>
+                                            <p:cond delay="0"/>
+                                          </p:stCondLst>
+                                        </p:cTn>
+                                        <p:tgtEl>
+                                          <p:spTgt spid="3">
+                                            <p:txEl>
+                                              <p:pRg st="2" end="2"/>
+                                            </p:txEl>
+                                          </p:spTgt>
+                                        </p:tgtEl>
+                                        <p:attrNameLst>
+                                          <p:attrName>style.visibility</p:attrName>
+                                        </p:attrNameLst>
+                                      </p:cBhvr>
+                                      <p:to>
+                                        <p:strVal val="visible"/>
+                                      </p:to>
+                                    </p:set>
+                                    <p:animEffect transition="in" filter="fade">
+                                      <p:cBhvr>
+                                        <p:cTn id="21" dur="1000"/>
+                                        <p:tgtEl>
+                                          <p:spTgt spid="3">
+                                            <p:txEl>
+                                              <p:pRg st="2" end="2"/>
+                                            </p:txEl>
+                                          </p:spTgt>
+                                        </p:tgtEl>
+                                      </p:cBhvr>
+                                    </p:animEffect>
+                                    <p:anim calcmode="lin" valueType="num">
+                                      <p:cBhvr>
+                                        <p:cTn id="22" dur="1000" fill="hold"/>
+                                        <p:tgtEl>
+                                          <p:spTgt spid="3">
+                                            <p:txEl>
+                                              <p:pRg st="2" end="2"/>
+                                            </p:txEl>
+                                          </p:spTgt>
+                                        </p:tgtEl>
+                                        <p:attrNameLst>
+                                          <p:attrName>ppt_x</p:attrName>
+                                        </p:attrNameLst>
+                                      </p:cBhvr>
+                                      <p:tavLst>
+                                        <p:tav tm="0">
+                                          <p:val>
+                                            <p:strVal val="#ppt_x"/>
+                                          </p:val>
+                                        </p:tav>
+                                        <p:tav tm="100000">
+                                          <p:val>
+                                            <p:strVal val="#ppt_x"/>
+                                          </p:val>
+                                        </p:tav>
+                                      </p:tavLst>
+                                    </p:anim>
+                                    <p:anim calcmode="lin" valueType="num">
+                                      <p:cBhvr>
+                                        <p:cTn id="23" dur="1000" fill="hold"/>
+                                        <p:tgtEl>
+                                          <p:spTgt spid="3">
+                                            <p:txEl>
+                                              <p:pRg st="2" end="2"/>
+                                            </p:txEl>
+                                          </p:spTgt>
+                                        </p:tgtEl>
+                                        <p:attrNameLst>
+                                          <p:attrName>ppt_y</p:attrName>
+                                        </p:attrNameLst>
+                                      </p:cBhvr>
+                                      <p:tavLst>
+                                        <p:tav tm="0">
+                                          <p:val>
+                                            <p:strVal val="#ppt_y+.1"/>
+                                          </p:val>
+                                        </p:tav>
+                                        <p:tav tm="100000">
+                                          <p:val>
+                                            <p:strVal val="#ppt_y"/>
+                                          </p:val>
+                                        </p:tav>
+                                      </p:tavLst>
+                                    </p:anim>
+                                  </p:childTnLst>
+                                </p:cTn>
+                              </p:par>
+                            </p:childTnLst>
+                          </p:cTn>
+                        </p:par>
+                      </p:childTnLst>
+                    </p:cTn>
+                  </p:par>
+                  <p:par>
+                    <p:cTn id="24" fill="hold">
+                      <p:stCondLst>
+                        <p:cond delay="indefinite"/>
+                      </p:stCondLst>
+                      <p:childTnLst>
+                        <p:par>
+                          <p:cTn id="25" fill="hold">
+                            <p:stCondLst>
+                              <p:cond delay="0"/>
+                            </p:stCondLst>
+                            <p:childTnLst>
+                              <p:par>
+                                <p:cTn id="26" presetID="42" presetClass="entr" presetSubtype="0" fill="hold" nodeType="clickEffect">
+                                  <p:stCondLst>
+                                    <p:cond delay="0"/>
+                                  </p:stCondLst>
+                                  <p:childTnLst>
+                                    <p:set>
+                                      <p:cBhvr>
+                                        <p:cTn id="27" dur="1" fill="hold">
+                                          <p:stCondLst>
+                                            <p:cond delay="0"/>
+                                          </p:stCondLst>
+                                        </p:cTn>
+                                        <p:tgtEl>
+                                          <p:spTgt spid="3">
+                                            <p:txEl>
+                                              <p:pRg st="3" end="3"/>
+                                            </p:txEl>
+                                          </p:spTgt>
+                                        </p:tgtEl>
+                                        <p:attrNameLst>
+                                          <p:attrName>style.visibility</p:attrName>
+                                        </p:attrNameLst>
+                                      </p:cBhvr>
+                                      <p:to>
+                                        <p:strVal val="visible"/>
+                                      </p:to>
+                                    </p:set>
+                                    <p:animEffect transition="in" filter="fade">
+                                      <p:cBhvr>
+                                        <p:cTn id="28" dur="1000"/>
+                                        <p:tgtEl>
+                                          <p:spTgt spid="3">
+                                            <p:txEl>
+                                              <p:pRg st="3" end="3"/>
+                                            </p:txEl>
+                                          </p:spTgt>
+                                        </p:tgtEl>
+                                      </p:cBhvr>
+                                    </p:animEffect>
+                                    <p:anim calcmode="lin" valueType="num">
+                                      <p:cBhvr>
+                                        <p:cTn id="29" dur="1000" fill="hold"/>
+                                        <p:tgtEl>
+                                          <p:spTgt spid="3">
+                                            <p:txEl>
+                                              <p:pRg st="3" end="3"/>
+                                            </p:txEl>
+                                          </p:spTgt>
+                                        </p:tgtEl>
+                                        <p:attrNameLst>
+                                          <p:attrName>ppt_x</p:attrName>
+                                        </p:attrNameLst>
+                                      </p:cBhvr>
+                                      <p:tavLst>
+                                        <p:tav tm="0">
+                                          <p:val>
+                                            <p:strVal val="#ppt_x"/>
+                                          </p:val>
+                                        </p:tav>
+                                        <p:tav tm="100000">
+                                          <p:val>
+                                            <p:strVal val="#ppt_x"/>
+                                          </p:val>
+                                        </p:tav>
+                                      </p:tavLst>
+                                    </p:anim>
+                                    <p:anim calcmode="lin" valueType="num">
+                                      <p:cBhvr>
+                                        <p:cTn id="30" dur="1000" fill="hold"/>
+                                        <p:tgtEl>
+                                          <p:spTgt spid="3">
+                                            <p:txEl>
+                                              <p:pRg st="3" end="3"/>
+                                            </p:txEl>
+                                          </p:spTgt>
+                                        </p:tgtEl>
+                                        <p:attrNameLst>
+                                          <p:attrName>ppt_y</p:attrName>
+                                        </p:attrNameLst>
+                                      </p:cBhvr>
+                                      <p:tavLst>
+                                        <p:tav tm="0">
+                                          <p:val>
+                                            <p:strVal val="#ppt_y+.1"/>
+                                          </p:val>
+                                        </p:tav>
+                                        <p:tav tm="100000">
+                                          <p:val>
+                                            <p:strVal val="#ppt_y"/>
+                                          </p:val>
+                                        </p:tav>
+                                      </p:tavLst>
+                                    </p:anim>
+                                  </p:childTnLst>
+                                </p:cTn>
+                              </p:par>
+                            </p:childTnLst>
+                          </p:cTn>
+                        </p:par>
+                      </p:childTnLst>
+                    </p:cTn>
+                  </p:par>
+                  <p:par>
+                    <p:cTn id="31" fill="hold">
+                      <p:stCondLst>
+                        <p:cond delay="indefinite"/>
+                      </p:stCondLst>
+                      <p:childTnLst>
+                        <p:par>
+                          <p:cTn id="32" fill="hold">
+                            <p:stCondLst>
+                              <p:cond delay="0"/>
+                            </p:stCondLst>
+                            <p:childTnLst>
+                              <p:par>
+                                <p:cTn id="33" presetID="42" presetClass="entr" presetSubtype="0" fill="hold" nodeType="clickEffect">
+                                  <p:stCondLst>
+                                    <p:cond delay="0"/>
+                                  </p:stCondLst>
+                                  <p:childTnLst>
+                                    <p:set>
+                                      <p:cBhvr>
+                                        <p:cTn id="34" dur="1" fill="hold">
+                                          <p:stCondLst>
+                                            <p:cond delay="0"/>
+                                          </p:stCondLst>
+                                        </p:cTn>
+                                        <p:tgtEl>
+                                          <p:spTgt spid="3">
+                                            <p:txEl>
+                                              <p:pRg st="4" end="4"/>
+                                            </p:txEl>
+                                          </p:spTgt>
+                                        </p:tgtEl>
+                                        <p:attrNameLst>
+                                          <p:attrName>style.visibility</p:attrName>
+                                        </p:attrNameLst>
+                                      </p:cBhvr>
+                                      <p:to>
+                                        <p:strVal val="visible"/>
+                                      </p:to>
+                                    </p:set>
+                                    <p:animEffect transition="in" filter="fade">
+                                      <p:cBhvr>
+                                        <p:cTn id="35" dur="1000"/>
+                                        <p:tgtEl>
+                                          <p:spTgt spid="3">
+                                            <p:txEl>
+                                              <p:pRg st="4" end="4"/>
+                                            </p:txEl>
+                                          </p:spTgt>
+                                        </p:tgtEl>
+                                      </p:cBhvr>
+                                    </p:animEffect>
+                                    <p:anim calcmode="lin" valueType="num">
+                                      <p:cBhvr>
+                                        <p:cTn id="36" dur="1000" fill="hold"/>
+                                        <p:tgtEl>
+                                          <p:spTgt spid="3">
+                                            <p:txEl>
+                                              <p:pRg st="4" end="4"/>
+                                            </p:txEl>
+                                          </p:spTgt>
+                                        </p:tgtEl>
+                                        <p:attrNameLst>
+                                          <p:attrName>ppt_x</p:attrName>
+                                        </p:attrNameLst>
+                                      </p:cBhvr>
+                                      <p:tavLst>
+                                        <p:tav tm="0">
+                                          <p:val>
+                                            <p:strVal val="#ppt_x"/>
+                                          </p:val>
+                                        </p:tav>
+                                        <p:tav tm="100000">
+                                          <p:val>
+                                            <p:strVal val="#ppt_x"/>
+                                          </p:val>
+                                        </p:tav>
+                                      </p:tavLst>
+                                    </p:anim>
+                                    <p:anim calcmode="lin" valueType="num">
+                                      <p:cBhvr>
+                                        <p:cTn id="37" dur="1000" fill="hold"/>
+                                        <p:tgtEl>
+                                          <p:spTgt spid="3">
+                                            <p:txEl>
+                                              <p:pRg st="4" end="4"/>
+                                            </p:txEl>
+                                          </p:spTgt>
+                                        </p:tgtEl>
+                                        <p:attrNameLst>
+                                          <p:attrName>ppt_y</p:attrName>
+                                        </p:attrNameLst>
+                                      </p:cBhvr>
+                                      <p:tavLst>
+                                        <p:tav tm="0">
+                                          <p:val>
+                                            <p:strVal val="#ppt_y+.1"/>
+                                          </p:val>
+                                        </p:tav>
+                                        <p:tav tm="100000">
+                                          <p:val>
+                                            <p:strVal val="#ppt_y"/>
+                                          </p:val>
+                                        </p:tav>
+                                      </p:tavLst>
+                                    </p:anim>
+                                  </p:childTnLst>
+                                </p:cTn>
+                              </p:par>
+                            </p:childTnLst>
+                          </p:cTn>
+                        </p:par>
+                      </p:childTnLst>
+                    </p:cTn>
+                  </p:par>
+                  <p:par>
+                    <p:cTn id="38" fill="hold">
+                      <p:stCondLst>
+                        <p:cond delay="indefinite"/>
+                      </p:stCondLst>
+                      <p:childTnLst>
+                        <p:par>
+                          <p:cTn id="39" fill="hold">
+                            <p:stCondLst>
+                              <p:cond delay="0"/>
+                            </p:stCondLst>
+                            <p:childTnLst>
+                              <p:par>
+                                <p:cTn id="40" presetID="42" presetClass="entr" presetSubtype="0" fill="hold" nodeType="clickEffect">
+                                  <p:stCondLst>
+                                    <p:cond delay="0"/>
+                                  </p:stCondLst>
+                                  <p:childTnLst>
+                                    <p:set>
+                                      <p:cBhvr>
+                                        <p:cTn id="41" dur="1" fill="hold">
+                                          <p:stCondLst>
+                                            <p:cond delay="0"/>
+                                          </p:stCondLst>
+                                        </p:cTn>
+                                        <p:tgtEl>
+                                          <p:spTgt spid="3">
+                                            <p:txEl>
+                                              <p:pRg st="5" end="5"/>
+                                            </p:txEl>
+                                          </p:spTgt>
+                                        </p:tgtEl>
+                                        <p:attrNameLst>
+                                          <p:attrName>style.visibility</p:attrName>
+                                        </p:attrNameLst>
+                                      </p:cBhvr>
+                                      <p:to>
+                                        <p:strVal val="visible"/>
+                                      </p:to>
+                                    </p:set>
+                                    <p:animEffect transition="in" filter="fade">
+                                      <p:cBhvr>
+                                        <p:cTn id="42" dur="1000"/>
+                                        <p:tgtEl>
+                                          <p:spTgt spid="3">
+                                            <p:txEl>
+                                              <p:pRg st="5" end="5"/>
+                                            </p:txEl>
+                                          </p:spTgt>
+                                        </p:tgtEl>
+                                      </p:cBhvr>
+                                    </p:animEffect>
+                                    <p:anim calcmode="lin" valueType="num">
+                                      <p:cBhvr>
+                                        <p:cTn id="43" dur="1000" fill="hold"/>
+                                        <p:tgtEl>
+                                          <p:spTgt spid="3">
+                                            <p:txEl>
+                                              <p:pRg st="5" end="5"/>
+                                            </p:txEl>
+                                          </p:spTgt>
+                                        </p:tgtEl>
+                                        <p:attrNameLst>
+                                          <p:attrName>ppt_x</p:attrName>
+                                        </p:attrNameLst>
+                                      </p:cBhvr>
+                                      <p:tavLst>
+                                        <p:tav tm="0">
+                                          <p:val>
+                                            <p:strVal val="#ppt_x"/>
+                                          </p:val>
+                                        </p:tav>
+                                        <p:tav tm="100000">
+                                          <p:val>
+                                            <p:strVal val="#ppt_x"/>
+                                          </p:val>
+                                        </p:tav>
+                                      </p:tavLst>
+                                    </p:anim>
+                                    <p:anim calcmode="lin" valueType="num">
+                                      <p:cBhvr>
+                                        <p:cTn id="44" dur="1000" fill="hold"/>
+                                        <p:tgtEl>
+                                          <p:spTgt spid="3">
+                                            <p:txEl>
+                                              <p:pRg st="5" end="5"/>
+                                            </p:txEl>
+                                          </p:spTgt>
+                                        </p:tgtEl>
+                                        <p:attrNameLst>
+                                          <p:attrName>ppt_y</p:attrName>
+                                        </p:attrNameLst>
+                                      </p:cBhvr>
+                                      <p:tavLst>
+                                        <p:tav tm="0">
+                                          <p:val>
+                                            <p:strVal val="#ppt_y+.1"/>
+                                          </p:val>
+                                        </p:tav>
+                                        <p:tav tm="100000">
+                                          <p:val>
+                                            <p:strVal val="#ppt_y"/>
+                                          </p:val>
+                                        </p:tav>
+                                      </p:tavLst>
+                                    </p:anim>
+                                  </p:childTnLst>
+                                </p:cTn>
+                              </p:par>
+                            </p:childTnLst>
+                          </p:cTn>
+                        </p:par>
+                      </p:childTnLst>
+                    </p:cTn>
+                  </p:par>
+                  <p:par>
+                    <p:cTn id="45" fill="hold">
+                      <p:stCondLst>
+                        <p:cond delay="indefinite"/>
+                      </p:stCondLst>
+                      <p:childTnLst>
+                        <p:par>
+                          <p:cTn id="46" fill="hold">
+                            <p:stCondLst>
+                              <p:cond delay="0"/>
+                            </p:stCondLst>
+                            <p:childTnLst>
+                              <p:par>
+                                <p:cTn id="47" presetID="42" presetClass="entr" presetSubtype="0" fill="hold" nodeType="clickEffect">
+                                  <p:stCondLst>
+                                    <p:cond delay="0"/>
+                                  </p:stCondLst>
+                                  <p:childTnLst>
+                                    <p:set>
+                                      <p:cBhvr>
+                                        <p:cTn id="48" dur="1" fill="hold">
+                                          <p:stCondLst>
+                                            <p:cond delay="0"/>
+                                          </p:stCondLst>
+                                        </p:cTn>
+                                        <p:tgtEl>
+                                          <p:spTgt spid="3">
+                                            <p:txEl>
+                                              <p:pRg st="6" end="6"/>
+                                            </p:txEl>
+                                          </p:spTgt>
+                                        </p:tgtEl>
+                                        <p:attrNameLst>
+                                          <p:attrName>style.visibility</p:attrName>
+                                        </p:attrNameLst>
+                                      </p:cBhvr>
+                                      <p:to>
+                                        <p:strVal val="visible"/>
+                                      </p:to>
+                                    </p:set>
+                                    <p:animEffect transition="in" filter="fade">
+                                      <p:cBhvr>
+                                        <p:cTn id="49" dur="1000"/>
+                                        <p:tgtEl>
+                                          <p:spTgt spid="3">
+                                            <p:txEl>
+                                              <p:pRg st="6" end="6"/>
+                                            </p:txEl>
+                                          </p:spTgt>
+                                        </p:tgtEl>
+                                      </p:cBhvr>
+                                    </p:animEffect>
+                                    <p:anim calcmode="lin" valueType="num">
+                                      <p:cBhvr>
+                                        <p:cTn id="50" dur="1000" fill="hold"/>
+                                        <p:tgtEl>
+                                          <p:spTgt spid="3">
+                                            <p:txEl>
+                                              <p:pRg st="6" end="6"/>
+                                            </p:txEl>
+                                          </p:spTgt>
+                                        </p:tgtEl>
+                                        <p:attrNameLst>
+                                          <p:attrName>ppt_x</p:attrName>
+                                        </p:attrNameLst>
+                                      </p:cBhvr>
+                                      <p:tavLst>
+                                        <p:tav tm="0">
+                                          <p:val>
+                                            <p:strVal val="#ppt_x"/>
+                                          </p:val>
+                                        </p:tav>
+                                        <p:tav tm="100000">
+                                          <p:val>
+                                            <p:strVal val="#ppt_x"/>
+                                          </p:val>
+                                        </p:tav>
+                                      </p:tavLst>
+                                    </p:anim>
+                                    <p:anim calcmode="lin" valueType="num">
+                                      <p:cBhvr>
+                                        <p:cTn id="51" dur="1000" fill="hold"/>
+                                        <p:tgtEl>
+                                          <p:spTgt spid="3">
+                                            <p:txEl>
+                                              <p:pRg st="6" end="6"/>
+                                            </p:txEl>
+                                          </p:spTgt>
+                                        </p:tgtEl>
+                                        <p:attrNameLst>
+                                          <p:attrName>ppt_y</p:attrName>
+                                        </p:attrNameLst>
+                                      </p:cBhvr>
+                                      <p:tavLst>
+                                        <p:tav tm="0">
+                                          <p:val>
+                                            <p:strVal val="#ppt_y+.1"/>
+                                          </p:val>
+                                        </p:tav>
+                                        <p:tav tm="100000">
+                                          <p:val>
+                                            <p:strVal val="#ppt_y"/>
+                                          </p:val>
+                                        </p:tav>
+                                      </p:tavLst>
+                                    </p:anim>
+                                  </p:childTnLst>
+                                </p:cTn>
+                              </p:par>
+                            </p:childTnLst>
+                          </p:cTn>
+                        </p:par>
+                      </p:childTnLst>
+                    </p:cTn>
+                  </p:par>
+                  <p:par>
+                    <p:cTn id="52" fill="hold">
+                      <p:stCondLst>
+                        <p:cond delay="indefinite"/>
+                      </p:stCondLst>
+                      <p:childTnLst>
+                        <p:par>
+                          <p:cTn id="53" fill="hold">
+                            <p:stCondLst>
+                              <p:cond delay="0"/>
+                            </p:stCondLst>
+                            <p:childTnLst>
+                              <p:par>
+                                <p:cTn id="54" presetID="42" presetClass="entr" presetSubtype="0" fill="hold" nodeType="clickEffect">
+                                  <p:stCondLst>
+                                    <p:cond delay="0"/>
+                                  </p:stCondLst>
+                                  <p:childTnLst>
+                                    <p:set>
+                                      <p:cBhvr>
+                                        <p:cTn id="55" dur="1" fill="hold">
+                                          <p:stCondLst>
+                                            <p:cond delay="0"/>
+                                          </p:stCondLst>
+                                        </p:cTn>
+                                        <p:tgtEl>
+                                          <p:spTgt spid="2050"/>
+                                        </p:tgtEl>
+                                        <p:attrNameLst>
+                                          <p:attrName>style.visibility</p:attrName>
+                                        </p:attrNameLst>
+                                      </p:cBhvr>
+                                      <p:to>
+                                        <p:strVal val="visible"/>
+                                      </p:to>
+                                    </p:set>
+                                    <p:animEffect transition="in" filter="fade">
+                                      <p:cBhvr>
+                                        <p:cTn id="56" dur="1000"/>
+                                        <p:tgtEl>
+                                          <p:spTgt spid="2050"/>
+                                        </p:tgtEl>
+                                      </p:cBhvr>
+                                    </p:animEffect>
+                                    <p:anim calcmode="lin" valueType="num">
+                                      <p:cBhvr>
+                                        <p:cTn id="57" dur="1000" fill="hold"/>
+                                        <p:tgtEl>
+                                          <p:spTgt spid="2050"/>
+                                        </p:tgtEl>
+                                        <p:attrNameLst>
+                                          <p:attrName>ppt_x</p:attrName>
+                                        </p:attrNameLst>
+                                      </p:cBhvr>
+                                      <p:tavLst>
+                                        <p:tav tm="0">
+                                          <p:val>
+                                            <p:strVal val="#ppt_x"/>
+                                          </p:val>
+                                        </p:tav>
+                                        <p:tav tm="100000">
+                                          <p:val>
+                                            <p:strVal val="#ppt_x"/>
+                                          </p:val>
+                                        </p:tav>
+                                      </p:tavLst>
+                                    </p:anim>
+                                    <p:anim calcmode="lin" valueType="num">
+                                      <p:cBhvr>
+                                        <p:cTn id="58" dur="1000" fill="hold"/>
+                                        <p:tgtEl>
+                                          <p:spTgt spid="2050"/>
+                                        </p:tgtEl>
+                                        <p:attrNameLst>
+                                          <p:attrName>ppt_y</p:attrName>
+                                        </p:attrNameLst>
+                                      </p:cBhvr>
+                                      <p:tavLst>
+                                        <p:tav tm="0">
+                                          <p:val>
+                                            <p:strVal val="#ppt_y+.1"/>
+                                          </p:val>
+                                        </p:tav>
+                                        <p:tav tm="100000">
+                                          <p:val>
+                                            <p:strVal val="#ppt_y"/>
+                                          </p:val>
+                                        </p:tav>
+                                      </p:tavLst>
+                                    </p:anim>
+                                  </p:childTnLst>
+                                </p:cTn>
+                              </p:par>
+                            </p:childTnLst>
+                          </p:cTn>
+                        </p:par>
+                      </p:childTnLst>
+                    </p:cTn>
+                  </p:par>
+                  <p:par>
+                    <p:cTn id="59" fill="hold">
+                      <p:stCondLst>
+                        <p:cond delay="indefinite"/>
+                      </p:stCondLst>
+                      <p:childTnLst>
+                        <p:par>
+                          <p:cTn id="60" fill="hold">
+                            <p:stCondLst>
+                              <p:cond delay="0"/>
+                            </p:stCondLst>
+                            <p:childTnLst>
+                              <p:par>
+                                <p:cTn id="61" presetID="42" presetClass="entr" presetSubtype="0" fill="hold" nodeType="clickEffect">
+                                  <p:stCondLst>
+                                    <p:cond delay="0"/>
+                                  </p:stCondLst>
+                                  <p:childTnLst>
+                                    <p:set>
+                                      <p:cBhvr>
+                                        <p:cTn id="62" dur="1" fill="hold">
+                                          <p:stCondLst>
+                                            <p:cond delay="0"/>
+                                          </p:stCondLst>
+                                        </p:cTn>
+                                        <p:tgtEl>
+                                          <p:spTgt spid="2052"/>
+                                        </p:tgtEl>
+                                        <p:attrNameLst>
+                                          <p:attrName>style.visibility</p:attrName>
+                                        </p:attrNameLst>
+                                      </p:cBhvr>
+                                      <p:to>
+                                        <p:strVal val="visible"/>
+                                      </p:to>
+                                    </p:set>
+                                    <p:animEffect transition="in" filter="fade">
+                                      <p:cBhvr>
+                                        <p:cTn id="63" dur="1000"/>
+                                        <p:tgtEl>
+                                          <p:spTgt spid="2052"/>
+                                        </p:tgtEl>
+                                      </p:cBhvr>
+                                    </p:animEffect>
+                                    <p:anim calcmode="lin" valueType="num">
+                                      <p:cBhvr>
+                                        <p:cTn id="64" dur="1000" fill="hold"/>
+                                        <p:tgtEl>
+                                          <p:spTgt spid="2052"/>
+                                        </p:tgtEl>
+                                        <p:attrNameLst>
+                                          <p:attrName>ppt_x</p:attrName>
+                                        </p:attrNameLst>
+                                      </p:cBhvr>
+                                      <p:tavLst>
+                                        <p:tav tm="0">
+                                          <p:val>
+                                            <p:strVal val="#ppt_x"/>
+                                          </p:val>
+                                        </p:tav>
+                                        <p:tav tm="100000">
+                                          <p:val>
+                                            <p:strVal val="#ppt_x"/>
+                                          </p:val>
+                                        </p:tav>
+                                      </p:tavLst>
+                                    </p:anim>
+                                    <p:anim calcmode="lin" valueType="num">
+                                      <p:cBhvr>
+                                        <p:cTn id="65" dur="1000" fill="hold"/>
+                                        <p:tgtEl>
+                                          <p:spTgt spid="2052"/>
+                                        </p:tgtEl>
+                                        <p:attrNameLst>
+                                          <p:attrName>ppt_y</p:attrName>
+                                        </p:attrNameLst>
+                                      </p:cBhvr>
+                                      <p:tavLst>
+                                        <p:tav tm="0">
+                                          <p:val>
+                                            <p:strVal val="#ppt_y+.1"/>
+                                          </p:val>
+                                        </p:tav>
+                                        <p:tav tm="100000">
+                                          <p:val>
+                                            <p:strVal val="#ppt_y"/>
+                                          </p:val>
+                                        </p:tav>
+                                      </p:tavLst>
+                                    </p:anim>
+                                  </p:childTnLst>
+                                </p:cTn>
+                              </p:par>
+                            </p:childTnLst>
+                          </p:cTn>
+                        </p:par>
+                      </p:childTnLst>
+                    </p:cTn>
+                  </p:par>
+                </p:childTnLst>
+              </p:cTn>
+              <p:prevCondLst>
+                <p:cond evt="onPrev" delay="0">
+                  <p:tgtEl>
+                    <p:sldTgt/>
+                  </p:tgtEl>
+                </p:cond>
+              </p:prevCondLst>
+              <p:nextCondLst>
+                <p:cond evt="onNext" delay="0">
+                  <p:tgtEl>
+                    <p:sldTgt/>
+                  </p:tgtEl>
+                </p:cond>
+              </p:nextCondLst>
+            </p:seq>
+          </p:childTnLst>
+        </p:cTn>
+      </p:par>
+    </p:tnLst>
+  </p:timing>
+</p:sld>
+</file>
+
+<file path=ppt/slides/slide4.xml><?xml version="1.0" encoding="utf-8"?>
+<p:sld xmlns:a="http://schemas.openxmlformats.org/drawingml/2006/main" xmlns:r="http://schemas.openxmlformats.org/officeDocument/2006/relationships" xmlns:p="http://schemas.openxmlformats.org/presentationml/2006/main">
+  <p:cSld>
+    <p:spTree>
+      <p:nvGrpSpPr>
+        <p:cNvPr id="1" name=""/>
+        <p:cNvGrpSpPr/>
+        <p:nvPr/>
+      </p:nvGrpSpPr>
+      <p:grpSpPr>
+        <a:xfrm>
+          <a:off x="0" y="0"/>
+          <a:ext cx="0" cy="0"/>
+          <a:chOff x="0" y="0"/>
+          <a:chExt cx="0" cy="0"/>
+        </a:xfrm>
+      </p:grpSpPr>
+      <p:sp>
+        <p:nvSpPr>
+          <p:cNvPr id="2" name="Title 1"/>
+          <p:cNvSpPr>
+            <a:spLocks noGrp="1"/>
+          </p:cNvSpPr>
+          <p:nvPr>
+            <p:ph type="title"/>
+          </p:nvPr>
+        </p:nvSpPr>
+        <p:spPr/>
+        <p:txBody>
+          <a:bodyPr/>
+          <a:lstStyle/>
+          <a:p>
+            <a:r>
+              <a:rPr lang="en-US" dirty="0" smtClean="0"/>
+              <a:t>Units</a:t>
+            </a:r>
+            <a:endParaRPr lang="en-US" dirty="0"/>
+          </a:p>
+        </p:txBody>
+      </p:sp>
+      <mc:AlternateContent xmlns:mc="http://schemas.openxmlformats.org/markup-compatibility/2006">
+        <mc:Choice xmlns:a14="http://schemas.microsoft.com/office/drawing/2010/main" Requires="a14">
+          <p:sp>
+            <p:nvSpPr>
+              <p:cNvPr id="3" name="Content Placeholder 2"/>
+              <p:cNvSpPr>
+                <a:spLocks noGrp="1"/>
+              </p:cNvSpPr>
+              <p:nvPr>
+                <p:ph sz="half" idx="1"/>
+              </p:nvPr>
+            </p:nvSpPr>
+            <p:spPr/>
+            <p:txBody>
+              <a:bodyPr/>
+              <a:lstStyle/>
+              <a:p>
+                <a14:m>
+                  <m:oMath xmlns:m="http://schemas.openxmlformats.org/officeDocument/2006/math">
+                    <m:r>
+                      <a:rPr lang="en-US" b="0" i="1" smtClean="0">
+                        <a:latin typeface="Cambria Math" panose="02040503050406030204" pitchFamily="18" charset="0"/>
+                      </a:rPr>
+                      <m:t>1 </m:t>
+                    </m:r>
+                    <m:r>
+                      <a:rPr lang="en-US" b="0" i="1" smtClean="0">
+                        <a:latin typeface="Cambria Math" panose="02040503050406030204" pitchFamily="18" charset="0"/>
+                      </a:rPr>
+                      <m:t>𝑊𝑎𝑡𝑡</m:t>
+                    </m:r>
+                  </m:oMath>
+                </a14:m>
+                <a:endParaRPr lang="en-US" dirty="0" smtClean="0"/>
+              </a:p>
+              <a:p>
+                <a:r>
+                  <a:rPr lang="en-US" dirty="0" smtClean="0"/>
+                  <a:t>1 Horsepower – Power of a horse-1hp</a:t>
+                </a:r>
+              </a:p>
+              <a:p>
+                <a:pPr lvl="1"/>
+                <a:r>
+                  <a:rPr lang="en-US" dirty="0" err="1" smtClean="0"/>
+                  <a:t>Lóerő</a:t>
+                </a:r>
+                <a:r>
+                  <a:rPr lang="en-US" dirty="0" smtClean="0"/>
+                  <a:t>-LE</a:t>
+                </a:r>
+              </a:p>
+              <a:p>
+                <a:pPr lvl="1"/>
+                <a14:m>
+                  <m:oMath xmlns:m="http://schemas.openxmlformats.org/officeDocument/2006/math">
+                    <m:r>
+                      <a:rPr lang="en-US" b="0" i="1" smtClean="0">
+                        <a:latin typeface="Cambria Math" panose="02040503050406030204" pitchFamily="18" charset="0"/>
+                      </a:rPr>
+                      <m:t>1 </m:t>
+                    </m:r>
+                    <m:r>
+                      <a:rPr lang="en-US" b="0" i="1" smtClean="0">
+                        <a:latin typeface="Cambria Math" panose="02040503050406030204" pitchFamily="18" charset="0"/>
+                      </a:rPr>
+                      <m:t>𝐻𝑜𝑟𝑠𝑒𝑝𝑜𝑤𝑒𝑟</m:t>
+                    </m:r>
+                    <m:r>
+                      <a:rPr lang="en-US" b="0" i="1" smtClean="0">
+                        <a:latin typeface="Cambria Math" panose="02040503050406030204" pitchFamily="18" charset="0"/>
+                        <a:ea typeface="Cambria Math" panose="02040503050406030204" pitchFamily="18" charset="0"/>
+                      </a:rPr>
+                      <m:t>≈735</m:t>
+                    </m:r>
+                    <m:r>
+                      <a:rPr lang="en-US" b="0" i="1" smtClean="0">
+                        <a:latin typeface="Cambria Math" panose="02040503050406030204" pitchFamily="18" charset="0"/>
+                        <a:ea typeface="Cambria Math" panose="02040503050406030204" pitchFamily="18" charset="0"/>
+                      </a:rPr>
+                      <m:t>𝑊</m:t>
+                    </m:r>
+                  </m:oMath>
+                </a14:m>
+                <a:endParaRPr lang="en-US" dirty="0" smtClean="0"/>
+              </a:p>
+              <a:p>
+                <a:pPr lvl="1"/>
+                <a:endParaRPr lang="en-US" dirty="0"/>
+              </a:p>
+            </p:txBody>
+          </p:sp>
+        </mc:Choice>
+        <mc:Fallback>
+          <p:sp>
+            <p:nvSpPr>
+              <p:cNvPr id="3" name="Content Placeholder 2"/>
+              <p:cNvSpPr>
+                <a:spLocks noGrp="1" noRot="1" noChangeAspect="1" noMove="1" noResize="1" noEditPoints="1" noAdjustHandles="1" noChangeArrowheads="1" noChangeShapeType="1" noTextEdit="1"/>
+              </p:cNvSpPr>
+              <p:nvPr>
+                <p:ph sz="half" idx="1"/>
+              </p:nvPr>
+            </p:nvSpPr>
+            <p:spPr>
+              <a:blipFill>
+                <a:blip r:embed="rId2"/>
+                <a:stretch>
+                  <a:fillRect l="-2118"/>
+                </a:stretch>
+              </a:blipFill>
+            </p:spPr>
+            <p:txBody>
+              <a:bodyPr/>
+              <a:lstStyle/>
+              <a:p>
+                <a:r>
+                  <a:rPr lang="en-US">
+                    <a:noFill/>
+                  </a:rPr>
+                  <a:t> </a:t>
+                </a:r>
+              </a:p>
+            </p:txBody>
+          </p:sp>
+        </mc:Fallback>
+      </mc:AlternateContent>
+      <p:sp>
+        <p:nvSpPr>
+          <p:cNvPr id="4" name="Content Placeholder 3"/>
+          <p:cNvSpPr>
+            <a:spLocks noGrp="1"/>
+          </p:cNvSpPr>
+          <p:nvPr>
+            <p:ph sz="half" idx="2"/>
+          </p:nvPr>
+        </p:nvSpPr>
+        <p:spPr/>
+        <p:txBody>
+          <a:bodyPr/>
+          <a:lstStyle/>
+          <a:p>
+            <a:endParaRPr lang="en-US"/>
+          </a:p>
+        </p:txBody>
+      </p:sp>
+    </p:spTree>
+    <p:extLst>
+      <p:ext uri="{BB962C8B-B14F-4D97-AF65-F5344CB8AC3E}">
+        <p14:creationId xmlns:p14="http://schemas.microsoft.com/office/powerpoint/2010/main" val="2728607696"/>
+      </p:ext>
+    </p:extLst>
+  </p:cSld>
+  <p:clrMapOvr>
+    <a:masterClrMapping/>
+  </p:clrMapOvr>
+  <p:timing>
+    <p:tnLst>
+      <p:par>
+        <p:cTn id="1" dur="indefinite" restart="never" nodeType="tmRoot"/>
+      </p:par>
+    </p:tnLst>
+  </p:timing>
+</p:sld>
+</file>
+
+<file path=ppt/slides/slide5.xml><?xml version="1.0" encoding="utf-8"?>
+<p:sld xmlns:a="http://schemas.openxmlformats.org/drawingml/2006/main" xmlns:r="http://schemas.openxmlformats.org/officeDocument/2006/relationships" xmlns:p="http://schemas.openxmlformats.org/presentationml/2006/main">
+  <p:cSld>
+    <p:spTree>
+      <p:nvGrpSpPr>
+        <p:cNvPr id="1" name=""/>
+        <p:cNvGrpSpPr/>
+        <p:nvPr/>
+      </p:nvGrpSpPr>
+      <p:grpSpPr>
+        <a:xfrm>
+          <a:off x="0" y="0"/>
+          <a:ext cx="0" cy="0"/>
+          <a:chOff x="0" y="0"/>
+          <a:chExt cx="0" cy="0"/>
+        </a:xfrm>
+      </p:grpSpPr>
+      <p:sp>
+        <p:nvSpPr>
+          <p:cNvPr id="2" name="Title 1"/>
+          <p:cNvSpPr>
+            <a:spLocks noGrp="1"/>
+          </p:cNvSpPr>
+          <p:nvPr>
+            <p:ph type="title"/>
+          </p:nvPr>
+        </p:nvSpPr>
+        <p:spPr/>
+        <p:txBody>
+          <a:bodyPr/>
+          <a:lstStyle/>
+          <a:p>
+            <a:r>
+              <a:rPr lang="en-US" dirty="0" smtClean="0"/>
+              <a:t>Power of machines</a:t>
+            </a:r>
+            <a:endParaRPr lang="en-US" dirty="0"/>
+          </a:p>
+        </p:txBody>
+      </p:sp>
+      <p:sp>
+        <p:nvSpPr>
+          <p:cNvPr id="3" name="Content Placeholder 2"/>
+          <p:cNvSpPr>
+            <a:spLocks noGrp="1"/>
+          </p:cNvSpPr>
+          <p:nvPr>
+            <p:ph sz="half" idx="1"/>
+          </p:nvPr>
+        </p:nvSpPr>
+        <p:spPr/>
+        <p:txBody>
+          <a:bodyPr/>
+          <a:lstStyle/>
+          <a:p>
+            <a:r>
+              <a:rPr lang="en-US" dirty="0" smtClean="0"/>
+              <a:t>Machines are build to do work</a:t>
+            </a:r>
+          </a:p>
+          <a:p>
+            <a:r>
+              <a:rPr lang="en-US" dirty="0" smtClean="0"/>
+              <a:t>They are described by a power rating</a:t>
+            </a:r>
+          </a:p>
+          <a:p>
+            <a:r>
+              <a:rPr lang="en-US" dirty="0" smtClean="0"/>
+              <a:t>Car engine’s power relates to how rapidly the car can accelerate</a:t>
+            </a:r>
+          </a:p>
+          <a:p>
+            <a:pPr lvl="1"/>
+            <a:r>
+              <a:rPr lang="en-US" dirty="0" smtClean="0"/>
+              <a:t>Skoda: 90 kW = 122LE</a:t>
+            </a:r>
+          </a:p>
+          <a:p>
+            <a:pPr lvl="1"/>
+            <a:r>
+              <a:rPr lang="en-US" dirty="0" err="1" smtClean="0"/>
+              <a:t>Koenigsegg</a:t>
+            </a:r>
+            <a:r>
+              <a:rPr lang="en-US" dirty="0" smtClean="0"/>
+              <a:t> CCR-X: 750kW=1018 LE</a:t>
+            </a:r>
+          </a:p>
+          <a:p>
+            <a:pPr lvl="1"/>
+            <a:endParaRPr lang="en-US" dirty="0"/>
+          </a:p>
+        </p:txBody>
+      </p:sp>
+      <p:pic>
+        <p:nvPicPr>
+          <p:cNvPr id="3074" name="Picture 2" descr="http://autokotua.com/img/spec/mdf/skoda-octavia-estate-2005.jpg"/>
+          <p:cNvPicPr>
+            <a:picLocks noGrp="1" noChangeAspect="1" noChangeArrowheads="1"/>
+          </p:cNvPicPr>
+          <p:nvPr>
+            <p:ph sz="half" idx="2"/>
+          </p:nvPr>
+        </p:nvPicPr>
+        <p:blipFill>
+          <a:blip r:embed="rId2">
+            <a:extLst>
+              <a:ext uri="{28A0092B-C50C-407E-A947-70E740481C1C}">
+                <a14:useLocalDpi xmlns:a14="http://schemas.microsoft.com/office/drawing/2010/main" val="0"/>
+              </a:ext>
+            </a:extLst>
+          </a:blip>
+          <a:srcRect/>
+          <a:stretch>
+            <a:fillRect/>
+          </a:stretch>
+        </p:blipFill>
+        <p:spPr bwMode="auto">
+          <a:xfrm>
+            <a:off x="6236369" y="1027906"/>
+            <a:ext cx="2971799" cy="2228849"/>
+          </a:xfrm>
+          <a:prstGeom prst="rect">
+            <a:avLst/>
+          </a:prstGeom>
+          <a:noFill/>
+          <a:extLst>
+            <a:ext uri="{909E8E84-426E-40DD-AFC4-6F175D3DCCD1}">
+              <a14:hiddenFill xmlns:a14="http://schemas.microsoft.com/office/drawing/2010/main">
+                <a:solidFill>
+                  <a:srgbClr val="FFFFFF"/>
+                </a:solidFill>
+              </a14:hiddenFill>
+            </a:ext>
+          </a:extLst>
+        </p:spPr>
+      </p:pic>
+      <p:pic>
+        <p:nvPicPr>
+          <p:cNvPr id="3076" name="Picture 4" descr="https://galeria.vezess.hu/files/347/060/000/60347/60347_479320_1000x700.jpg"/>
+          <p:cNvPicPr>
+            <a:picLocks noChangeAspect="1" noChangeArrowheads="1"/>
+          </p:cNvPicPr>
+          <p:nvPr/>
+        </p:nvPicPr>
+        <p:blipFill>
+          <a:blip r:embed="rId3" cstate="print">
+            <a:extLst>
+              <a:ext uri="{28A0092B-C50C-407E-A947-70E740481C1C}">
+                <a14:useLocalDpi xmlns:a14="http://schemas.microsoft.com/office/drawing/2010/main" val="0"/>
+              </a:ext>
+            </a:extLst>
+          </a:blip>
+          <a:srcRect/>
+          <a:stretch>
+            <a:fillRect/>
+          </a:stretch>
+        </p:blipFill>
+        <p:spPr bwMode="auto">
+          <a:xfrm>
+            <a:off x="7722268" y="3256756"/>
+            <a:ext cx="3535206" cy="2357982"/>
+          </a:xfrm>
+          <a:prstGeom prst="rect">
+            <a:avLst/>
+          </a:prstGeom>
+          <a:noFill/>
+          <a:extLst>
+            <a:ext uri="{909E8E84-426E-40DD-AFC4-6F175D3DCCD1}">
+              <a14:hiddenFill xmlns:a14="http://schemas.microsoft.com/office/drawing/2010/main">
+                <a:solidFill>
+                  <a:srgbClr val="FFFFFF"/>
+                </a:solidFill>
+              </a14:hiddenFill>
+            </a:ext>
+          </a:extLst>
+        </p:spPr>
+      </p:pic>
+    </p:spTree>
+    <p:extLst>
+      <p:ext uri="{BB962C8B-B14F-4D97-AF65-F5344CB8AC3E}">
+        <p14:creationId xmlns:p14="http://schemas.microsoft.com/office/powerpoint/2010/main" val="2862881887"/>
+      </p:ext>
+    </p:extLst>
+  </p:cSld>
+  <p:clrMapOvr>
+    <a:masterClrMapping/>
+  </p:clrMapOvr>
+  <p:timing>
+    <p:tnLst>
+      <p:par>
+        <p:cTn id="1" dur="indefinite" restart="never" nodeType="tmRoot">
+          <p:childTnLst>
+            <p:seq concurrent="1" nextAc="seek">
+              <p:cTn id="2" dur="indefinite" nodeType="mainSeq">
+                <p:childTnLst>
+                  <p:par>
+                    <p:cTn id="3" fill="hold">
+                      <p:stCondLst>
+                        <p:cond delay="indefinite"/>
+                      </p:stCondLst>
+                      <p:childTnLst>
+                        <p:par>
+                          <p:cTn id="4" fill="hold">
+                            <p:stCondLst>
+                              <p:cond delay="0"/>
+                            </p:stCondLst>
+                            <p:childTnLst>
+                              <p:par>
+                                <p:cTn id="5" presetID="42" presetClass="entr" presetSubtype="0" fill="hold" nodeType="clickEffect">
+                                  <p:stCondLst>
+                                    <p:cond delay="0"/>
+                                  </p:stCondLst>
+                                  <p:childTnLst>
+                                    <p:set>
+                                      <p:cBhvr>
+                                        <p:cTn id="6" dur="1" fill="hold">
+                                          <p:stCondLst>
+                                            <p:cond delay="0"/>
+                                          </p:stCondLst>
+                                        </p:cTn>
+                                        <p:tgtEl>
+                                          <p:spTgt spid="3">
+                                            <p:txEl>
+                                              <p:pRg st="0" end="0"/>
+                                            </p:txEl>
+                                          </p:spTgt>
+                                        </p:tgtEl>
+                                        <p:attrNameLst>
+                                          <p:attrName>style.visibility</p:attrName>
+                                        </p:attrNameLst>
+                                      </p:cBhvr>
+                                      <p:to>
+                                        <p:strVal val="visible"/>
+                                      </p:to>
+                                    </p:set>
+                                    <p:animEffect transition="in" filter="fade">
+                                      <p:cBhvr>
+                                        <p:cTn id="7" dur="1000"/>
+                                        <p:tgtEl>
+                                          <p:spTgt spid="3">
+                                            <p:txEl>
+                                              <p:pRg st="0" end="0"/>
+                                            </p:txEl>
+                                          </p:spTgt>
+                                        </p:tgtEl>
+                                      </p:cBhvr>
+                                    </p:animEffect>
+                                    <p:anim calcmode="lin" valueType="num">
+                                      <p:cBhvr>
+                                        <p:cTn id="8" dur="1000" fill="hold"/>
+                                        <p:tgtEl>
+                                          <p:spTgt spid="3">
+                                            <p:txEl>
+                                              <p:pRg st="0" end="0"/>
+                                            </p:txEl>
+                                          </p:spTgt>
+                                        </p:tgtEl>
+                                        <p:attrNameLst>
+                                          <p:attrName>ppt_x</p:attrName>
+                                        </p:attrNameLst>
+                                      </p:cBhvr>
+                                      <p:tavLst>
+                                        <p:tav tm="0">
+                                          <p:val>
+                                            <p:strVal val="#ppt_x"/>
+                                          </p:val>
+                                        </p:tav>
+                                        <p:tav tm="100000">
+                                          <p:val>
+                                            <p:strVal val="#ppt_x"/>
+                                          </p:val>
+                                        </p:tav>
+                                      </p:tavLst>
+                                    </p:anim>
+                                    <p:anim calcmode="lin" valueType="num">
+                                      <p:cBhvr>
+                                        <p:cTn id="9" dur="1000" fill="hold"/>
+                                        <p:tgtEl>
+                                          <p:spTgt spid="3">
+                                            <p:txEl>
+                                              <p:pRg st="0" end="0"/>
+                                            </p:txEl>
+                                          </p:spTgt>
+                                        </p:tgtEl>
+                                        <p:attrNameLst>
+                                          <p:attrName>ppt_y</p:attrName>
+                                        </p:attrNameLst>
+                                      </p:cBhvr>
+                                      <p:tavLst>
+                                        <p:tav tm="0">
+                                          <p:val>
+                                            <p:strVal val="#ppt_y+.1"/>
+                                          </p:val>
+                                        </p:tav>
+                                        <p:tav tm="100000">
+                                          <p:val>
+                                            <p:strVal val="#ppt_y"/>
+                                          </p:val>
+                                        </p:tav>
+                                      </p:tavLst>
+                                    </p:anim>
+                                  </p:childTnLst>
+                                </p:cTn>
+                              </p:par>
+                            </p:childTnLst>
+                          </p:cTn>
+                        </p:par>
+                      </p:childTnLst>
+                    </p:cTn>
+                  </p:par>
+                  <p:par>
+                    <p:cTn id="10" fill="hold">
+                      <p:stCondLst>
+                        <p:cond delay="indefinite"/>
+                      </p:stCondLst>
+                      <p:childTnLst>
+                        <p:par>
+                          <p:cTn id="11" fill="hold">
+                            <p:stCondLst>
+                              <p:cond delay="0"/>
+                            </p:stCondLst>
+                            <p:childTnLst>
+                              <p:par>
+                                <p:cTn id="12" presetID="42" presetClass="entr" presetSubtype="0" fill="hold" nodeType="clickEffect">
+                                  <p:stCondLst>
+                                    <p:cond delay="0"/>
+                                  </p:stCondLst>
+                                  <p:childTnLst>
+                                    <p:set>
+                                      <p:cBhvr>
+                                        <p:cTn id="13" dur="1" fill="hold">
+                                          <p:stCondLst>
+                                            <p:cond delay="0"/>
+                                          </p:stCondLst>
+                                        </p:cTn>
+                                        <p:tgtEl>
+                                          <p:spTgt spid="3">
+                                            <p:txEl>
+                                              <p:pRg st="1" end="1"/>
+                                            </p:txEl>
+                                          </p:spTgt>
+                                        </p:tgtEl>
+                                        <p:attrNameLst>
+                                          <p:attrName>style.visibility</p:attrName>
+                                        </p:attrNameLst>
+                                      </p:cBhvr>
+                                      <p:to>
+                                        <p:strVal val="visible"/>
+                                      </p:to>
+                                    </p:set>
+                                    <p:animEffect transition="in" filter="fade">
+                                      <p:cBhvr>
+                                        <p:cTn id="14" dur="1000"/>
+                                        <p:tgtEl>
+                                          <p:spTgt spid="3">
+                                            <p:txEl>
+                                              <p:pRg st="1" end="1"/>
+                                            </p:txEl>
+                                          </p:spTgt>
+                                        </p:tgtEl>
+                                      </p:cBhvr>
+                                    </p:animEffect>
+                                    <p:anim calcmode="lin" valueType="num">
+                                      <p:cBhvr>
+                                        <p:cTn id="15" dur="1000" fill="hold"/>
+                                        <p:tgtEl>
+                                          <p:spTgt spid="3">
+                                            <p:txEl>
+                                              <p:pRg st="1" end="1"/>
+                                            </p:txEl>
+                                          </p:spTgt>
+                                        </p:tgtEl>
+                                        <p:attrNameLst>
+                                          <p:attrName>ppt_x</p:attrName>
+                                        </p:attrNameLst>
+                                      </p:cBhvr>
+                                      <p:tavLst>
+                                        <p:tav tm="0">
+                                          <p:val>
+                                            <p:strVal val="#ppt_x"/>
+                                          </p:val>
+                                        </p:tav>
+                                        <p:tav tm="100000">
+                                          <p:val>
+                                            <p:strVal val="#ppt_x"/>
+                                          </p:val>
+                                        </p:tav>
+                                      </p:tavLst>
+                                    </p:anim>
+                                    <p:anim calcmode="lin" valueType="num">
+                                      <p:cBhvr>
+                                        <p:cTn id="16" dur="1000" fill="hold"/>
+                                        <p:tgtEl>
+                                          <p:spTgt spid="3">
+                                            <p:txEl>
+                                              <p:pRg st="1" end="1"/>
+                                            </p:txEl>
+                                          </p:spTgt>
+                                        </p:tgtEl>
+                                        <p:attrNameLst>
+                                          <p:attrName>ppt_y</p:attrName>
+                                        </p:attrNameLst>
+                                      </p:cBhvr>
+                                      <p:tavLst>
+                                        <p:tav tm="0">
+                                          <p:val>
+                                            <p:strVal val="#ppt_y+.1"/>
+                                          </p:val>
+                                        </p:tav>
+                                        <p:tav tm="100000">
+                                          <p:val>
+                                            <p:strVal val="#ppt_y"/>
+                                          </p:val>
+                                        </p:tav>
+                                      </p:tavLst>
+                                    </p:anim>
+                                  </p:childTnLst>
+                                </p:cTn>
+                              </p:par>
+                            </p:childTnLst>
+                          </p:cTn>
+                        </p:par>
+                      </p:childTnLst>
+                    </p:cTn>
+                  </p:par>
+                  <p:par>
+                    <p:cTn id="17" fill="hold">
+                      <p:stCondLst>
+                        <p:cond delay="indefinite"/>
+                      </p:stCondLst>
+                      <p:childTnLst>
+                        <p:par>
+                          <p:cTn id="18" fill="hold">
+                            <p:stCondLst>
+                              <p:cond delay="0"/>
+                            </p:stCondLst>
+                            <p:childTnLst>
+                              <p:par>
+                                <p:cTn id="19" presetID="42" presetClass="entr" presetSubtype="0" fill="hold" nodeType="clickEffect">
+                                  <p:stCondLst>
+                                    <p:cond delay="0"/>
+                                  </p:stCondLst>
+                                  <p:childTnLst>
+                                    <p:set>
+                                      <p:cBhvr>
+                                        <p:cTn id="20" dur="1" fill="hold">
+                                          <p:stCondLst>
+                                            <p:cond delay="0"/>
+                                          </p:stCondLst>
+                                        </p:cTn>
+                                        <p:tgtEl>
+                                          <p:spTgt spid="3">
+                                            <p:txEl>
+                                              <p:pRg st="2" end="2"/>
+                                            </p:txEl>
+                                          </p:spTgt>
+                                        </p:tgtEl>
+                                        <p:attrNameLst>
+                                          <p:attrName>style.visibility</p:attrName>
+                                        </p:attrNameLst>
+                                      </p:cBhvr>
+                                      <p:to>
+                                        <p:strVal val="visible"/>
+                                      </p:to>
+                                    </p:set>
+                                    <p:animEffect transition="in" filter="fade">
+                                      <p:cBhvr>
+                                        <p:cTn id="21" dur="1000"/>
+                                        <p:tgtEl>
+                                          <p:spTgt spid="3">
+                                            <p:txEl>
+                                              <p:pRg st="2" end="2"/>
+                                            </p:txEl>
+                                          </p:spTgt>
+                                        </p:tgtEl>
+                                      </p:cBhvr>
+                                    </p:animEffect>
+                                    <p:anim calcmode="lin" valueType="num">
+                                      <p:cBhvr>
+                                        <p:cTn id="22" dur="1000" fill="hold"/>
+                                        <p:tgtEl>
+                                          <p:spTgt spid="3">
+                                            <p:txEl>
+                                              <p:pRg st="2" end="2"/>
+                                            </p:txEl>
+                                          </p:spTgt>
+                                        </p:tgtEl>
+                                        <p:attrNameLst>
+                                          <p:attrName>ppt_x</p:attrName>
+                                        </p:attrNameLst>
+                                      </p:cBhvr>
+                                      <p:tavLst>
+                                        <p:tav tm="0">
+                                          <p:val>
+                                            <p:strVal val="#ppt_x"/>
+                                          </p:val>
+                                        </p:tav>
+                                        <p:tav tm="100000">
+                                          <p:val>
+                                            <p:strVal val="#ppt_x"/>
+                                          </p:val>
+                                        </p:tav>
+                                      </p:tavLst>
+                                    </p:anim>
+                                    <p:anim calcmode="lin" valueType="num">
+                                      <p:cBhvr>
+                                        <p:cTn id="23" dur="1000" fill="hold"/>
+                                        <p:tgtEl>
+                                          <p:spTgt spid="3">
+                                            <p:txEl>
+                                              <p:pRg st="2" end="2"/>
+                                            </p:txEl>
+                                          </p:spTgt>
+                                        </p:tgtEl>
+                                        <p:attrNameLst>
+                                          <p:attrName>ppt_y</p:attrName>
+                                        </p:attrNameLst>
+                                      </p:cBhvr>
+                                      <p:tavLst>
+                                        <p:tav tm="0">
+                                          <p:val>
+                                            <p:strVal val="#ppt_y+.1"/>
+                                          </p:val>
+                                        </p:tav>
+                                        <p:tav tm="100000">
+                                          <p:val>
+                                            <p:strVal val="#ppt_y"/>
+                                          </p:val>
+                                        </p:tav>
+                                      </p:tavLst>
+                                    </p:anim>
+                                  </p:childTnLst>
+                                </p:cTn>
+                              </p:par>
+                            </p:childTnLst>
+                          </p:cTn>
+                        </p:par>
+                      </p:childTnLst>
+                    </p:cTn>
+                  </p:par>
+                  <p:par>
+                    <p:cTn id="24" fill="hold">
+                      <p:stCondLst>
+                        <p:cond delay="indefinite"/>
+                      </p:stCondLst>
+                      <p:childTnLst>
+                        <p:par>
+                          <p:cTn id="25" fill="hold">
+                            <p:stCondLst>
+                              <p:cond delay="0"/>
+                            </p:stCondLst>
+                            <p:childTnLst>
+                              <p:par>
+                                <p:cTn id="26" presetID="42" presetClass="entr" presetSubtype="0" fill="hold" nodeType="clickEffect">
+                                  <p:stCondLst>
+                                    <p:cond delay="0"/>
+                                  </p:stCondLst>
+                                  <p:childTnLst>
+                                    <p:set>
+                                      <p:cBhvr>
+                                        <p:cTn id="27" dur="1" fill="hold">
+                                          <p:stCondLst>
+                                            <p:cond delay="0"/>
+                                          </p:stCondLst>
+                                        </p:cTn>
+                                        <p:tgtEl>
+                                          <p:spTgt spid="3074"/>
+                                        </p:tgtEl>
+                                        <p:attrNameLst>
+                                          <p:attrName>style.visibility</p:attrName>
+                                        </p:attrNameLst>
+                                      </p:cBhvr>
+                                      <p:to>
+                                        <p:strVal val="visible"/>
+                                      </p:to>
+                                    </p:set>
+                                    <p:animEffect transition="in" filter="fade">
+                                      <p:cBhvr>
+                                        <p:cTn id="28" dur="1000"/>
+                                        <p:tgtEl>
+                                          <p:spTgt spid="3074"/>
+                                        </p:tgtEl>
+                                      </p:cBhvr>
+                                    </p:animEffect>
+                                    <p:anim calcmode="lin" valueType="num">
+                                      <p:cBhvr>
+                                        <p:cTn id="29" dur="1000" fill="hold"/>
+                                        <p:tgtEl>
+                                          <p:spTgt spid="3074"/>
+                                        </p:tgtEl>
+                                        <p:attrNameLst>
+                                          <p:attrName>ppt_x</p:attrName>
+                                        </p:attrNameLst>
+                                      </p:cBhvr>
+                                      <p:tavLst>
+                                        <p:tav tm="0">
+                                          <p:val>
+                                            <p:strVal val="#ppt_x"/>
+                                          </p:val>
+                                        </p:tav>
+                                        <p:tav tm="100000">
+                                          <p:val>
+                                            <p:strVal val="#ppt_x"/>
+                                          </p:val>
+                                        </p:tav>
+                                      </p:tavLst>
+                                    </p:anim>
+                                    <p:anim calcmode="lin" valueType="num">
+                                      <p:cBhvr>
+                                        <p:cTn id="30" dur="1000" fill="hold"/>
+                                        <p:tgtEl>
+                                          <p:spTgt spid="3074"/>
+                                        </p:tgtEl>
+                                        <p:attrNameLst>
+                                          <p:attrName>ppt_y</p:attrName>
+                                        </p:attrNameLst>
+                                      </p:cBhvr>
+                                      <p:tavLst>
+                                        <p:tav tm="0">
+                                          <p:val>
+                                            <p:strVal val="#ppt_y+.1"/>
+                                          </p:val>
+                                        </p:tav>
+                                        <p:tav tm="100000">
+                                          <p:val>
+                                            <p:strVal val="#ppt_y"/>
+                                          </p:val>
+                                        </p:tav>
+                                      </p:tavLst>
+                                    </p:anim>
+                                  </p:childTnLst>
+                                </p:cTn>
+                              </p:par>
+                            </p:childTnLst>
+                          </p:cTn>
+                        </p:par>
+                      </p:childTnLst>
+                    </p:cTn>
+                  </p:par>
+                  <p:par>
+                    <p:cTn id="31" fill="hold">
+                      <p:stCondLst>
+                        <p:cond delay="indefinite"/>
+                      </p:stCondLst>
+                      <p:childTnLst>
+                        <p:par>
+                          <p:cTn id="32" fill="hold">
+                            <p:stCondLst>
+                              <p:cond delay="0"/>
+                            </p:stCondLst>
+                            <p:childTnLst>
+                              <p:par>
+                                <p:cTn id="33" presetID="42" presetClass="entr" presetSubtype="0" fill="hold" nodeType="clickEffect">
+                                  <p:stCondLst>
+                                    <p:cond delay="0"/>
+                                  </p:stCondLst>
+                                  <p:childTnLst>
+                                    <p:set>
+                                      <p:cBhvr>
+                                        <p:cTn id="34" dur="1" fill="hold">
+                                          <p:stCondLst>
+                                            <p:cond delay="0"/>
+                                          </p:stCondLst>
+                                        </p:cTn>
+                                        <p:tgtEl>
+                                          <p:spTgt spid="3">
+                                            <p:txEl>
+                                              <p:pRg st="3" end="3"/>
+                                            </p:txEl>
+                                          </p:spTgt>
+                                        </p:tgtEl>
+                                        <p:attrNameLst>
+                                          <p:attrName>style.visibility</p:attrName>
+                                        </p:attrNameLst>
+                                      </p:cBhvr>
+                                      <p:to>
+                                        <p:strVal val="visible"/>
+                                      </p:to>
+                                    </p:set>
+                                    <p:animEffect transition="in" filter="fade">
+                                      <p:cBhvr>
+                                        <p:cTn id="35" dur="1000"/>
+                                        <p:tgtEl>
+                                          <p:spTgt spid="3">
+                                            <p:txEl>
+                                              <p:pRg st="3" end="3"/>
+                                            </p:txEl>
+                                          </p:spTgt>
+                                        </p:tgtEl>
+                                      </p:cBhvr>
+                                    </p:animEffect>
+                                    <p:anim calcmode="lin" valueType="num">
+                                      <p:cBhvr>
+                                        <p:cTn id="36" dur="1000" fill="hold"/>
+                                        <p:tgtEl>
+                                          <p:spTgt spid="3">
+                                            <p:txEl>
+                                              <p:pRg st="3" end="3"/>
+                                            </p:txEl>
+                                          </p:spTgt>
+                                        </p:tgtEl>
+                                        <p:attrNameLst>
+                                          <p:attrName>ppt_x</p:attrName>
+                                        </p:attrNameLst>
+                                      </p:cBhvr>
+                                      <p:tavLst>
+                                        <p:tav tm="0">
+                                          <p:val>
+                                            <p:strVal val="#ppt_x"/>
+                                          </p:val>
+                                        </p:tav>
+                                        <p:tav tm="100000">
+                                          <p:val>
+                                            <p:strVal val="#ppt_x"/>
+                                          </p:val>
+                                        </p:tav>
+                                      </p:tavLst>
+                                    </p:anim>
+                                    <p:anim calcmode="lin" valueType="num">
+                                      <p:cBhvr>
+                                        <p:cTn id="37" dur="1000" fill="hold"/>
+                                        <p:tgtEl>
+                                          <p:spTgt spid="3">
+                                            <p:txEl>
+                                              <p:pRg st="3" end="3"/>
+                                            </p:txEl>
+                                          </p:spTgt>
+                                        </p:tgtEl>
+                                        <p:attrNameLst>
+                                          <p:attrName>ppt_y</p:attrName>
+                                        </p:attrNameLst>
+                                      </p:cBhvr>
+                                      <p:tavLst>
+                                        <p:tav tm="0">
+                                          <p:val>
+                                            <p:strVal val="#ppt_y+.1"/>
+                                          </p:val>
+                                        </p:tav>
+                                        <p:tav tm="100000">
+                                          <p:val>
+                                            <p:strVal val="#ppt_y"/>
+                                          </p:val>
+                                        </p:tav>
+                                      </p:tavLst>
+                                    </p:anim>
+                                  </p:childTnLst>
+                                </p:cTn>
+                              </p:par>
+                            </p:childTnLst>
+                          </p:cTn>
+                        </p:par>
+                      </p:childTnLst>
+                    </p:cTn>
+                  </p:par>
+                  <p:par>
+                    <p:cTn id="38" fill="hold">
+                      <p:stCondLst>
+                        <p:cond delay="indefinite"/>
+                      </p:stCondLst>
+                      <p:childTnLst>
+                        <p:par>
+                          <p:cTn id="39" fill="hold">
+                            <p:stCondLst>
+                              <p:cond delay="0"/>
+                            </p:stCondLst>
+                            <p:childTnLst>
+                              <p:par>
+                                <p:cTn id="40" presetID="42" presetClass="entr" presetSubtype="0" fill="hold" nodeType="clickEffect">
+                                  <p:stCondLst>
+                                    <p:cond delay="0"/>
+                                  </p:stCondLst>
+                                  <p:childTnLst>
+                                    <p:set>
+                                      <p:cBhvr>
+                                        <p:cTn id="41" dur="1" fill="hold">
+                                          <p:stCondLst>
+                                            <p:cond delay="0"/>
+                                          </p:stCondLst>
+                                        </p:cTn>
+                                        <p:tgtEl>
+                                          <p:spTgt spid="3076"/>
+                                        </p:tgtEl>
+                                        <p:attrNameLst>
+                                          <p:attrName>style.visibility</p:attrName>
+                                        </p:attrNameLst>
+                                      </p:cBhvr>
+                                      <p:to>
+                                        <p:strVal val="visible"/>
+                                      </p:to>
+                                    </p:set>
+                                    <p:animEffect transition="in" filter="fade">
+                                      <p:cBhvr>
+                                        <p:cTn id="42" dur="1000"/>
+                                        <p:tgtEl>
+                                          <p:spTgt spid="3076"/>
+                                        </p:tgtEl>
+                                      </p:cBhvr>
+                                    </p:animEffect>
+                                    <p:anim calcmode="lin" valueType="num">
+                                      <p:cBhvr>
+                                        <p:cTn id="43" dur="1000" fill="hold"/>
+                                        <p:tgtEl>
+                                          <p:spTgt spid="3076"/>
+                                        </p:tgtEl>
+                                        <p:attrNameLst>
+                                          <p:attrName>ppt_x</p:attrName>
+                                        </p:attrNameLst>
+                                      </p:cBhvr>
+                                      <p:tavLst>
+                                        <p:tav tm="0">
+                                          <p:val>
+                                            <p:strVal val="#ppt_x"/>
+                                          </p:val>
+                                        </p:tav>
+                                        <p:tav tm="100000">
+                                          <p:val>
+                                            <p:strVal val="#ppt_x"/>
+                                          </p:val>
+                                        </p:tav>
+                                      </p:tavLst>
+                                    </p:anim>
+                                    <p:anim calcmode="lin" valueType="num">
+                                      <p:cBhvr>
+                                        <p:cTn id="44" dur="1000" fill="hold"/>
+                                        <p:tgtEl>
+                                          <p:spTgt spid="3076"/>
+                                        </p:tgtEl>
+                                        <p:attrNameLst>
+                                          <p:attrName>ppt_y</p:attrName>
+                                        </p:attrNameLst>
+                                      </p:cBhvr>
+                                      <p:tavLst>
+                                        <p:tav tm="0">
+                                          <p:val>
+                                            <p:strVal val="#ppt_y+.1"/>
+                                          </p:val>
+                                        </p:tav>
+                                        <p:tav tm="100000">
+                                          <p:val>
+                                            <p:strVal val="#ppt_y"/>
+                                          </p:val>
+                                        </p:tav>
+                                      </p:tavLst>
+                                    </p:anim>
+                                  </p:childTnLst>
+                                </p:cTn>
+                              </p:par>
+                            </p:childTnLst>
+                          </p:cTn>
+                        </p:par>
+                      </p:childTnLst>
+                    </p:cTn>
+                  </p:par>
+                  <p:par>
+                    <p:cTn id="45" fill="hold">
+                      <p:stCondLst>
+                        <p:cond delay="indefinite"/>
+                      </p:stCondLst>
+                      <p:childTnLst>
+                        <p:par>
+                          <p:cTn id="46" fill="hold">
+                            <p:stCondLst>
+                              <p:cond delay="0"/>
+                            </p:stCondLst>
+                            <p:childTnLst>
+                              <p:par>
+                                <p:cTn id="47" presetID="42" presetClass="entr" presetSubtype="0" fill="hold" nodeType="clickEffect">
+                                  <p:stCondLst>
+                                    <p:cond delay="0"/>
+                                  </p:stCondLst>
+                                  <p:childTnLst>
+                                    <p:set>
+                                      <p:cBhvr>
+                                        <p:cTn id="48" dur="1" fill="hold">
+                                          <p:stCondLst>
+                                            <p:cond delay="0"/>
+                                          </p:stCondLst>
+                                        </p:cTn>
+                                        <p:tgtEl>
+                                          <p:spTgt spid="3">
+                                            <p:txEl>
+                                              <p:pRg st="4" end="4"/>
+                                            </p:txEl>
+                                          </p:spTgt>
+                                        </p:tgtEl>
+                                        <p:attrNameLst>
+                                          <p:attrName>style.visibility</p:attrName>
+                                        </p:attrNameLst>
+                                      </p:cBhvr>
+                                      <p:to>
+                                        <p:strVal val="visible"/>
+                                      </p:to>
+                                    </p:set>
+                                    <p:animEffect transition="in" filter="fade">
+                                      <p:cBhvr>
+                                        <p:cTn id="49" dur="1000"/>
+                                        <p:tgtEl>
+                                          <p:spTgt spid="3">
+                                            <p:txEl>
+                                              <p:pRg st="4" end="4"/>
+                                            </p:txEl>
+                                          </p:spTgt>
+                                        </p:tgtEl>
+                                      </p:cBhvr>
+                                    </p:animEffect>
+                                    <p:anim calcmode="lin" valueType="num">
+                                      <p:cBhvr>
+                                        <p:cTn id="50" dur="1000" fill="hold"/>
+                                        <p:tgtEl>
+                                          <p:spTgt spid="3">
+                                            <p:txEl>
+                                              <p:pRg st="4" end="4"/>
+                                            </p:txEl>
+                                          </p:spTgt>
+                                        </p:tgtEl>
+                                        <p:attrNameLst>
+                                          <p:attrName>ppt_x</p:attrName>
+                                        </p:attrNameLst>
+                                      </p:cBhvr>
+                                      <p:tavLst>
+                                        <p:tav tm="0">
+                                          <p:val>
+                                            <p:strVal val="#ppt_x"/>
+                                          </p:val>
+                                        </p:tav>
+                                        <p:tav tm="100000">
+                                          <p:val>
+                                            <p:strVal val="#ppt_x"/>
+                                          </p:val>
+                                        </p:tav>
+                                      </p:tavLst>
+                                    </p:anim>
+                                    <p:anim calcmode="lin" valueType="num">
+                                      <p:cBhvr>
+                                        <p:cTn id="51" dur="1000" fill="hold"/>
+                                        <p:tgtEl>
+                                          <p:spTgt spid="3">
+                                            <p:txEl>
+                                              <p:pRg st="4" end="4"/>
+                                            </p:txEl>
+                                          </p:spTgt>
+                                        </p:tgtEl>
+                                        <p:attrNameLst>
+                                          <p:attrName>ppt_y</p:attrName>
+                                        </p:attrNameLst>
+                                      </p:cBhvr>
+                                      <p:tavLst>
+                                        <p:tav tm="0">
+                                          <p:val>
+                                            <p:strVal val="#ppt_y+.1"/>
+                                          </p:val>
+                                        </p:tav>
+                                        <p:tav tm="100000">
+                                          <p:val>
+                                            <p:strVal val="#ppt_y"/>
+                                          </p:val>
+                                        </p:tav>
+                                      </p:tavLst>
+                                    </p:anim>
+                                  </p:childTnLst>
+                                </p:cTn>
+                              </p:par>
+                            </p:childTnLst>
+                          </p:cTn>
+                        </p:par>
+                      </p:childTnLst>
+                    </p:cTn>
+                  </p:par>
+                </p:childTnLst>
+              </p:cTn>
+              <p:prevCondLst>
+                <p:cond evt="onPrev" delay="0">
+                  <p:tgtEl>
+                    <p:sldTgt/>
+                  </p:tgtEl>
+                </p:cond>
+              </p:prevCondLst>
+              <p:nextCondLst>
+                <p:cond evt="onNext" delay="0">
+                  <p:tgtEl>
+                    <p:sldTgt/>
+                  </p:tgtEl>
+                </p:cond>
+              </p:nextCondLst>
+            </p:seq>
+          </p:childTnLst>
+        </p:cTn>
+      </p:par>
+    </p:tnLst>
+  </p:timing>
+</p:sld>
+</file>
+
+<file path=ppt/slides/slide6.xml><?xml version="1.0" encoding="utf-8"?>
+<p:sld xmlns:a="http://schemas.openxmlformats.org/drawingml/2006/main" xmlns:r="http://schemas.openxmlformats.org/officeDocument/2006/relationships" xmlns:p="http://schemas.openxmlformats.org/presentationml/2006/main">
+  <p:cSld>
+    <p:spTree>
+      <p:nvGrpSpPr>
+        <p:cNvPr id="1" name=""/>
+        <p:cNvGrpSpPr/>
+        <p:nvPr/>
+      </p:nvGrpSpPr>
+      <p:grpSpPr>
+        <a:xfrm>
+          <a:off x="0" y="0"/>
+          <a:ext cx="0" cy="0"/>
+          <a:chOff x="0" y="0"/>
+          <a:chExt cx="0" cy="0"/>
+        </a:xfrm>
+      </p:grpSpPr>
+      <p:sp>
+        <p:nvSpPr>
+          <p:cNvPr id="2" name="Title 1"/>
+          <p:cNvSpPr>
+            <a:spLocks noGrp="1"/>
+          </p:cNvSpPr>
+          <p:nvPr>
+            <p:ph type="title"/>
+          </p:nvPr>
+        </p:nvSpPr>
+        <p:spPr/>
+        <p:txBody>
+          <a:bodyPr/>
+          <a:lstStyle/>
+          <a:p>
+            <a:r>
+              <a:rPr lang="en-US" dirty="0" smtClean="0"/>
+              <a:t>Problem 1.</a:t>
+            </a:r>
+            <a:br>
+              <a:rPr lang="en-US" dirty="0" smtClean="0"/>
+            </a:br>
+            <a:endParaRPr lang="en-US" dirty="0"/>
+          </a:p>
+        </p:txBody>
+      </p:sp>
+      <p:sp>
+        <p:nvSpPr>
+          <p:cNvPr id="3" name="Content Placeholder 2"/>
+          <p:cNvSpPr>
+            <a:spLocks noGrp="1"/>
+          </p:cNvSpPr>
+          <p:nvPr>
+            <p:ph sz="half" idx="1"/>
+          </p:nvPr>
+        </p:nvSpPr>
+        <p:spPr/>
+        <p:txBody>
+          <a:bodyPr/>
+          <a:lstStyle/>
+          <a:p>
+            <a:r>
+              <a:rPr lang="en-US" dirty="0" smtClean="0"/>
+              <a:t>The power of a car’s engine is 25kW. Find its work in 1 minute.</a:t>
+            </a:r>
+            <a:endParaRPr lang="en-US" dirty="0"/>
+          </a:p>
+        </p:txBody>
+      </p:sp>
+      <p:pic>
+        <p:nvPicPr>
+          <p:cNvPr id="4106" name="Picture 10" descr="KÃ©ptalÃ¡lat a kÃ¶vetkezÅre: âtrabant teljesÃ­tmÃ©nyâ"/>
+          <p:cNvPicPr>
+            <a:picLocks noGrp="1" noChangeAspect="1" noChangeArrowheads="1"/>
+          </p:cNvPicPr>
+          <p:nvPr>
+            <p:ph sz="half" idx="2"/>
+          </p:nvPr>
+        </p:nvPicPr>
+        <p:blipFill>
+          <a:blip r:embed="rId2">
+            <a:extLst>
+              <a:ext uri="{28A0092B-C50C-407E-A947-70E740481C1C}">
+                <a14:useLocalDpi xmlns:a14="http://schemas.microsoft.com/office/drawing/2010/main" val="0"/>
+              </a:ext>
+            </a:extLst>
+          </a:blip>
+          <a:srcRect/>
+          <a:stretch>
+            <a:fillRect/>
+          </a:stretch>
+        </p:blipFill>
+        <p:spPr bwMode="auto">
+          <a:xfrm>
+            <a:off x="6172200" y="2058194"/>
+            <a:ext cx="5181600" cy="3886200"/>
+          </a:xfrm>
+          <a:prstGeom prst="rect">
+            <a:avLst/>
+          </a:prstGeom>
+          <a:noFill/>
+          <a:extLst>
+            <a:ext uri="{909E8E84-426E-40DD-AFC4-6F175D3DCCD1}">
+              <a14:hiddenFill xmlns:a14="http://schemas.microsoft.com/office/drawing/2010/main">
+                <a:solidFill>
+                  <a:srgbClr val="FFFFFF"/>
+                </a:solidFill>
+              </a14:hiddenFill>
+            </a:ext>
+          </a:extLst>
+        </p:spPr>
+      </p:pic>
+    </p:spTree>
+    <p:extLst>
+      <p:ext uri="{BB962C8B-B14F-4D97-AF65-F5344CB8AC3E}">
+        <p14:creationId xmlns:p14="http://schemas.microsoft.com/office/powerpoint/2010/main" val="3631842888"/>
+      </p:ext>
+    </p:extLst>
+  </p:cSld>
+  <p:clrMapOvr>
+    <a:masterClrMapping/>
+  </p:clrMapOvr>
+  <p:timing>
+    <p:tnLst>
+      <p:par>
+        <p:cTn id="1" dur="indefinite" restart="never" nodeType="tmRoot"/>
+      </p:par>
+    </p:tnLst>
+  </p:timing>
+</p:sld>
+</file>
+
+<file path=ppt/slides/slide7.xml><?xml version="1.0" encoding="utf-8"?>
+<p:sld xmlns:a="http://schemas.openxmlformats.org/drawingml/2006/main" xmlns:r="http://schemas.openxmlformats.org/officeDocument/2006/relationships" xmlns:p="http://schemas.openxmlformats.org/presentationml/2006/main">
+  <p:cSld>
+    <p:spTree>
+      <p:nvGrpSpPr>
+        <p:cNvPr id="1" name=""/>
+        <p:cNvGrpSpPr/>
+        <p:nvPr/>
+      </p:nvGrpSpPr>
+      <p:grpSpPr>
+        <a:xfrm>
+          <a:off x="0" y="0"/>
+          <a:ext cx="0" cy="0"/>
+          <a:chOff x="0" y="0"/>
+          <a:chExt cx="0" cy="0"/>
+        </a:xfrm>
+      </p:grpSpPr>
+      <p:sp>
+        <p:nvSpPr>
+          <p:cNvPr id="2" name="Title 1"/>
+          <p:cNvSpPr>
+            <a:spLocks noGrp="1"/>
+          </p:cNvSpPr>
+          <p:nvPr>
+            <p:ph type="title"/>
+          </p:nvPr>
+        </p:nvSpPr>
+        <p:spPr/>
+        <p:txBody>
+          <a:bodyPr/>
+          <a:lstStyle/>
+          <a:p>
+            <a:r>
+              <a:rPr lang="en-US" dirty="0" smtClean="0"/>
+              <a:t>Problem 2.</a:t>
+            </a:r>
+            <a:endParaRPr lang="en-US" dirty="0"/>
+          </a:p>
+        </p:txBody>
+      </p:sp>
+      <p:sp>
+        <p:nvSpPr>
+          <p:cNvPr id="3" name="Content Placeholder 2"/>
+          <p:cNvSpPr>
+            <a:spLocks noGrp="1"/>
+          </p:cNvSpPr>
+          <p:nvPr>
+            <p:ph sz="half" idx="1"/>
+          </p:nvPr>
+        </p:nvSpPr>
+        <p:spPr/>
+        <p:txBody>
+          <a:bodyPr/>
+          <a:lstStyle/>
+          <a:p>
+            <a:r>
+              <a:rPr lang="en-US" dirty="0" smtClean="0"/>
+              <a:t>A horse’s power is 300 W. He does the work of 6 kJ. Find the time of his work.</a:t>
+            </a:r>
+            <a:endParaRPr lang="en-US" dirty="0"/>
+          </a:p>
+        </p:txBody>
+      </p:sp>
+      <p:pic>
+        <p:nvPicPr>
+          <p:cNvPr id="5" name="Picture 6" descr="KÃ©ptalÃ¡lat a kÃ¶vetkezÅre: âhorse pulling plowâ"/>
+          <p:cNvPicPr>
+            <a:picLocks noGrp="1" noChangeAspect="1" noChangeArrowheads="1"/>
+          </p:cNvPicPr>
+          <p:nvPr>
+            <p:ph sz="half" idx="2"/>
+          </p:nvPr>
+        </p:nvPicPr>
+        <p:blipFill>
+          <a:blip r:embed="rId2" cstate="print">
+            <a:extLst>
+              <a:ext uri="{28A0092B-C50C-407E-A947-70E740481C1C}">
+                <a14:useLocalDpi xmlns:a14="http://schemas.microsoft.com/office/drawing/2010/main" val="0"/>
+              </a:ext>
+            </a:extLst>
+          </a:blip>
+          <a:srcRect/>
+          <a:stretch>
+            <a:fillRect/>
+          </a:stretch>
+        </p:blipFill>
+        <p:spPr bwMode="auto">
+          <a:xfrm>
+            <a:off x="6172200" y="2546460"/>
+            <a:ext cx="5181600" cy="2909667"/>
+          </a:xfrm>
+          <a:prstGeom prst="rect">
+            <a:avLst/>
+          </a:prstGeom>
+          <a:noFill/>
+          <a:extLst>
+            <a:ext uri="{909E8E84-426E-40DD-AFC4-6F175D3DCCD1}">
+              <a14:hiddenFill xmlns:a14="http://schemas.microsoft.com/office/drawing/2010/main">
+                <a:solidFill>
+                  <a:srgbClr val="FFFFFF"/>
+                </a:solidFill>
+              </a14:hiddenFill>
+            </a:ext>
+          </a:extLst>
+        </p:spPr>
+      </p:pic>
+    </p:spTree>
+    <p:extLst>
+      <p:ext uri="{BB962C8B-B14F-4D97-AF65-F5344CB8AC3E}">
+        <p14:creationId xmlns:p14="http://schemas.microsoft.com/office/powerpoint/2010/main" val="465322867"/>
+      </p:ext>
+    </p:extLst>
+  </p:cSld>
+  <p:clrMapOvr>
+    <a:masterClrMapping/>
+  </p:clrMapOvr>
+  <p:timing>
+    <p:tnLst>
+      <p:par>
+        <p:cTn id="1" dur="indefinite" restart="never" nodeType="tmRoot">
+          <p:childTnLst>
+            <p:seq concurrent="1" nextAc="seek">
+              <p:cTn id="2" dur="indefinite" nodeType="mainSeq">
+                <p:childTnLst>
+                  <p:par>
+                    <p:cTn id="3" fill="hold">
+                      <p:stCondLst>
+                        <p:cond delay="indefinite"/>
+                      </p:stCondLst>
+                      <p:childTnLst>
+                        <p:par>
+                          <p:cTn id="4" fill="hold">
+                            <p:stCondLst>
+                              <p:cond delay="0"/>
+                            </p:stCondLst>
+                            <p:childTnLst>
+                              <p:par>
+                                <p:cTn id="5" presetID="42" presetClass="entr" presetSubtype="0" fill="hold" nodeType="clickEffect">
+                                  <p:stCondLst>
+                                    <p:cond delay="0"/>
+                                  </p:stCondLst>
+                                  <p:childTnLst>
+                                    <p:set>
+                                      <p:cBhvr>
+                                        <p:cTn id="6" dur="1" fill="hold">
+                                          <p:stCondLst>
+                                            <p:cond delay="0"/>
+                                          </p:stCondLst>
+                                        </p:cTn>
+                                        <p:tgtEl>
+                                          <p:spTgt spid="5"/>
+                                        </p:tgtEl>
+                                        <p:attrNameLst>
+                                          <p:attrName>style.visibility</p:attrName>
+                                        </p:attrNameLst>
+                                      </p:cBhvr>
+                                      <p:to>
+                                        <p:strVal val="visible"/>
+                                      </p:to>
+                                    </p:set>
+                                    <p:animEffect transition="in" filter="fade">
+                                      <p:cBhvr>
+                                        <p:cTn id="7" dur="1000"/>
+                                        <p:tgtEl>
+                                          <p:spTgt spid="5"/>
+                                        </p:tgtEl>
+                                      </p:cBhvr>
+                                    </p:animEffect>
+                                    <p:anim calcmode="lin" valueType="num">
+                                      <p:cBhvr>
+                                        <p:cTn id="8" dur="1000" fill="hold"/>
+                                        <p:tgtEl>
+                                          <p:spTgt spid="5"/>
+                                        </p:tgtEl>
+                                        <p:attrNameLst>
+                                          <p:attrName>ppt_x</p:attrName>
+                                        </p:attrNameLst>
+                                      </p:cBhvr>
+                                      <p:tavLst>
+                                        <p:tav tm="0">
+                                          <p:val>
+                                            <p:strVal val="#ppt_x"/>
+                                          </p:val>
+                                        </p:tav>
+                                        <p:tav tm="100000">
+                                          <p:val>
+                                            <p:strVal val="#ppt_x"/>
+                                          </p:val>
+                                        </p:tav>
+                                      </p:tavLst>
+                                    </p:anim>
+                                    <p:anim calcmode="lin" valueType="num">
+                                      <p:cBhvr>
+                                        <p:cTn id="9" dur="1000" fill="hold"/>
+                                        <p:tgtEl>
+                                          <p:spTgt spid="5"/>
+                                        </p:tgtEl>
+                                        <p:attrNameLst>
+                                          <p:attrName>ppt_y</p:attrName>
+                                        </p:attrNameLst>
+                                      </p:cBhvr>
+                                      <p:tavLst>
+                                        <p:tav tm="0">
+                                          <p:val>
+                                            <p:strVal val="#ppt_y+.1"/>
+                                          </p:val>
+                                        </p:tav>
+                                        <p:tav tm="100000">
+                                          <p:val>
+                                            <p:strVal val="#ppt_y"/>
+                                          </p:val>
+                                        </p:tav>
+                                      </p:tavLst>
+                                    </p:anim>
+                                  </p:childTnLst>
+                                </p:cTn>
+                              </p:par>
+                            </p:childTnLst>
+                          </p:cTn>
+                        </p:par>
+                      </p:childTnLst>
+                    </p:cTn>
+                  </p:par>
+                </p:childTnLst>
+              </p:cTn>
+              <p:prevCondLst>
+                <p:cond evt="onPrev" delay="0">
+                  <p:tgtEl>
+                    <p:sldTgt/>
+                  </p:tgtEl>
+                </p:cond>
+              </p:prevCondLst>
+              <p:nextCondLst>
+                <p:cond evt="onNext" delay="0">
+                  <p:tgtEl>
+                    <p:sldTgt/>
+                  </p:tgtEl>
+                </p:cond>
+              </p:nextCondLst>
+            </p:seq>
+          </p:childTnLst>
+        </p:cTn>
+      </p:par>
+    </p:tnLst>
+  </p:timing>
+</p:sld>
+</file>
+
+<file path=ppt/slides/slide8.xml><?xml version="1.0" encoding="utf-8"?>
+<p:sld xmlns:a="http://schemas.openxmlformats.org/drawingml/2006/main" xmlns:r="http://schemas.openxmlformats.org/officeDocument/2006/relationships" xmlns:p="http://schemas.openxmlformats.org/presentationml/2006/main">
+  <p:cSld>
+    <p:spTree>
+      <p:nvGrpSpPr>
+        <p:cNvPr id="1" name=""/>
+        <p:cNvGrpSpPr/>
+        <p:nvPr/>
+      </p:nvGrpSpPr>
+      <p:grpSpPr>
+        <a:xfrm>
+          <a:off x="0" y="0"/>
+          <a:ext cx="0" cy="0"/>
+          <a:chOff x="0" y="0"/>
+          <a:chExt cx="0" cy="0"/>
+        </a:xfrm>
+      </p:grpSpPr>
+      <p:sp>
+        <p:nvSpPr>
+          <p:cNvPr id="2" name="Title 1"/>
+          <p:cNvSpPr>
+            <a:spLocks noGrp="1"/>
+          </p:cNvSpPr>
+          <p:nvPr>
+            <p:ph type="title"/>
+          </p:nvPr>
+        </p:nvSpPr>
+        <p:spPr/>
+        <p:txBody>
+          <a:bodyPr/>
+          <a:lstStyle/>
+          <a:p>
+            <a:r>
+              <a:rPr lang="en-US" dirty="0" smtClean="0"/>
+              <a:t>Problem 3.</a:t>
+            </a:r>
+            <a:endParaRPr lang="en-US" dirty="0"/>
+          </a:p>
+        </p:txBody>
+      </p:sp>
+      <mc:AlternateContent xmlns:mc="http://schemas.openxmlformats.org/markup-compatibility/2006">
+        <mc:Choice xmlns:a14="http://schemas.microsoft.com/office/drawing/2010/main" Requires="a14">
+          <p:sp>
+            <p:nvSpPr>
+              <p:cNvPr id="3" name="Content Placeholder 2"/>
+              <p:cNvSpPr>
+                <a:spLocks noGrp="1"/>
+              </p:cNvSpPr>
+              <p:nvPr>
+                <p:ph sz="half" idx="1"/>
+              </p:nvPr>
+            </p:nvSpPr>
+            <p:spPr/>
+            <p:txBody>
+              <a:bodyPr/>
+              <a:lstStyle/>
+              <a:p>
+                <a:r>
+                  <a:rPr lang="en-US" dirty="0" smtClean="0"/>
+                  <a:t>A 1000 kg car is accelerated from rest to the speed of </a:t>
+                </a:r>
+                <a14:m>
+                  <m:oMath xmlns:m="http://schemas.openxmlformats.org/officeDocument/2006/math">
+                    <m:r>
+                      <a:rPr lang="en-US" b="0" i="1" smtClean="0">
+                        <a:latin typeface="Cambria Math" panose="02040503050406030204" pitchFamily="18" charset="0"/>
+                      </a:rPr>
+                      <m:t>100 </m:t>
+                    </m:r>
+                    <m:f>
+                      <m:fPr>
+                        <m:ctrlPr>
+                          <a:rPr lang="en-US" b="0" i="1" smtClean="0">
+                            <a:latin typeface="Cambria Math" panose="02040503050406030204" pitchFamily="18" charset="0"/>
+                          </a:rPr>
+                        </m:ctrlPr>
+                      </m:fPr>
+                      <m:num>
+                        <m:r>
+                          <a:rPr lang="en-US" b="0" i="1" smtClean="0">
+                            <a:latin typeface="Cambria Math" panose="02040503050406030204" pitchFamily="18" charset="0"/>
+                          </a:rPr>
+                          <m:t>𝑘𝑚</m:t>
+                        </m:r>
+                      </m:num>
+                      <m:den>
+                        <m:r>
+                          <a:rPr lang="en-US" b="0" i="1" smtClean="0">
+                            <a:latin typeface="Cambria Math" panose="02040503050406030204" pitchFamily="18" charset="0"/>
+                          </a:rPr>
+                          <m:t>h</m:t>
+                        </m:r>
+                      </m:den>
+                    </m:f>
+                  </m:oMath>
+                </a14:m>
+                <a:r>
+                  <a:rPr lang="en-US" dirty="0" smtClean="0"/>
+                  <a:t> in 10 s. Find the power?</a:t>
+                </a:r>
+                <a:endParaRPr lang="en-US" dirty="0"/>
+              </a:p>
+            </p:txBody>
+          </p:sp>
+        </mc:Choice>
+        <mc:Fallback>
+          <p:sp>
+            <p:nvSpPr>
+              <p:cNvPr id="3" name="Content Placeholder 2"/>
+              <p:cNvSpPr>
+                <a:spLocks noGrp="1" noRot="1" noChangeAspect="1" noMove="1" noResize="1" noEditPoints="1" noAdjustHandles="1" noChangeArrowheads="1" noChangeShapeType="1" noTextEdit="1"/>
+              </p:cNvSpPr>
+              <p:nvPr>
+                <p:ph sz="half" idx="1"/>
+              </p:nvPr>
+            </p:nvSpPr>
+            <p:spPr>
+              <a:blipFill>
+                <a:blip r:embed="rId2"/>
+                <a:stretch>
+                  <a:fillRect l="-2118" t="-2241" r="-353"/>
+                </a:stretch>
+              </a:blipFill>
+            </p:spPr>
+            <p:txBody>
+              <a:bodyPr/>
+              <a:lstStyle/>
+              <a:p>
+                <a:r>
+                  <a:rPr lang="en-US">
+                    <a:noFill/>
+                  </a:rPr>
+                  <a:t> </a:t>
+                </a:r>
+              </a:p>
+            </p:txBody>
+          </p:sp>
+        </mc:Fallback>
+      </mc:AlternateContent>
+      <p:pic>
+        <p:nvPicPr>
+          <p:cNvPr id="10244" name="Picture 4" descr="KÃ©ptalÃ¡lat a kÃ¶vetkezÅre: âskoda fabiaâ"/>
+          <p:cNvPicPr>
+            <a:picLocks noGrp="1" noChangeAspect="1" noChangeArrowheads="1"/>
+          </p:cNvPicPr>
+          <p:nvPr>
+            <p:ph sz="half" idx="2"/>
+          </p:nvPr>
+        </p:nvPicPr>
+        <p:blipFill>
+          <a:blip r:embed="rId3">
+            <a:extLst>
+              <a:ext uri="{28A0092B-C50C-407E-A947-70E740481C1C}">
+                <a14:useLocalDpi xmlns:a14="http://schemas.microsoft.com/office/drawing/2010/main" val="0"/>
+              </a:ext>
+            </a:extLst>
+          </a:blip>
+          <a:srcRect/>
+          <a:stretch>
+            <a:fillRect/>
+          </a:stretch>
+        </p:blipFill>
+        <p:spPr bwMode="auto">
+          <a:xfrm>
+            <a:off x="6019800" y="2409801"/>
+            <a:ext cx="5839686" cy="2919843"/>
+          </a:xfrm>
+          <a:prstGeom prst="rect">
+            <a:avLst/>
+          </a:prstGeom>
+          <a:noFill/>
+          <a:extLst>
+            <a:ext uri="{909E8E84-426E-40DD-AFC4-6F175D3DCCD1}">
+              <a14:hiddenFill xmlns:a14="http://schemas.microsoft.com/office/drawing/2010/main">
+                <a:solidFill>
+                  <a:srgbClr val="FFFFFF"/>
+                </a:solidFill>
+              </a14:hiddenFill>
+            </a:ext>
+          </a:extLst>
+        </p:spPr>
+      </p:pic>
+    </p:spTree>
+    <p:extLst>
+      <p:ext uri="{BB962C8B-B14F-4D97-AF65-F5344CB8AC3E}">
+        <p14:creationId xmlns:p14="http://schemas.microsoft.com/office/powerpoint/2010/main" val="2486305668"/>
+      </p:ext>
+    </p:extLst>
+  </p:cSld>
+  <p:clrMapOvr>
+    <a:masterClrMapping/>
+  </p:clrMapOvr>
+  <p:timing>
+    <p:tnLst>
+      <p:par>
+        <p:cTn id="1" dur="indefinite" restart="never" nodeType="tmRoot"/>
+      </p:par>
+    </p:tnLst>
+  </p:timing>
+</p:sld>
+</file>
+
+<file path=ppt/slides/slide9.xml><?xml version="1.0" encoding="utf-8"?>
+<p:sld xmlns:a="http://schemas.openxmlformats.org/drawingml/2006/main" xmlns:r="http://schemas.openxmlformats.org/officeDocument/2006/relationships" xmlns:p="http://schemas.openxmlformats.org/presentationml/2006/main">
+  <p:cSld>
+    <p:spTree>
+      <p:nvGrpSpPr>
+        <p:cNvPr id="1" name=""/>
+        <p:cNvGrpSpPr/>
+        <p:nvPr/>
+      </p:nvGrpSpPr>
+      <p:grpSpPr>
+        <a:xfrm>
+          <a:off x="0" y="0"/>
+          <a:ext cx="0" cy="0"/>
+          <a:chOff x="0" y="0"/>
+          <a:chExt cx="0" cy="0"/>
+        </a:xfrm>
+      </p:grpSpPr>
+      <p:sp>
+        <p:nvSpPr>
+          <p:cNvPr id="2" name="Title 1"/>
+          <p:cNvSpPr>
+            <a:spLocks noGrp="1"/>
+          </p:cNvSpPr>
+          <p:nvPr>
+            <p:ph type="title"/>
+          </p:nvPr>
+        </p:nvSpPr>
+        <p:spPr/>
+        <p:txBody>
+          <a:bodyPr/>
+          <a:lstStyle/>
+          <a:p>
+            <a:r>
+              <a:rPr lang="en-US" dirty="0" smtClean="0"/>
+              <a:t>Power- another unit</a:t>
+            </a:r>
+            <a:endParaRPr lang="en-US" dirty="0"/>
+          </a:p>
+        </p:txBody>
+      </p:sp>
+      <mc:AlternateContent xmlns:mc="http://schemas.openxmlformats.org/markup-compatibility/2006">
+        <mc:Choice xmlns:a14="http://schemas.microsoft.com/office/drawing/2010/main" Requires="a14">
+          <p:sp>
+            <p:nvSpPr>
+              <p:cNvPr id="3" name="Content Placeholder 2"/>
+              <p:cNvSpPr>
+                <a:spLocks noGrp="1"/>
+              </p:cNvSpPr>
+              <p:nvPr>
+                <p:ph sz="half" idx="1"/>
+              </p:nvPr>
+            </p:nvSpPr>
+            <p:spPr/>
+            <p:txBody>
+              <a:bodyPr/>
+              <a:lstStyle/>
+              <a:p>
+                <a14:m>
+                  <m:oMath xmlns:m="http://schemas.openxmlformats.org/officeDocument/2006/math">
+                    <m:r>
+                      <a:rPr lang="en-US" b="0" i="1" smtClean="0">
+                        <a:latin typeface="Cambria Math" panose="02040503050406030204" pitchFamily="18" charset="0"/>
+                      </a:rPr>
+                      <m:t>𝑃</m:t>
+                    </m:r>
+                    <m:r>
+                      <a:rPr lang="en-US" b="0" i="1" smtClean="0">
+                        <a:latin typeface="Cambria Math" panose="02040503050406030204" pitchFamily="18" charset="0"/>
+                      </a:rPr>
+                      <m:t>=</m:t>
+                    </m:r>
+                    <m:f>
+                      <m:fPr>
+                        <m:ctrlPr>
+                          <a:rPr lang="en-US" b="0" i="1" smtClean="0">
+                            <a:latin typeface="Cambria Math" panose="02040503050406030204" pitchFamily="18" charset="0"/>
+                          </a:rPr>
+                        </m:ctrlPr>
+                      </m:fPr>
+                      <m:num>
+                        <m:r>
+                          <a:rPr lang="en-US" b="0" i="1" smtClean="0">
+                            <a:latin typeface="Cambria Math" panose="02040503050406030204" pitchFamily="18" charset="0"/>
+                          </a:rPr>
+                          <m:t>𝑊</m:t>
+                        </m:r>
+                      </m:num>
+                      <m:den>
+                        <m:r>
+                          <a:rPr lang="en-US" b="0" i="1" smtClean="0">
+                            <a:latin typeface="Cambria Math" panose="02040503050406030204" pitchFamily="18" charset="0"/>
+                          </a:rPr>
+                          <m:t>𝑡</m:t>
+                        </m:r>
+                      </m:den>
+                    </m:f>
+                  </m:oMath>
+                </a14:m>
+                <a:endParaRPr lang="en-US" dirty="0" smtClean="0"/>
+              </a:p>
+              <a:p>
+                <a14:m>
+                  <m:oMath xmlns:m="http://schemas.openxmlformats.org/officeDocument/2006/math">
+                    <m:r>
+                      <a:rPr lang="en-US" b="0" i="1" smtClean="0">
+                        <a:latin typeface="Cambria Math" panose="02040503050406030204" pitchFamily="18" charset="0"/>
+                      </a:rPr>
+                      <m:t>𝑊</m:t>
+                    </m:r>
+                    <m:r>
+                      <a:rPr lang="en-US" b="0" i="1" smtClean="0">
+                        <a:latin typeface="Cambria Math" panose="02040503050406030204" pitchFamily="18" charset="0"/>
+                      </a:rPr>
+                      <m:t>=</m:t>
+                    </m:r>
+                    <m:r>
+                      <a:rPr lang="en-US" b="0" i="1" smtClean="0">
+                        <a:latin typeface="Cambria Math" panose="02040503050406030204" pitchFamily="18" charset="0"/>
+                      </a:rPr>
+                      <m:t>𝑃</m:t>
+                    </m:r>
+                    <m:r>
+                      <a:rPr lang="en-US" b="0" i="1" smtClean="0">
+                        <a:latin typeface="Cambria Math" panose="02040503050406030204" pitchFamily="18" charset="0"/>
+                        <a:ea typeface="Cambria Math" panose="02040503050406030204" pitchFamily="18" charset="0"/>
+                      </a:rPr>
+                      <m:t>∙</m:t>
+                    </m:r>
+                    <m:r>
+                      <a:rPr lang="en-US" b="0" i="1" smtClean="0">
+                        <a:latin typeface="Cambria Math" panose="02040503050406030204" pitchFamily="18" charset="0"/>
+                        <a:ea typeface="Cambria Math" panose="02040503050406030204" pitchFamily="18" charset="0"/>
+                      </a:rPr>
+                      <m:t>𝑡</m:t>
+                    </m:r>
+                  </m:oMath>
+                </a14:m>
+                <a:endParaRPr lang="en-US" b="0" dirty="0" smtClean="0">
+                  <a:ea typeface="Cambria Math" panose="02040503050406030204" pitchFamily="18" charset="0"/>
+                </a:endParaRPr>
+              </a:p>
+              <a:p>
+                <a14:m>
+                  <m:oMath xmlns:m="http://schemas.openxmlformats.org/officeDocument/2006/math">
+                    <m:r>
+                      <a:rPr lang="en-US" b="0" i="1" smtClean="0">
+                        <a:latin typeface="Cambria Math" panose="02040503050406030204" pitchFamily="18" charset="0"/>
+                      </a:rPr>
+                      <m:t>1</m:t>
+                    </m:r>
+                    <m:r>
+                      <a:rPr lang="en-US" b="0" i="1" smtClean="0">
+                        <a:latin typeface="Cambria Math" panose="02040503050406030204" pitchFamily="18" charset="0"/>
+                      </a:rPr>
+                      <m:t>𝐽</m:t>
+                    </m:r>
+                    <m:r>
+                      <a:rPr lang="en-US" b="0" i="1" smtClean="0">
+                        <a:latin typeface="Cambria Math" panose="02040503050406030204" pitchFamily="18" charset="0"/>
+                      </a:rPr>
+                      <m:t>=1</m:t>
+                    </m:r>
+                    <m:r>
+                      <a:rPr lang="en-US" b="0" i="1" smtClean="0">
+                        <a:latin typeface="Cambria Math" panose="02040503050406030204" pitchFamily="18" charset="0"/>
+                      </a:rPr>
+                      <m:t>𝑊</m:t>
+                    </m:r>
+                    <m:r>
+                      <a:rPr lang="en-US" b="0" i="1" smtClean="0">
+                        <a:latin typeface="Cambria Math" panose="02040503050406030204" pitchFamily="18" charset="0"/>
+                        <a:ea typeface="Cambria Math" panose="02040503050406030204" pitchFamily="18" charset="0"/>
+                      </a:rPr>
+                      <m:t>∙1</m:t>
+                    </m:r>
+                    <m:r>
+                      <a:rPr lang="en-US" b="0" i="1" smtClean="0">
+                        <a:latin typeface="Cambria Math" panose="02040503050406030204" pitchFamily="18" charset="0"/>
+                        <a:ea typeface="Cambria Math" panose="02040503050406030204" pitchFamily="18" charset="0"/>
+                      </a:rPr>
+                      <m:t>𝑠</m:t>
+                    </m:r>
+                    <m:r>
+                      <a:rPr lang="en-US" b="0" i="1" smtClean="0">
+                        <a:latin typeface="Cambria Math" panose="02040503050406030204" pitchFamily="18" charset="0"/>
+                        <a:ea typeface="Cambria Math" panose="02040503050406030204" pitchFamily="18" charset="0"/>
+                      </a:rPr>
+                      <m:t>=1</m:t>
+                    </m:r>
+                    <m:r>
+                      <a:rPr lang="en-US" b="0" i="1" smtClean="0">
+                        <a:latin typeface="Cambria Math" panose="02040503050406030204" pitchFamily="18" charset="0"/>
+                        <a:ea typeface="Cambria Math" panose="02040503050406030204" pitchFamily="18" charset="0"/>
+                      </a:rPr>
+                      <m:t>𝑊𝑠</m:t>
+                    </m:r>
+                  </m:oMath>
+                </a14:m>
+                <a:endParaRPr lang="en-US" dirty="0" smtClean="0"/>
+              </a:p>
+              <a:p>
+                <a14:m>
+                  <m:oMath xmlns:m="http://schemas.openxmlformats.org/officeDocument/2006/math">
+                    <m:r>
+                      <a:rPr lang="en-US" b="0" i="1" smtClean="0">
+                        <a:latin typeface="Cambria Math" panose="02040503050406030204" pitchFamily="18" charset="0"/>
+                      </a:rPr>
+                      <m:t>1</m:t>
+                    </m:r>
+                    <m:r>
+                      <a:rPr lang="en-US" b="0" i="1" smtClean="0">
+                        <a:latin typeface="Cambria Math" panose="02040503050406030204" pitchFamily="18" charset="0"/>
+                      </a:rPr>
+                      <m:t>𝑊𝑠</m:t>
+                    </m:r>
+                    <m:r>
+                      <a:rPr lang="en-US" b="0" i="1" smtClean="0">
+                        <a:latin typeface="Cambria Math" panose="02040503050406030204" pitchFamily="18" charset="0"/>
+                      </a:rPr>
+                      <m:t>=1</m:t>
+                    </m:r>
+                    <m:r>
+                      <a:rPr lang="en-US" b="0" i="1" smtClean="0">
+                        <a:latin typeface="Cambria Math" panose="02040503050406030204" pitchFamily="18" charset="0"/>
+                      </a:rPr>
+                      <m:t>𝐽</m:t>
+                    </m:r>
+                    <m:r>
+                      <a:rPr lang="en-US" b="0" i="1" smtClean="0">
+                        <a:latin typeface="Cambria Math" panose="02040503050406030204" pitchFamily="18" charset="0"/>
+                      </a:rPr>
+                      <m:t>  </m:t>
+                    </m:r>
+                    <m:d>
+                      <m:dPr>
+                        <m:begChr m:val="|"/>
+                        <m:endChr m:val=""/>
+                        <m:ctrlPr>
+                          <a:rPr lang="en-US" b="0" i="1" smtClean="0">
+                            <a:latin typeface="Cambria Math" panose="02040503050406030204" pitchFamily="18" charset="0"/>
+                          </a:rPr>
+                        </m:ctrlPr>
+                      </m:dPr>
+                      <m:e>
+                        <m:r>
+                          <a:rPr lang="en-US" b="0" i="1" smtClean="0">
+                            <a:latin typeface="Cambria Math" panose="02040503050406030204" pitchFamily="18" charset="0"/>
+                            <a:ea typeface="Cambria Math" panose="02040503050406030204" pitchFamily="18" charset="0"/>
+                          </a:rPr>
+                          <m:t>∙3600</m:t>
+                        </m:r>
+                      </m:e>
+                    </m:d>
+                  </m:oMath>
+                </a14:m>
+                <a:endParaRPr lang="en-US" dirty="0" smtClean="0"/>
+              </a:p>
+              <a:p>
+                <a14:m>
+                  <m:oMath xmlns:m="http://schemas.openxmlformats.org/officeDocument/2006/math">
+                    <m:r>
+                      <a:rPr lang="en-US" b="0" i="1" smtClean="0">
+                        <a:latin typeface="Cambria Math" panose="02040503050406030204" pitchFamily="18" charset="0"/>
+                      </a:rPr>
+                      <m:t>3600</m:t>
+                    </m:r>
+                    <m:r>
+                      <a:rPr lang="en-US" b="0" i="1" smtClean="0">
+                        <a:latin typeface="Cambria Math" panose="02040503050406030204" pitchFamily="18" charset="0"/>
+                      </a:rPr>
+                      <m:t>𝑊𝑠</m:t>
+                    </m:r>
+                    <m:r>
+                      <a:rPr lang="en-US" b="0" i="1" smtClean="0">
+                        <a:latin typeface="Cambria Math" panose="02040503050406030204" pitchFamily="18" charset="0"/>
+                      </a:rPr>
+                      <m:t>=3600</m:t>
+                    </m:r>
+                    <m:r>
+                      <a:rPr lang="en-US" b="0" i="1" smtClean="0">
+                        <a:latin typeface="Cambria Math" panose="02040503050406030204" pitchFamily="18" charset="0"/>
+                      </a:rPr>
+                      <m:t>𝐽</m:t>
+                    </m:r>
+                  </m:oMath>
+                </a14:m>
+                <a:endParaRPr lang="en-US" dirty="0" smtClean="0"/>
+              </a:p>
+              <a:p>
+                <a14:m>
+                  <m:oMath xmlns:m="http://schemas.openxmlformats.org/officeDocument/2006/math">
+                    <m:r>
+                      <a:rPr lang="en-US" b="0" i="1" smtClean="0">
+                        <a:latin typeface="Cambria Math" panose="02040503050406030204" pitchFamily="18" charset="0"/>
+                      </a:rPr>
+                      <m:t>3600</m:t>
+                    </m:r>
+                    <m:r>
+                      <a:rPr lang="en-US" b="0" i="1" smtClean="0">
+                        <a:latin typeface="Cambria Math" panose="02040503050406030204" pitchFamily="18" charset="0"/>
+                      </a:rPr>
+                      <m:t>𝑠</m:t>
+                    </m:r>
+                    <m:r>
+                      <a:rPr lang="en-US" b="0" i="0" smtClean="0">
+                        <a:latin typeface="Cambria Math" panose="02040503050406030204" pitchFamily="18" charset="0"/>
+                      </a:rPr>
+                      <m:t>=1</m:t>
+                    </m:r>
+                    <m:r>
+                      <m:rPr>
+                        <m:sty m:val="p"/>
+                      </m:rPr>
+                      <a:rPr lang="en-US" b="0" i="0" smtClean="0">
+                        <a:latin typeface="Cambria Math" panose="02040503050406030204" pitchFamily="18" charset="0"/>
+                      </a:rPr>
+                      <m:t>h</m:t>
+                    </m:r>
+                  </m:oMath>
+                </a14:m>
+                <a:endParaRPr lang="en-US" b="0" dirty="0" smtClean="0"/>
+              </a:p>
+              <a:p>
+                <a14:m>
+                  <m:oMath xmlns:m="http://schemas.openxmlformats.org/officeDocument/2006/math">
+                    <m:r>
+                      <a:rPr lang="en-US" b="0" i="1" smtClean="0">
+                        <a:latin typeface="Cambria Math" panose="02040503050406030204" pitchFamily="18" charset="0"/>
+                      </a:rPr>
+                      <m:t>1</m:t>
+                    </m:r>
+                    <m:r>
+                      <a:rPr lang="en-US" b="0" i="1" smtClean="0">
+                        <a:latin typeface="Cambria Math" panose="02040503050406030204" pitchFamily="18" charset="0"/>
+                      </a:rPr>
+                      <m:t>𝑊h</m:t>
+                    </m:r>
+                    <m:r>
+                      <a:rPr lang="en-US" b="0" i="1" smtClean="0">
+                        <a:latin typeface="Cambria Math" panose="02040503050406030204" pitchFamily="18" charset="0"/>
+                      </a:rPr>
+                      <m:t>=3600</m:t>
+                    </m:r>
+                    <m:r>
+                      <a:rPr lang="en-US" b="0" i="1" smtClean="0">
+                        <a:latin typeface="Cambria Math" panose="02040503050406030204" pitchFamily="18" charset="0"/>
+                      </a:rPr>
+                      <m:t>𝐽</m:t>
+                    </m:r>
+                  </m:oMath>
+                </a14:m>
+                <a:endParaRPr lang="en-US" b="0" dirty="0" smtClean="0"/>
+              </a:p>
+              <a:p>
+                <a14:m>
+                  <m:oMath xmlns:m="http://schemas.openxmlformats.org/officeDocument/2006/math">
+                    <m:r>
+                      <a:rPr lang="en-US" b="0" i="1" smtClean="0">
+                        <a:latin typeface="Cambria Math" panose="02040503050406030204" pitchFamily="18" charset="0"/>
+                      </a:rPr>
+                      <m:t>1</m:t>
+                    </m:r>
+                    <m:r>
+                      <a:rPr lang="en-US" b="0" i="1" smtClean="0">
+                        <a:latin typeface="Cambria Math" panose="02040503050406030204" pitchFamily="18" charset="0"/>
+                      </a:rPr>
+                      <m:t>𝑘𝑊h</m:t>
+                    </m:r>
+                    <m:r>
+                      <a:rPr lang="en-US" b="0" i="1" smtClean="0">
+                        <a:latin typeface="Cambria Math" panose="02040503050406030204" pitchFamily="18" charset="0"/>
+                      </a:rPr>
+                      <m:t>=3 600 000</m:t>
+                    </m:r>
+                    <m:r>
+                      <a:rPr lang="en-US" b="0" i="1" smtClean="0">
+                        <a:latin typeface="Cambria Math" panose="02040503050406030204" pitchFamily="18" charset="0"/>
+                      </a:rPr>
+                      <m:t>𝐽</m:t>
+                    </m:r>
+                    <m:r>
+                      <a:rPr lang="en-US" b="0" i="1" smtClean="0">
+                        <a:latin typeface="Cambria Math" panose="02040503050406030204" pitchFamily="18" charset="0"/>
+                      </a:rPr>
+                      <m:t>=3.6 </m:t>
+                    </m:r>
+                    <m:r>
+                      <a:rPr lang="en-US" b="0" i="1" smtClean="0">
+                        <a:latin typeface="Cambria Math" panose="02040503050406030204" pitchFamily="18" charset="0"/>
+                      </a:rPr>
+                      <m:t>𝑀𝐽</m:t>
+                    </m:r>
+                  </m:oMath>
+                </a14:m>
+                <a:endParaRPr lang="en-US" dirty="0"/>
+              </a:p>
+            </p:txBody>
+          </p:sp>
+        </mc:Choice>
+        <mc:Fallback>
+          <p:sp>
+            <p:nvSpPr>
+              <p:cNvPr id="3" name="Content Placeholder 2"/>
+              <p:cNvSpPr>
+                <a:spLocks noGrp="1" noRot="1" noChangeAspect="1" noMove="1" noResize="1" noEditPoints="1" noAdjustHandles="1" noChangeArrowheads="1" noChangeShapeType="1" noTextEdit="1"/>
+              </p:cNvSpPr>
+              <p:nvPr>
+                <p:ph sz="half" idx="1"/>
+              </p:nvPr>
+            </p:nvSpPr>
+            <p:spPr>
+              <a:blipFill>
+                <a:blip r:embed="rId2"/>
+                <a:stretch>
+                  <a:fillRect/>
+                </a:stretch>
+              </a:blipFill>
+            </p:spPr>
+            <p:txBody>
+              <a:bodyPr/>
+              <a:lstStyle/>
+              <a:p>
+                <a:r>
+                  <a:rPr lang="en-US">
+                    <a:noFill/>
+                  </a:rPr>
+                  <a:t> </a:t>
+                </a:r>
+              </a:p>
+            </p:txBody>
+          </p:sp>
+        </mc:Fallback>
+      </mc:AlternateContent>
+      <p:sp>
+        <p:nvSpPr>
+          <p:cNvPr id="4" name="Content Placeholder 3"/>
+          <p:cNvSpPr>
+            <a:spLocks noGrp="1"/>
+          </p:cNvSpPr>
+          <p:nvPr>
+            <p:ph sz="half" idx="2"/>
+          </p:nvPr>
+        </p:nvSpPr>
+        <p:spPr/>
+        <p:txBody>
+          <a:bodyPr/>
+          <a:lstStyle/>
+          <a:p>
+            <a:endParaRPr lang="en-US"/>
+          </a:p>
+        </p:txBody>
+      </p:sp>
+    </p:spTree>
+    <p:extLst>
+      <p:ext uri="{BB962C8B-B14F-4D97-AF65-F5344CB8AC3E}">
+        <p14:creationId xmlns:p14="http://schemas.microsoft.com/office/powerpoint/2010/main" val="668965576"/>
+      </p:ext>
+    </p:extLst>
+  </p:cSld>
+  <p:clrMapOvr>
+    <a:masterClrMapping/>
+  </p:clrMapOvr>
+  <p:timing>
+    <p:tnLst>
+      <p:par>
+        <p:cTn id="1" dur="indefinite" restart="never" nodeType="tmRoot"/>
+      </p:par>
+    </p:tnLst>
+  </p:timing>
+</p:sld>
+</file>
+
 <file path=ppt/theme/theme1.xml><?xml version="1.0" encoding="utf-8"?>
 <a:theme xmlns:a="http://schemas.openxmlformats.org/drawingml/2006/main" name="Office Theme">
   <a:themeElements>
